--- a/Многопоточность.pptx
+++ b/Многопоточность.pptx
@@ -5583,12 +5583,29 @@
             <p:ph idx="1"/>
           </p:nvPr>
         </p:nvSpPr>
-        <p:spPr/>
+        <p:spPr>
+          <a:xfrm>
+            <a:off x="1627464" y="3137913"/>
+            <a:ext cx="9986394" cy="590404"/>
+          </a:xfrm>
+        </p:spPr>
         <p:txBody>
           <a:bodyPr/>
           <a:lstStyle/>
           <a:p>
-            <a:endParaRPr lang="ru-RU" dirty="0"/>
+            <a:r>
+              <a:rPr lang="en-US" dirty="0">
+                <a:solidFill>
+                  <a:schemeClr val="bg1"/>
+                </a:solidFill>
+              </a:rPr>
+              <a:t>https://github.com/Selidinok/android_multithread</a:t>
+            </a:r>
+            <a:endParaRPr lang="ru-RU" dirty="0">
+              <a:solidFill>
+                <a:schemeClr val="bg1"/>
+              </a:solidFill>
+            </a:endParaRPr>
           </a:p>
         </p:txBody>
       </p:sp>

--- a/Многопоточность.pptx
+++ b/Многопоточность.pptx
@@ -8974,7 +8974,7 @@
                   <a:schemeClr val="bg1"/>
                 </a:solidFill>
               </a:rPr>
-              <a:t>Зачем нужна многопоточность?</a:t>
+              <a:t>Проблемы многопоточности</a:t>
             </a:r>
           </a:p>
         </p:txBody>

--- a/Многопоточность.pptx
+++ b/Многопоточность.pptx
@@ -5,7 +5,7 @@
     <p:sldMasterId id="2147483684" r:id="rId1"/>
   </p:sldMasterIdLst>
   <p:notesMasterIdLst>
-    <p:notesMasterId r:id="rId19"/>
+    <p:notesMasterId r:id="rId20"/>
   </p:notesMasterIdLst>
   <p:sldIdLst>
     <p:sldId id="256" r:id="rId2"/>
@@ -23,8 +23,9 @@
     <p:sldId id="300" r:id="rId14"/>
     <p:sldId id="301" r:id="rId15"/>
     <p:sldId id="303" r:id="rId16"/>
-    <p:sldId id="302" r:id="rId17"/>
-    <p:sldId id="304" r:id="rId18"/>
+    <p:sldId id="305" r:id="rId17"/>
+    <p:sldId id="302" r:id="rId18"/>
+    <p:sldId id="304" r:id="rId19"/>
   </p:sldIdLst>
   <p:sldSz cx="12192000" cy="6858000"/>
   <p:notesSz cx="6858000" cy="9144000"/>
@@ -5411,6 +5412,553 @@
           <p:cNvPr id="2" name="Заголовок 1">
             <a:extLst>
               <a:ext uri="{FF2B5EF4-FFF2-40B4-BE49-F238E27FC236}">
+                <a16:creationId xmlns:a16="http://schemas.microsoft.com/office/drawing/2014/main" id="{A61C90DC-9054-4E61-9E8E-6E82F65B9741}"/>
+              </a:ext>
+            </a:extLst>
+          </p:cNvPr>
+          <p:cNvSpPr>
+            <a:spLocks noGrp="1"/>
+          </p:cNvSpPr>
+          <p:nvPr>
+            <p:ph type="title"/>
+          </p:nvPr>
+        </p:nvSpPr>
+        <p:spPr/>
+        <p:txBody>
+          <a:bodyPr/>
+          <a:lstStyle/>
+          <a:p>
+            <a:pPr algn="ctr"/>
+            <a:r>
+              <a:rPr lang="ru-RU" dirty="0">
+                <a:solidFill>
+                  <a:schemeClr val="bg1"/>
+                </a:solidFill>
+              </a:rPr>
+              <a:t>Использование</a:t>
+            </a:r>
+            <a:r>
+              <a:rPr lang="en-US" dirty="0">
+                <a:solidFill>
+                  <a:schemeClr val="bg1"/>
+                </a:solidFill>
+              </a:rPr>
+              <a:t> Handler</a:t>
+            </a:r>
+            <a:endParaRPr lang="ru-RU" dirty="0">
+              <a:solidFill>
+                <a:schemeClr val="bg1"/>
+              </a:solidFill>
+            </a:endParaRPr>
+          </a:p>
+        </p:txBody>
+      </p:sp>
+      <p:sp>
+        <p:nvSpPr>
+          <p:cNvPr id="4" name="Номер слайда 3">
+            <a:extLst>
+              <a:ext uri="{FF2B5EF4-FFF2-40B4-BE49-F238E27FC236}">
+                <a16:creationId xmlns:a16="http://schemas.microsoft.com/office/drawing/2014/main" id="{E5E37BC2-28A7-4787-BD81-961B7A3E0047}"/>
+              </a:ext>
+            </a:extLst>
+          </p:cNvPr>
+          <p:cNvSpPr>
+            <a:spLocks noGrp="1"/>
+          </p:cNvSpPr>
+          <p:nvPr>
+            <p:ph type="sldNum" sz="quarter" idx="12"/>
+          </p:nvPr>
+        </p:nvSpPr>
+        <p:spPr/>
+        <p:txBody>
+          <a:bodyPr/>
+          <a:lstStyle/>
+          <a:p>
+            <a:fld id="{B9F5FBF0-3463-467F-B8AE-ABE55FDBCDBF}" type="slidenum">
+              <a:rPr lang="ru-RU" smtClean="0"/>
+              <a:t>16</a:t>
+            </a:fld>
+            <a:endParaRPr lang="ru-RU"/>
+          </a:p>
+        </p:txBody>
+      </p:sp>
+      <p:sp>
+        <p:nvSpPr>
+          <p:cNvPr id="8" name="Rectangle 2">
+            <a:extLst>
+              <a:ext uri="{FF2B5EF4-FFF2-40B4-BE49-F238E27FC236}">
+                <a16:creationId xmlns:a16="http://schemas.microsoft.com/office/drawing/2014/main" id="{E707C804-5A20-47F6-873A-AA7113127256}"/>
+              </a:ext>
+            </a:extLst>
+          </p:cNvPr>
+          <p:cNvSpPr>
+            <a:spLocks noChangeArrowheads="1"/>
+          </p:cNvSpPr>
+          <p:nvPr/>
+        </p:nvSpPr>
+        <p:spPr bwMode="auto">
+          <a:xfrm>
+            <a:off x="1308100" y="1946988"/>
+            <a:ext cx="10045700" cy="2246769"/>
+          </a:xfrm>
+          <a:prstGeom prst="rect">
+            <a:avLst/>
+          </a:prstGeom>
+          <a:solidFill>
+            <a:srgbClr val="2B2B2B"/>
+          </a:solidFill>
+          <a:ln>
+            <a:noFill/>
+          </a:ln>
+          <a:effectLst/>
+          <a:extLst>
+            <a:ext uri="{91240B29-F687-4F45-9708-019B960494DF}">
+              <a14:hiddenLine xmlns:a14="http://schemas.microsoft.com/office/drawing/2010/main" w="9525">
+                <a:solidFill>
+                  <a:schemeClr val="tx1"/>
+                </a:solidFill>
+                <a:miter lim="800000"/>
+                <a:headEnd/>
+                <a:tailEnd/>
+              </a14:hiddenLine>
+            </a:ext>
+            <a:ext uri="{AF507438-7753-43E0-B8FC-AC1667EBCBE1}">
+              <a14:hiddenEffects xmlns:a14="http://schemas.microsoft.com/office/drawing/2010/main">
+                <a:effectLst>
+                  <a:outerShdw dist="35921" dir="2700000" algn="ctr" rotWithShape="0">
+                    <a:schemeClr val="bg2"/>
+                  </a:outerShdw>
+                </a:effectLst>
+              </a14:hiddenEffects>
+            </a:ext>
+          </a:extLst>
+        </p:spPr>
+        <p:txBody>
+          <a:bodyPr vert="horz" wrap="square" lIns="91440" tIns="45720" rIns="91440" bIns="45720" numCol="1" anchor="ctr" anchorCtr="0" compatLnSpc="1">
+            <a:prstTxWarp prst="textNoShape">
+              <a:avLst/>
+            </a:prstTxWarp>
+            <a:spAutoFit/>
+          </a:bodyPr>
+          <a:lstStyle/>
+          <a:p>
+            <a:pPr marL="0" marR="0" lvl="0" indent="0" algn="l" defTabSz="914400" rtl="0" eaLnBrk="0" fontAlgn="base" latinLnBrk="0" hangingPunct="0">
+              <a:lnSpc>
+                <a:spcPct val="100000"/>
+              </a:lnSpc>
+              <a:spcBef>
+                <a:spcPct val="0"/>
+              </a:spcBef>
+              <a:spcAft>
+                <a:spcPct val="0"/>
+              </a:spcAft>
+              <a:buClrTx/>
+              <a:buSzTx/>
+              <a:buFontTx/>
+              <a:buNone/>
+              <a:tabLst/>
+            </a:pPr>
+            <a:r>
+              <a:rPr kumimoji="0" lang="en-US" altLang="ru-RU" sz="2800" b="0" i="0" u="none" strike="noStrike" cap="none" normalizeH="0" baseline="0" dirty="0">
+                <a:ln>
+                  <a:noFill/>
+                </a:ln>
+                <a:solidFill>
+                  <a:srgbClr val="A9B7C6"/>
+                </a:solidFill>
+                <a:effectLst/>
+                <a:latin typeface="Consolas" panose="020B0609020204030204" pitchFamily="49" charset="0"/>
+              </a:rPr>
+              <a:t>Handler(</a:t>
+            </a:r>
+            <a:r>
+              <a:rPr kumimoji="0" lang="en-US" altLang="ru-RU" sz="2800" b="0" i="0" u="none" strike="noStrike" cap="none" normalizeH="0" baseline="0" dirty="0" err="1">
+                <a:ln>
+                  <a:noFill/>
+                </a:ln>
+                <a:solidFill>
+                  <a:srgbClr val="A9B7C6"/>
+                </a:solidFill>
+                <a:effectLst/>
+                <a:latin typeface="Consolas" panose="020B0609020204030204" pitchFamily="49" charset="0"/>
+              </a:rPr>
+              <a:t>Looper.getMainLooper</a:t>
+            </a:r>
+            <a:r>
+              <a:rPr kumimoji="0" lang="en-US" altLang="ru-RU" sz="2800" b="0" i="0" u="none" strike="noStrike" cap="none" normalizeH="0" baseline="0" dirty="0">
+                <a:ln>
+                  <a:noFill/>
+                </a:ln>
+                <a:solidFill>
+                  <a:srgbClr val="A9B7C6"/>
+                </a:solidFill>
+                <a:effectLst/>
+                <a:latin typeface="Consolas" panose="020B0609020204030204" pitchFamily="49" charset="0"/>
+              </a:rPr>
+              <a:t>())</a:t>
+            </a:r>
+            <a:r>
+              <a:rPr kumimoji="0" lang="ru-RU" altLang="ru-RU" sz="2800" b="0" i="0" u="none" strike="noStrike" cap="none" normalizeH="0" baseline="0" dirty="0">
+                <a:ln>
+                  <a:noFill/>
+                </a:ln>
+                <a:solidFill>
+                  <a:srgbClr val="A9B7C6"/>
+                </a:solidFill>
+                <a:effectLst/>
+                <a:latin typeface="Consolas" panose="020B0609020204030204" pitchFamily="49" charset="0"/>
+              </a:rPr>
+              <a:t>.</a:t>
+            </a:r>
+            <a:r>
+              <a:rPr kumimoji="0" lang="ru-RU" altLang="ru-RU" sz="2800" b="0" i="0" u="none" strike="noStrike" cap="none" normalizeH="0" baseline="0" dirty="0" err="1">
+                <a:ln>
+                  <a:noFill/>
+                </a:ln>
+                <a:solidFill>
+                  <a:srgbClr val="A9B7C6"/>
+                </a:solidFill>
+                <a:effectLst/>
+                <a:latin typeface="Consolas" panose="020B0609020204030204" pitchFamily="49" charset="0"/>
+              </a:rPr>
+              <a:t>post</a:t>
+            </a:r>
+            <a:r>
+              <a:rPr kumimoji="0" lang="ru-RU" altLang="ru-RU" sz="2800" b="0" i="0" u="none" strike="noStrike" cap="none" normalizeH="0" baseline="0" dirty="0">
+                <a:ln>
+                  <a:noFill/>
+                </a:ln>
+                <a:solidFill>
+                  <a:srgbClr val="A9B7C6"/>
+                </a:solidFill>
+                <a:effectLst/>
+                <a:latin typeface="Consolas" panose="020B0609020204030204" pitchFamily="49" charset="0"/>
+              </a:rPr>
+              <a:t> </a:t>
+            </a:r>
+            <a:r>
+              <a:rPr kumimoji="0" lang="ru-RU" altLang="ru-RU" sz="2800" b="1" i="0" u="none" strike="noStrike" cap="none" normalizeH="0" baseline="0" dirty="0">
+                <a:ln>
+                  <a:noFill/>
+                </a:ln>
+                <a:solidFill>
+                  <a:srgbClr val="A9B7C6"/>
+                </a:solidFill>
+                <a:effectLst/>
+                <a:latin typeface="Consolas" panose="020B0609020204030204" pitchFamily="49" charset="0"/>
+              </a:rPr>
+              <a:t>{</a:t>
+            </a:r>
+            <a:r>
+              <a:rPr kumimoji="0" lang="en-US" altLang="ru-RU" sz="2800" b="1" i="0" u="none" strike="noStrike" cap="none" normalizeH="0" baseline="0" dirty="0">
+                <a:ln>
+                  <a:noFill/>
+                </a:ln>
+                <a:solidFill>
+                  <a:srgbClr val="A9B7C6"/>
+                </a:solidFill>
+                <a:effectLst/>
+                <a:latin typeface="Consolas" panose="020B0609020204030204" pitchFamily="49" charset="0"/>
+              </a:rPr>
+              <a:t> … </a:t>
+            </a:r>
+            <a:r>
+              <a:rPr kumimoji="0" lang="ru-RU" altLang="ru-RU" sz="2800" b="1" i="0" u="none" strike="noStrike" cap="none" normalizeH="0" baseline="0" dirty="0">
+                <a:ln>
+                  <a:noFill/>
+                </a:ln>
+                <a:solidFill>
+                  <a:srgbClr val="A9B7C6"/>
+                </a:solidFill>
+                <a:effectLst/>
+                <a:latin typeface="Consolas" panose="020B0609020204030204" pitchFamily="49" charset="0"/>
+              </a:rPr>
+              <a:t>}</a:t>
+            </a:r>
+            <a:endParaRPr kumimoji="0" lang="en-US" altLang="ru-RU" sz="2800" b="1" i="0" u="none" strike="noStrike" cap="none" normalizeH="0" baseline="0" dirty="0">
+              <a:ln>
+                <a:noFill/>
+              </a:ln>
+              <a:solidFill>
+                <a:srgbClr val="A9B7C6"/>
+              </a:solidFill>
+              <a:effectLst/>
+              <a:latin typeface="Consolas" panose="020B0609020204030204" pitchFamily="49" charset="0"/>
+            </a:endParaRPr>
+          </a:p>
+          <a:p>
+            <a:pPr marL="0" marR="0" lvl="0" indent="0" algn="l" defTabSz="914400" rtl="0" eaLnBrk="0" fontAlgn="base" latinLnBrk="0" hangingPunct="0">
+              <a:lnSpc>
+                <a:spcPct val="100000"/>
+              </a:lnSpc>
+              <a:spcBef>
+                <a:spcPct val="0"/>
+              </a:spcBef>
+              <a:spcAft>
+                <a:spcPct val="0"/>
+              </a:spcAft>
+              <a:buClrTx/>
+              <a:buSzTx/>
+              <a:buFontTx/>
+              <a:buNone/>
+              <a:tabLst/>
+            </a:pPr>
+            <a:br>
+              <a:rPr kumimoji="0" lang="ru-RU" altLang="ru-RU" sz="2800" b="1" i="0" u="none" strike="noStrike" cap="none" normalizeH="0" baseline="0" dirty="0">
+                <a:ln>
+                  <a:noFill/>
+                </a:ln>
+                <a:solidFill>
+                  <a:srgbClr val="A9B7C6"/>
+                </a:solidFill>
+                <a:effectLst/>
+                <a:latin typeface="Consolas" panose="020B0609020204030204" pitchFamily="49" charset="0"/>
+              </a:rPr>
+            </a:br>
+            <a:r>
+              <a:rPr kumimoji="0" lang="ru-RU" altLang="ru-RU" sz="2800" b="0" i="1" u="none" strike="noStrike" cap="none" normalizeH="0" baseline="0" dirty="0" err="1">
+                <a:ln>
+                  <a:noFill/>
+                </a:ln>
+                <a:solidFill>
+                  <a:srgbClr val="9876AA"/>
+                </a:solidFill>
+                <a:effectLst/>
+                <a:latin typeface="Consolas" panose="020B0609020204030204" pitchFamily="49" charset="0"/>
+              </a:rPr>
+              <a:t>activity</a:t>
+            </a:r>
+            <a:r>
+              <a:rPr kumimoji="0" lang="ru-RU" altLang="ru-RU" sz="2800" b="0" i="0" u="none" strike="noStrike" cap="none" normalizeH="0" baseline="0" dirty="0">
+                <a:ln>
+                  <a:noFill/>
+                </a:ln>
+                <a:solidFill>
+                  <a:srgbClr val="A9B7C6"/>
+                </a:solidFill>
+                <a:effectLst/>
+                <a:latin typeface="Consolas" panose="020B0609020204030204" pitchFamily="49" charset="0"/>
+              </a:rPr>
+              <a:t>?.</a:t>
+            </a:r>
+            <a:r>
+              <a:rPr kumimoji="0" lang="ru-RU" altLang="ru-RU" sz="2800" b="0" i="0" u="none" strike="noStrike" cap="none" normalizeH="0" baseline="0" dirty="0" err="1">
+                <a:ln>
+                  <a:noFill/>
+                </a:ln>
+                <a:solidFill>
+                  <a:srgbClr val="A9B7C6"/>
+                </a:solidFill>
+                <a:effectLst/>
+                <a:latin typeface="Consolas" panose="020B0609020204030204" pitchFamily="49" charset="0"/>
+              </a:rPr>
+              <a:t>runOnUiThread</a:t>
+            </a:r>
+            <a:r>
+              <a:rPr kumimoji="0" lang="ru-RU" altLang="ru-RU" sz="2800" b="0" i="0" u="none" strike="noStrike" cap="none" normalizeH="0" baseline="0" dirty="0">
+                <a:ln>
+                  <a:noFill/>
+                </a:ln>
+                <a:solidFill>
+                  <a:srgbClr val="A9B7C6"/>
+                </a:solidFill>
+                <a:effectLst/>
+                <a:latin typeface="Consolas" panose="020B0609020204030204" pitchFamily="49" charset="0"/>
+              </a:rPr>
+              <a:t> </a:t>
+            </a:r>
+            <a:r>
+              <a:rPr kumimoji="0" lang="ru-RU" altLang="ru-RU" sz="2800" b="1" i="0" u="none" strike="noStrike" cap="none" normalizeH="0" baseline="0" dirty="0">
+                <a:ln>
+                  <a:noFill/>
+                </a:ln>
+                <a:solidFill>
+                  <a:srgbClr val="A9B7C6"/>
+                </a:solidFill>
+                <a:effectLst/>
+                <a:latin typeface="Consolas" panose="020B0609020204030204" pitchFamily="49" charset="0"/>
+              </a:rPr>
+              <a:t>{ </a:t>
+            </a:r>
+            <a:r>
+              <a:rPr kumimoji="0" lang="en-US" altLang="ru-RU" sz="2800" b="1" i="0" u="none" strike="noStrike" cap="none" normalizeH="0" baseline="0" dirty="0">
+                <a:ln>
+                  <a:noFill/>
+                </a:ln>
+                <a:solidFill>
+                  <a:srgbClr val="A9B7C6"/>
+                </a:solidFill>
+                <a:effectLst/>
+                <a:latin typeface="Consolas" panose="020B0609020204030204" pitchFamily="49" charset="0"/>
+              </a:rPr>
+              <a:t>…</a:t>
+            </a:r>
+            <a:r>
+              <a:rPr kumimoji="0" lang="ru-RU" altLang="ru-RU" sz="2800" b="1" i="0" u="none" strike="noStrike" cap="none" normalizeH="0" baseline="0" dirty="0">
+                <a:ln>
+                  <a:noFill/>
+                </a:ln>
+                <a:solidFill>
+                  <a:srgbClr val="A9B7C6"/>
+                </a:solidFill>
+                <a:effectLst/>
+                <a:latin typeface="Consolas" panose="020B0609020204030204" pitchFamily="49" charset="0"/>
+              </a:rPr>
+              <a:t> }</a:t>
+            </a:r>
+            <a:endParaRPr kumimoji="0" lang="en-US" altLang="ru-RU" sz="2800" b="1" i="0" u="none" strike="noStrike" cap="none" normalizeH="0" baseline="0" dirty="0">
+              <a:ln>
+                <a:noFill/>
+              </a:ln>
+              <a:solidFill>
+                <a:srgbClr val="A9B7C6"/>
+              </a:solidFill>
+              <a:effectLst/>
+              <a:latin typeface="Consolas" panose="020B0609020204030204" pitchFamily="49" charset="0"/>
+            </a:endParaRPr>
+          </a:p>
+          <a:p>
+            <a:pPr marL="0" marR="0" lvl="0" indent="0" algn="l" defTabSz="914400" rtl="0" eaLnBrk="0" fontAlgn="base" latinLnBrk="0" hangingPunct="0">
+              <a:lnSpc>
+                <a:spcPct val="100000"/>
+              </a:lnSpc>
+              <a:spcBef>
+                <a:spcPct val="0"/>
+              </a:spcBef>
+              <a:spcAft>
+                <a:spcPct val="0"/>
+              </a:spcAft>
+              <a:buClrTx/>
+              <a:buSzTx/>
+              <a:buFontTx/>
+              <a:buNone/>
+              <a:tabLst/>
+            </a:pPr>
+            <a:br>
+              <a:rPr kumimoji="0" lang="ru-RU" altLang="ru-RU" sz="2800" b="1" i="0" u="none" strike="noStrike" cap="none" normalizeH="0" baseline="0" dirty="0">
+                <a:ln>
+                  <a:noFill/>
+                </a:ln>
+                <a:solidFill>
+                  <a:srgbClr val="A9B7C6"/>
+                </a:solidFill>
+                <a:effectLst/>
+                <a:latin typeface="Consolas" panose="020B0609020204030204" pitchFamily="49" charset="0"/>
+              </a:rPr>
+            </a:br>
+            <a:r>
+              <a:rPr kumimoji="0" lang="ru-RU" altLang="ru-RU" sz="2800" b="0" i="0" u="none" strike="noStrike" cap="none" normalizeH="0" baseline="0" dirty="0" err="1">
+                <a:ln>
+                  <a:noFill/>
+                </a:ln>
+                <a:solidFill>
+                  <a:srgbClr val="A9B7C6"/>
+                </a:solidFill>
+                <a:effectLst/>
+                <a:latin typeface="Consolas" panose="020B0609020204030204" pitchFamily="49" charset="0"/>
+              </a:rPr>
+              <a:t>view.post</a:t>
+            </a:r>
+            <a:r>
+              <a:rPr kumimoji="0" lang="ru-RU" altLang="ru-RU" sz="2800" b="0" i="0" u="none" strike="noStrike" cap="none" normalizeH="0" baseline="0" dirty="0">
+                <a:ln>
+                  <a:noFill/>
+                </a:ln>
+                <a:solidFill>
+                  <a:srgbClr val="A9B7C6"/>
+                </a:solidFill>
+                <a:effectLst/>
+                <a:latin typeface="Consolas" panose="020B0609020204030204" pitchFamily="49" charset="0"/>
+              </a:rPr>
+              <a:t> </a:t>
+            </a:r>
+            <a:r>
+              <a:rPr kumimoji="0" lang="ru-RU" altLang="ru-RU" sz="2800" b="1" i="0" u="none" strike="noStrike" cap="none" normalizeH="0" baseline="0" dirty="0">
+                <a:ln>
+                  <a:noFill/>
+                </a:ln>
+                <a:solidFill>
+                  <a:srgbClr val="A9B7C6"/>
+                </a:solidFill>
+                <a:effectLst/>
+                <a:latin typeface="Consolas" panose="020B0609020204030204" pitchFamily="49" charset="0"/>
+              </a:rPr>
+              <a:t>{ </a:t>
+            </a:r>
+            <a:r>
+              <a:rPr kumimoji="0" lang="en-US" altLang="ru-RU" sz="2800" b="1" i="0" u="none" strike="noStrike" cap="none" normalizeH="0" baseline="0" dirty="0">
+                <a:ln>
+                  <a:noFill/>
+                </a:ln>
+                <a:solidFill>
+                  <a:srgbClr val="A9B7C6"/>
+                </a:solidFill>
+                <a:effectLst/>
+                <a:latin typeface="Consolas" panose="020B0609020204030204" pitchFamily="49" charset="0"/>
+              </a:rPr>
+              <a:t>…</a:t>
+            </a:r>
+            <a:r>
+              <a:rPr kumimoji="0" lang="ru-RU" altLang="ru-RU" sz="2800" b="1" i="0" u="none" strike="noStrike" cap="none" normalizeH="0" baseline="0" dirty="0">
+                <a:ln>
+                  <a:noFill/>
+                </a:ln>
+                <a:solidFill>
+                  <a:srgbClr val="A9B7C6"/>
+                </a:solidFill>
+                <a:effectLst/>
+                <a:latin typeface="Consolas" panose="020B0609020204030204" pitchFamily="49" charset="0"/>
+              </a:rPr>
+              <a:t> }</a:t>
+            </a:r>
+            <a:endParaRPr kumimoji="0" lang="ru-RU" altLang="ru-RU" sz="2800" b="0" i="0" u="none" strike="noStrike" cap="none" normalizeH="0" baseline="0" dirty="0">
+              <a:ln>
+                <a:noFill/>
+              </a:ln>
+              <a:solidFill>
+                <a:schemeClr val="tx1"/>
+              </a:solidFill>
+              <a:effectLst/>
+              <a:latin typeface="Arial" panose="020B0604020202020204" pitchFamily="34" charset="0"/>
+            </a:endParaRPr>
+          </a:p>
+        </p:txBody>
+      </p:sp>
+    </p:spTree>
+    <p:extLst>
+      <p:ext uri="{BB962C8B-B14F-4D97-AF65-F5344CB8AC3E}">
+        <p14:creationId xmlns:p14="http://schemas.microsoft.com/office/powerpoint/2010/main" val="910722573"/>
+      </p:ext>
+    </p:extLst>
+  </p:cSld>
+  <p:clrMapOvr>
+    <a:masterClrMapping/>
+  </p:clrMapOvr>
+</p:sld>
+</file>
+
+<file path=ppt/slides/slide17.xml><?xml version="1.0" encoding="utf-8"?>
+<p:sld xmlns:a="http://schemas.openxmlformats.org/drawingml/2006/main" xmlns:r="http://schemas.openxmlformats.org/officeDocument/2006/relationships" xmlns:p="http://schemas.openxmlformats.org/presentationml/2006/main">
+  <p:cSld>
+    <p:spTree>
+      <p:nvGrpSpPr>
+        <p:cNvPr id="1" name=""/>
+        <p:cNvGrpSpPr/>
+        <p:nvPr/>
+      </p:nvGrpSpPr>
+      <p:grpSpPr>
+        <a:xfrm>
+          <a:off x="0" y="0"/>
+          <a:ext cx="0" cy="0"/>
+          <a:chOff x="0" y="0"/>
+          <a:chExt cx="0" cy="0"/>
+        </a:xfrm>
+      </p:grpSpPr>
+      <p:sp>
+        <p:nvSpPr>
+          <p:cNvPr id="2" name="Заголовок 1">
+            <a:extLst>
+              <a:ext uri="{FF2B5EF4-FFF2-40B4-BE49-F238E27FC236}">
                 <a16:creationId xmlns:a16="http://schemas.microsoft.com/office/drawing/2014/main" id="{360EC9FE-A2FE-498D-ABDA-A1103B217430}"/>
               </a:ext>
             </a:extLst>
@@ -5498,7 +6046,7 @@
           <a:p>
             <a:fld id="{B9F5FBF0-3463-467F-B8AE-ABE55FDBCDBF}" type="slidenum">
               <a:rPr lang="ru-RU" smtClean="0"/>
-              <a:t>16</a:t>
+              <a:t>17</a:t>
             </a:fld>
             <a:endParaRPr lang="ru-RU"/>
           </a:p>
@@ -5517,7 +6065,7 @@
 </p:sld>
 </file>
 
-<file path=ppt/slides/slide17.xml><?xml version="1.0" encoding="utf-8"?>
+<file path=ppt/slides/slide18.xml><?xml version="1.0" encoding="utf-8"?>
 <p:sld xmlns:a="http://schemas.openxmlformats.org/drawingml/2006/main" xmlns:r="http://schemas.openxmlformats.org/officeDocument/2006/relationships" xmlns:p="http://schemas.openxmlformats.org/presentationml/2006/main">
   <p:cSld>
     <p:spTree>
@@ -5632,7 +6180,7 @@
           <a:p>
             <a:fld id="{B9F5FBF0-3463-467F-B8AE-ABE55FDBCDBF}" type="slidenum">
               <a:rPr lang="ru-RU" smtClean="0"/>
-              <a:t>17</a:t>
+              <a:t>18</a:t>
             </a:fld>
             <a:endParaRPr lang="ru-RU"/>
           </a:p>

--- a/Многопоточность.pptx
+++ b/Многопоточность.pptx
@@ -5,7 +5,7 @@
     <p:sldMasterId id="2147483684" r:id="rId1"/>
   </p:sldMasterIdLst>
   <p:notesMasterIdLst>
-    <p:notesMasterId r:id="rId20"/>
+    <p:notesMasterId r:id="rId21"/>
   </p:notesMasterIdLst>
   <p:sldIdLst>
     <p:sldId id="256" r:id="rId2"/>
@@ -26,6 +26,7 @@
     <p:sldId id="305" r:id="rId17"/>
     <p:sldId id="302" r:id="rId18"/>
     <p:sldId id="304" r:id="rId19"/>
+    <p:sldId id="306" r:id="rId20"/>
   </p:sldIdLst>
   <p:sldSz cx="12192000" cy="6858000"/>
   <p:notesSz cx="6858000" cy="9144000"/>
@@ -225,7 +226,7 @@
           <a:p>
             <a:fld id="{CB6B30FB-0A2B-4A17-8104-0FE5321F4932}" type="datetimeFigureOut">
               <a:rPr lang="ru-RU" smtClean="0"/>
-              <a:t>02.11.2020</a:t>
+              <a:t>03.11.2020</a:t>
             </a:fld>
             <a:endParaRPr lang="ru-RU"/>
           </a:p>
@@ -623,7 +624,7 @@
           <a:p>
             <a:fld id="{D1AA770E-5907-499B-968B-29E9093F8EC4}" type="datetime1">
               <a:rPr lang="ru-RU" smtClean="0"/>
-              <a:t>02.11.2020</a:t>
+              <a:t>03.11.2020</a:t>
             </a:fld>
             <a:endParaRPr lang="ru-RU"/>
           </a:p>
@@ -793,7 +794,7 @@
           <a:p>
             <a:fld id="{D05EBC4E-25ED-439C-943C-DF3D1C7B51D1}" type="datetime1">
               <a:rPr lang="ru-RU" smtClean="0"/>
-              <a:t>02.11.2020</a:t>
+              <a:t>03.11.2020</a:t>
             </a:fld>
             <a:endParaRPr lang="ru-RU"/>
           </a:p>
@@ -973,7 +974,7 @@
           <a:p>
             <a:fld id="{98420487-D400-4D42-9F55-8998FE6675FB}" type="datetime1">
               <a:rPr lang="ru-RU" smtClean="0"/>
-              <a:t>02.11.2020</a:t>
+              <a:t>03.11.2020</a:t>
             </a:fld>
             <a:endParaRPr lang="ru-RU"/>
           </a:p>
@@ -1143,7 +1144,7 @@
           <a:p>
             <a:fld id="{94051E90-5FA2-4878-9286-80AD6609E9B1}" type="datetime1">
               <a:rPr lang="ru-RU" smtClean="0"/>
-              <a:t>02.11.2020</a:t>
+              <a:t>03.11.2020</a:t>
             </a:fld>
             <a:endParaRPr lang="ru-RU"/>
           </a:p>
@@ -1389,7 +1390,7 @@
           <a:p>
             <a:fld id="{5F7673D2-2215-47B4-BA31-9D9954E3355C}" type="datetime1">
               <a:rPr lang="ru-RU" smtClean="0"/>
-              <a:t>02.11.2020</a:t>
+              <a:t>03.11.2020</a:t>
             </a:fld>
             <a:endParaRPr lang="ru-RU"/>
           </a:p>
@@ -1621,7 +1622,7 @@
           <a:p>
             <a:fld id="{CCC22321-E3DB-429D-BA89-52675170BFF1}" type="datetime1">
               <a:rPr lang="ru-RU" smtClean="0"/>
-              <a:t>02.11.2020</a:t>
+              <a:t>03.11.2020</a:t>
             </a:fld>
             <a:endParaRPr lang="ru-RU"/>
           </a:p>
@@ -1988,7 +1989,7 @@
           <a:p>
             <a:fld id="{132A6BDF-231A-478E-9301-7BC7247A2743}" type="datetime1">
               <a:rPr lang="ru-RU" smtClean="0"/>
-              <a:t>02.11.2020</a:t>
+              <a:t>03.11.2020</a:t>
             </a:fld>
             <a:endParaRPr lang="ru-RU"/>
           </a:p>
@@ -2106,7 +2107,7 @@
           <a:p>
             <a:fld id="{E39AFFD5-44B8-42D1-A108-93B60131AA6F}" type="datetime1">
               <a:rPr lang="ru-RU" smtClean="0"/>
-              <a:t>02.11.2020</a:t>
+              <a:t>03.11.2020</a:t>
             </a:fld>
             <a:endParaRPr lang="ru-RU"/>
           </a:p>
@@ -2201,7 +2202,7 @@
           <a:p>
             <a:fld id="{43E50125-264A-476B-BEC6-B023728698A0}" type="datetime1">
               <a:rPr lang="ru-RU" smtClean="0"/>
-              <a:t>02.11.2020</a:t>
+              <a:t>03.11.2020</a:t>
             </a:fld>
             <a:endParaRPr lang="ru-RU"/>
           </a:p>
@@ -2478,7 +2479,7 @@
           <a:p>
             <a:fld id="{1C9901E2-E43A-479B-991A-F6DC9F8DAD76}" type="datetime1">
               <a:rPr lang="ru-RU" smtClean="0"/>
-              <a:t>02.11.2020</a:t>
+              <a:t>03.11.2020</a:t>
             </a:fld>
             <a:endParaRPr lang="ru-RU"/>
           </a:p>
@@ -2735,7 +2736,7 @@
           <a:p>
             <a:fld id="{EA4A1284-1AB6-4FEE-96C3-D5DEEAC7A11C}" type="datetime1">
               <a:rPr lang="ru-RU" smtClean="0"/>
-              <a:t>02.11.2020</a:t>
+              <a:t>03.11.2020</a:t>
             </a:fld>
             <a:endParaRPr lang="ru-RU"/>
           </a:p>
@@ -2951,7 +2952,7 @@
           <a:p>
             <a:fld id="{E08022F8-647E-4920-9510-5892E0C3619B}" type="datetime1">
               <a:rPr lang="ru-RU" smtClean="0"/>
-              <a:t>02.11.2020</a:t>
+              <a:t>03.11.2020</a:t>
             </a:fld>
             <a:endParaRPr lang="ru-RU"/>
           </a:p>
@@ -6190,6 +6191,171 @@
     <p:extLst>
       <p:ext uri="{BB962C8B-B14F-4D97-AF65-F5344CB8AC3E}">
         <p14:creationId xmlns:p14="http://schemas.microsoft.com/office/powerpoint/2010/main" val="522476825"/>
+      </p:ext>
+    </p:extLst>
+  </p:cSld>
+  <p:clrMapOvr>
+    <a:masterClrMapping/>
+  </p:clrMapOvr>
+</p:sld>
+</file>
+
+<file path=ppt/slides/slide19.xml><?xml version="1.0" encoding="utf-8"?>
+<p:sld xmlns:a="http://schemas.openxmlformats.org/drawingml/2006/main" xmlns:r="http://schemas.openxmlformats.org/officeDocument/2006/relationships" xmlns:p="http://schemas.openxmlformats.org/presentationml/2006/main">
+  <p:cSld>
+    <p:spTree>
+      <p:nvGrpSpPr>
+        <p:cNvPr id="1" name=""/>
+        <p:cNvGrpSpPr/>
+        <p:nvPr/>
+      </p:nvGrpSpPr>
+      <p:grpSpPr>
+        <a:xfrm>
+          <a:off x="0" y="0"/>
+          <a:ext cx="0" cy="0"/>
+          <a:chOff x="0" y="0"/>
+          <a:chExt cx="0" cy="0"/>
+        </a:xfrm>
+      </p:grpSpPr>
+      <p:sp>
+        <p:nvSpPr>
+          <p:cNvPr id="2" name="Заголовок 1">
+            <a:extLst>
+              <a:ext uri="{FF2B5EF4-FFF2-40B4-BE49-F238E27FC236}">
+                <a16:creationId xmlns:a16="http://schemas.microsoft.com/office/drawing/2014/main" id="{D4E0940A-F6F6-4667-A51F-0515FC153EC8}"/>
+              </a:ext>
+            </a:extLst>
+          </p:cNvPr>
+          <p:cNvSpPr>
+            <a:spLocks noGrp="1"/>
+          </p:cNvSpPr>
+          <p:nvPr>
+            <p:ph type="title"/>
+          </p:nvPr>
+        </p:nvSpPr>
+        <p:spPr/>
+        <p:txBody>
+          <a:bodyPr/>
+          <a:lstStyle/>
+          <a:p>
+            <a:pPr algn="ctr"/>
+            <a:r>
+              <a:rPr lang="en-US" dirty="0" err="1">
+                <a:solidFill>
+                  <a:schemeClr val="bg1"/>
+                </a:solidFill>
+              </a:rPr>
+              <a:t>WorkManger</a:t>
+            </a:r>
+            <a:endParaRPr lang="ru-RU" dirty="0">
+              <a:solidFill>
+                <a:schemeClr val="bg1"/>
+              </a:solidFill>
+            </a:endParaRPr>
+          </a:p>
+        </p:txBody>
+      </p:sp>
+      <p:pic>
+        <p:nvPicPr>
+          <p:cNvPr id="6" name="Объект 5">
+            <a:extLst>
+              <a:ext uri="{FF2B5EF4-FFF2-40B4-BE49-F238E27FC236}">
+                <a16:creationId xmlns:a16="http://schemas.microsoft.com/office/drawing/2014/main" id="{E93296A5-23A8-4B7A-A92A-D7A1E024DEA9}"/>
+              </a:ext>
+            </a:extLst>
+          </p:cNvPr>
+          <p:cNvPicPr>
+            <a:picLocks noGrp="1" noChangeAspect="1"/>
+          </p:cNvPicPr>
+          <p:nvPr>
+            <p:ph idx="1"/>
+          </p:nvPr>
+        </p:nvPicPr>
+        <p:blipFill>
+          <a:blip r:embed="rId2">
+            <a:extLst>
+              <a:ext uri="{28A0092B-C50C-407E-A947-70E740481C1C}">
+                <a14:useLocalDpi xmlns:a14="http://schemas.microsoft.com/office/drawing/2010/main" val="0"/>
+              </a:ext>
+            </a:extLst>
+          </a:blip>
+          <a:stretch>
+            <a:fillRect/>
+          </a:stretch>
+        </p:blipFill>
+        <p:spPr>
+          <a:xfrm>
+            <a:off x="1450211" y="1825625"/>
+            <a:ext cx="9291578" cy="4351338"/>
+          </a:xfrm>
+          <a:prstGeom prst="rect">
+            <a:avLst/>
+          </a:prstGeom>
+          <a:solidFill>
+            <a:srgbClr val="FFFFFF">
+              <a:shade val="85000"/>
+            </a:srgbClr>
+          </a:solidFill>
+          <a:ln w="88900" cap="sq">
+            <a:solidFill>
+              <a:srgbClr val="FFFFFF"/>
+            </a:solidFill>
+            <a:miter lim="800000"/>
+          </a:ln>
+          <a:effectLst>
+            <a:outerShdw blurRad="55000" dist="18000" dir="5400000" algn="tl" rotWithShape="0">
+              <a:srgbClr val="000000">
+                <a:alpha val="40000"/>
+              </a:srgbClr>
+            </a:outerShdw>
+          </a:effectLst>
+          <a:scene3d>
+            <a:camera prst="orthographicFront"/>
+            <a:lightRig rig="twoPt" dir="t">
+              <a:rot lat="0" lon="0" rev="7200000"/>
+            </a:lightRig>
+          </a:scene3d>
+          <a:sp3d>
+            <a:bevelT w="25400" h="19050"/>
+            <a:contourClr>
+              <a:srgbClr val="FFFFFF"/>
+            </a:contourClr>
+          </a:sp3d>
+        </p:spPr>
+      </p:pic>
+      <p:sp>
+        <p:nvSpPr>
+          <p:cNvPr id="4" name="Номер слайда 3">
+            <a:extLst>
+              <a:ext uri="{FF2B5EF4-FFF2-40B4-BE49-F238E27FC236}">
+                <a16:creationId xmlns:a16="http://schemas.microsoft.com/office/drawing/2014/main" id="{60D25CAD-E6BF-4F90-9D88-D8D85B5038F9}"/>
+              </a:ext>
+            </a:extLst>
+          </p:cNvPr>
+          <p:cNvSpPr>
+            <a:spLocks noGrp="1"/>
+          </p:cNvSpPr>
+          <p:nvPr>
+            <p:ph type="sldNum" sz="quarter" idx="12"/>
+          </p:nvPr>
+        </p:nvSpPr>
+        <p:spPr/>
+        <p:txBody>
+          <a:bodyPr/>
+          <a:lstStyle/>
+          <a:p>
+            <a:fld id="{B9F5FBF0-3463-467F-B8AE-ABE55FDBCDBF}" type="slidenum">
+              <a:rPr lang="ru-RU" smtClean="0"/>
+              <a:t>19</a:t>
+            </a:fld>
+            <a:endParaRPr lang="ru-RU"/>
+          </a:p>
+        </p:txBody>
+      </p:sp>
+    </p:spTree>
+    <p:extLst>
+      <p:ext uri="{BB962C8B-B14F-4D97-AF65-F5344CB8AC3E}">
+        <p14:creationId xmlns:p14="http://schemas.microsoft.com/office/powerpoint/2010/main" val="1540814702"/>
       </p:ext>
     </p:extLst>
   </p:cSld>

--- a/Многопоточность.pptx
+++ b/Многопоточность.pptx
@@ -8456,30 +8456,30 @@
               <a:t>        </a:t>
             </a:r>
             <a:r>
-              <a:rPr kumimoji="0" lang="ru-RU" altLang="ru-RU" sz="1600" b="0" i="0" u="none" strike="noStrike" cap="none" normalizeH="0" baseline="0" dirty="0" err="1">
-                <a:ln>
-                  <a:noFill/>
-                </a:ln>
-                <a:solidFill>
-                  <a:srgbClr val="A9B7C6"/>
-                </a:solidFill>
-                <a:effectLst/>
-                <a:latin typeface="Consolas" panose="020B0609020204030204" pitchFamily="49" charset="0"/>
-              </a:rPr>
-              <a:t>command.run</a:t>
-            </a:r>
-            <a:r>
-              <a:rPr kumimoji="0" lang="ru-RU" altLang="ru-RU" sz="1600" b="0" i="0" u="none" strike="noStrike" cap="none" normalizeH="0" baseline="0" dirty="0">
-                <a:ln>
-                  <a:noFill/>
-                </a:ln>
-                <a:solidFill>
-                  <a:srgbClr val="A9B7C6"/>
-                </a:solidFill>
-                <a:effectLst/>
-                <a:latin typeface="Consolas" panose="020B0609020204030204" pitchFamily="49" charset="0"/>
-              </a:rPr>
-              <a:t>()</a:t>
+              <a:rPr kumimoji="0" lang="en-US" altLang="ru-RU" sz="1600" b="0" i="0" u="none" strike="noStrike" cap="none" normalizeH="0" baseline="0" dirty="0" err="1">
+                <a:ln>
+                  <a:noFill/>
+                </a:ln>
+                <a:solidFill>
+                  <a:srgbClr val="A9B7C6"/>
+                </a:solidFill>
+                <a:effectLst/>
+                <a:latin typeface="Consolas" panose="020B0609020204030204" pitchFamily="49" charset="0"/>
+              </a:rPr>
+              <a:t>createThread</a:t>
+            </a:r>
+            <a:r>
+              <a:rPr kumimoji="0" lang="en-US" altLang="ru-RU" sz="1600" b="0" i="0" u="none" strike="noStrike" cap="none" normalizeH="0" baseline="0" dirty="0">
+                <a:ln>
+                  <a:noFill/>
+                </a:ln>
+                <a:solidFill>
+                  <a:srgbClr val="A9B7C6"/>
+                </a:solidFill>
+                <a:effectLst/>
+                <a:latin typeface="Consolas" panose="020B0609020204030204" pitchFamily="49" charset="0"/>
+              </a:rPr>
+              <a:t>(command).start()</a:t>
             </a:r>
             <a:br>
               <a:rPr kumimoji="0" lang="ru-RU" altLang="ru-RU" sz="1600" b="0" i="0" u="none" strike="noStrike" cap="none" normalizeH="0" baseline="0" dirty="0">
@@ -9688,7 +9688,7 @@
                   <a:schemeClr val="bg1"/>
                 </a:solidFill>
               </a:rPr>
-              <a:t>Проблемы многопоточности</a:t>
+              <a:t>Зачем нам нужна многопоточность?</a:t>
             </a:r>
           </a:p>
         </p:txBody>
@@ -9729,7 +9729,7 @@
                   <a:schemeClr val="bg1"/>
                 </a:solidFill>
               </a:rPr>
-              <a:t>Приложение должно работать не ограничено долго</a:t>
+              <a:t>Почему приложение не закрывается сразу после открытия?</a:t>
             </a:r>
           </a:p>
           <a:p>
@@ -9743,7 +9743,7 @@
                   <a:schemeClr val="bg1"/>
                 </a:solidFill>
               </a:rPr>
-              <a:t>Отрисовка </a:t>
+              <a:t>Почему отрисовка </a:t>
             </a:r>
             <a:r>
               <a:rPr lang="en-US" dirty="0">
@@ -9759,7 +9759,7 @@
                   <a:schemeClr val="bg1"/>
                 </a:solidFill>
               </a:rPr>
-              <a:t> только в </a:t>
+              <a:t> разрешена только в </a:t>
             </a:r>
             <a:r>
               <a:rPr lang="en-US" dirty="0">
@@ -9785,11 +9785,14 @@
               </a:rPr>
               <a:t>треде</a:t>
             </a:r>
-            <a:endParaRPr lang="ru-RU" dirty="0">
-              <a:solidFill>
-                <a:schemeClr val="bg1"/>
-              </a:solidFill>
-            </a:endParaRPr>
+            <a:r>
+              <a:rPr lang="ru-RU" dirty="0">
+                <a:solidFill>
+                  <a:schemeClr val="bg1"/>
+                </a:solidFill>
+              </a:rPr>
+              <a:t>?</a:t>
+            </a:r>
           </a:p>
           <a:p>
             <a:pPr marL="514350" indent="-514350">
@@ -9802,7 +9805,7 @@
                   <a:schemeClr val="bg1"/>
                 </a:solidFill>
               </a:rPr>
-              <a:t>Выполнение длительных задач в </a:t>
+              <a:t>Как выполнять длительные задач в </a:t>
             </a:r>
             <a:r>
               <a:rPr lang="en-US" dirty="0">
@@ -9826,7 +9829,7 @@
                   <a:schemeClr val="bg1"/>
                 </a:solidFill>
               </a:rPr>
-              <a:t>.</a:t>
+              <a:t>?</a:t>
             </a:r>
           </a:p>
           <a:p>
@@ -9840,7 +9843,7 @@
                   <a:schemeClr val="bg1"/>
                 </a:solidFill>
               </a:rPr>
-              <a:t>Коммуникация между </a:t>
+              <a:t>Как вернуть результат работы </a:t>
             </a:r>
             <a:r>
               <a:rPr lang="en-US" dirty="0">
@@ -9851,12 +9854,20 @@
               <a:t>background </a:t>
             </a:r>
             <a:r>
+              <a:rPr lang="ru-RU" dirty="0" err="1">
+                <a:solidFill>
+                  <a:schemeClr val="bg1"/>
+                </a:solidFill>
+              </a:rPr>
+              <a:t>треда</a:t>
+            </a:r>
+            <a:r>
               <a:rPr lang="ru-RU" dirty="0">
                 <a:solidFill>
                   <a:schemeClr val="bg1"/>
                 </a:solidFill>
               </a:rPr>
-              <a:t>и </a:t>
+              <a:t> в </a:t>
             </a:r>
             <a:r>
               <a:rPr lang="en-US" dirty="0">
@@ -9872,13 +9883,16 @@
                   <a:schemeClr val="bg1"/>
                 </a:solidFill>
               </a:rPr>
-              <a:t>тредами</a:t>
-            </a:r>
-            <a:endParaRPr lang="ru-RU" dirty="0">
-              <a:solidFill>
-                <a:schemeClr val="bg1"/>
-              </a:solidFill>
-            </a:endParaRPr>
+              <a:t>тред</a:t>
+            </a:r>
+            <a:r>
+              <a:rPr lang="ru-RU" dirty="0">
+                <a:solidFill>
+                  <a:schemeClr val="bg1"/>
+                </a:solidFill>
+              </a:rPr>
+              <a:t>?</a:t>
+            </a:r>
           </a:p>
         </p:txBody>
       </p:sp>

--- a/Многопоточность.pptx
+++ b/Многопоточность.pptx
@@ -5,7 +5,7 @@
     <p:sldMasterId id="2147483684" r:id="rId1"/>
   </p:sldMasterIdLst>
   <p:notesMasterIdLst>
-    <p:notesMasterId r:id="rId23"/>
+    <p:notesMasterId r:id="rId18"/>
   </p:notesMasterIdLst>
   <p:sldIdLst>
     <p:sldId id="256" r:id="rId2"/>
@@ -21,14 +21,9 @@
     <p:sldId id="297" r:id="rId12"/>
     <p:sldId id="298" r:id="rId13"/>
     <p:sldId id="294" r:id="rId14"/>
-    <p:sldId id="299" r:id="rId15"/>
-    <p:sldId id="300" r:id="rId16"/>
-    <p:sldId id="301" r:id="rId17"/>
-    <p:sldId id="303" r:id="rId18"/>
-    <p:sldId id="305" r:id="rId19"/>
-    <p:sldId id="302" r:id="rId20"/>
-    <p:sldId id="304" r:id="rId21"/>
-    <p:sldId id="306" r:id="rId22"/>
+    <p:sldId id="304" r:id="rId15"/>
+    <p:sldId id="306" r:id="rId16"/>
+    <p:sldId id="309" r:id="rId17"/>
   </p:sldIdLst>
   <p:sldSz cx="12192000" cy="6858000"/>
   <p:notesSz cx="6858000" cy="9144000"/>
@@ -3422,7 +3417,7 @@
               <a:rPr lang="ru-RU" smtClean="0"/>
               <a:t>1</a:t>
             </a:fld>
-            <a:endParaRPr lang="ru-RU"/>
+            <a:endParaRPr lang="ru-RU" dirty="0"/>
           </a:p>
         </p:txBody>
       </p:sp>
@@ -5832,7 +5827,7 @@
                   <a:schemeClr val="bg1"/>
                 </a:solidFill>
               </a:rPr>
-              <a:t>Как вернуть результат работы </a:t>
+              <a:t>Как вернуть результат работы из </a:t>
             </a:r>
             <a:r>
               <a:rPr lang="en-US" dirty="0">
@@ -6118,3088 +6113,6 @@
           <p:cNvPr id="2" name="Заголовок 1">
             <a:extLst>
               <a:ext uri="{FF2B5EF4-FFF2-40B4-BE49-F238E27FC236}">
-                <a16:creationId xmlns:a16="http://schemas.microsoft.com/office/drawing/2014/main" id="{2AB6D3D8-743E-40B5-9E24-2D8A2E8933FC}"/>
-              </a:ext>
-            </a:extLst>
-          </p:cNvPr>
-          <p:cNvSpPr>
-            <a:spLocks noGrp="1"/>
-          </p:cNvSpPr>
-          <p:nvPr>
-            <p:ph type="title"/>
-          </p:nvPr>
-        </p:nvSpPr>
-        <p:spPr/>
-        <p:txBody>
-          <a:bodyPr/>
-          <a:lstStyle/>
-          <a:p>
-            <a:pPr algn="ctr"/>
-            <a:r>
-              <a:rPr lang="en-US" dirty="0">
-                <a:solidFill>
-                  <a:schemeClr val="bg1"/>
-                </a:solidFill>
-              </a:rPr>
-              <a:t>Message</a:t>
-            </a:r>
-            <a:endParaRPr lang="ru-RU" dirty="0">
-              <a:solidFill>
-                <a:schemeClr val="bg1"/>
-              </a:solidFill>
-            </a:endParaRPr>
-          </a:p>
-        </p:txBody>
-      </p:sp>
-      <p:sp>
-        <p:nvSpPr>
-          <p:cNvPr id="3" name="Объект 2">
-            <a:extLst>
-              <a:ext uri="{FF2B5EF4-FFF2-40B4-BE49-F238E27FC236}">
-                <a16:creationId xmlns:a16="http://schemas.microsoft.com/office/drawing/2014/main" id="{30148422-02C3-4C50-9BA8-EB2458288C7E}"/>
-              </a:ext>
-            </a:extLst>
-          </p:cNvPr>
-          <p:cNvSpPr>
-            <a:spLocks noGrp="1"/>
-          </p:cNvSpPr>
-          <p:nvPr>
-            <p:ph idx="1"/>
-          </p:nvPr>
-        </p:nvSpPr>
-        <p:spPr>
-          <a:xfrm>
-            <a:off x="1375794" y="1825625"/>
-            <a:ext cx="9978006" cy="4351338"/>
-          </a:xfrm>
-        </p:spPr>
-        <p:txBody>
-          <a:bodyPr/>
-          <a:lstStyle/>
-          <a:p>
-            <a:pPr marL="0" indent="0">
-              <a:buNone/>
-            </a:pPr>
-            <a:r>
-              <a:rPr lang="ru-RU" dirty="0">
-                <a:solidFill>
-                  <a:schemeClr val="bg1"/>
-                </a:solidFill>
-              </a:rPr>
-              <a:t>Это контейнер для команд обрабатывающихся в цикле.</a:t>
-            </a:r>
-          </a:p>
-          <a:p>
-            <a:pPr marL="0" indent="0">
-              <a:buNone/>
-            </a:pPr>
-            <a:r>
-              <a:rPr lang="ru-RU" dirty="0">
-                <a:solidFill>
-                  <a:schemeClr val="bg1"/>
-                </a:solidFill>
-              </a:rPr>
-              <a:t>Содержит</a:t>
-            </a:r>
-            <a:r>
-              <a:rPr lang="en-US" dirty="0">
-                <a:solidFill>
-                  <a:schemeClr val="bg1"/>
-                </a:solidFill>
-              </a:rPr>
-              <a:t> </a:t>
-            </a:r>
-            <a:r>
-              <a:rPr lang="ru-RU" dirty="0">
-                <a:solidFill>
-                  <a:schemeClr val="bg1"/>
-                </a:solidFill>
-              </a:rPr>
-              <a:t>поля:</a:t>
-            </a:r>
-          </a:p>
-          <a:p>
-            <a:r>
-              <a:rPr lang="en-US" dirty="0">
-                <a:solidFill>
-                  <a:schemeClr val="bg1"/>
-                </a:solidFill>
-              </a:rPr>
-              <a:t>what – id </a:t>
-            </a:r>
-            <a:r>
-              <a:rPr lang="ru-RU" dirty="0">
-                <a:solidFill>
-                  <a:schemeClr val="bg1"/>
-                </a:solidFill>
-              </a:rPr>
-              <a:t>сообщения</a:t>
-            </a:r>
-          </a:p>
-          <a:p>
-            <a:r>
-              <a:rPr lang="en-US" dirty="0">
-                <a:solidFill>
-                  <a:schemeClr val="bg1"/>
-                </a:solidFill>
-              </a:rPr>
-              <a:t>obj – </a:t>
-            </a:r>
-            <a:r>
-              <a:rPr lang="ru-RU" dirty="0">
-                <a:solidFill>
-                  <a:schemeClr val="bg1"/>
-                </a:solidFill>
-              </a:rPr>
-              <a:t>дополнительные данные</a:t>
-            </a:r>
-          </a:p>
-          <a:p>
-            <a:r>
-              <a:rPr lang="en-US" dirty="0">
-                <a:solidFill>
-                  <a:schemeClr val="bg1"/>
-                </a:solidFill>
-              </a:rPr>
-              <a:t>target – </a:t>
-            </a:r>
-            <a:r>
-              <a:rPr lang="ru-RU" dirty="0">
-                <a:solidFill>
-                  <a:schemeClr val="bg1"/>
-                </a:solidFill>
-              </a:rPr>
-              <a:t>ссылка на </a:t>
-            </a:r>
-            <a:r>
-              <a:rPr lang="en-US" dirty="0">
-                <a:solidFill>
-                  <a:schemeClr val="bg1"/>
-                </a:solidFill>
-              </a:rPr>
-              <a:t>Handler </a:t>
-            </a:r>
-            <a:r>
-              <a:rPr lang="ru-RU" dirty="0">
-                <a:solidFill>
-                  <a:schemeClr val="bg1"/>
-                </a:solidFill>
-              </a:rPr>
-              <a:t>в который нужно отправить это сообщение</a:t>
-            </a:r>
-          </a:p>
-          <a:p>
-            <a:r>
-              <a:rPr lang="en-US" dirty="0">
-                <a:solidFill>
-                  <a:schemeClr val="bg1"/>
-                </a:solidFill>
-              </a:rPr>
-              <a:t>callback – Runnable </a:t>
-            </a:r>
-            <a:r>
-              <a:rPr lang="ru-RU" dirty="0">
-                <a:solidFill>
-                  <a:schemeClr val="bg1"/>
-                </a:solidFill>
-              </a:rPr>
-              <a:t>которое надо </a:t>
-            </a:r>
-            <a:r>
-              <a:rPr lang="ru-RU" dirty="0" err="1">
-                <a:solidFill>
-                  <a:schemeClr val="bg1"/>
-                </a:solidFill>
-              </a:rPr>
-              <a:t>быполнить</a:t>
-            </a:r>
-            <a:endParaRPr lang="ru-RU" dirty="0">
-              <a:solidFill>
-                <a:schemeClr val="bg1"/>
-              </a:solidFill>
-            </a:endParaRPr>
-          </a:p>
-          <a:p>
-            <a:r>
-              <a:rPr lang="en-US" dirty="0">
-                <a:solidFill>
-                  <a:schemeClr val="bg1"/>
-                </a:solidFill>
-              </a:rPr>
-              <a:t>next -  </a:t>
-            </a:r>
-            <a:r>
-              <a:rPr lang="ru-RU" dirty="0">
-                <a:solidFill>
-                  <a:schemeClr val="bg1"/>
-                </a:solidFill>
-              </a:rPr>
-              <a:t>ссылка на следующее сообщение</a:t>
-            </a:r>
-          </a:p>
-        </p:txBody>
-      </p:sp>
-      <p:sp>
-        <p:nvSpPr>
-          <p:cNvPr id="5" name="Номер слайда 4">
-            <a:extLst>
-              <a:ext uri="{FF2B5EF4-FFF2-40B4-BE49-F238E27FC236}">
-                <a16:creationId xmlns:a16="http://schemas.microsoft.com/office/drawing/2014/main" id="{5AC468C9-693F-4DCF-9AD8-9D817F1AF3B4}"/>
-              </a:ext>
-            </a:extLst>
-          </p:cNvPr>
-          <p:cNvSpPr>
-            <a:spLocks noGrp="1"/>
-          </p:cNvSpPr>
-          <p:nvPr>
-            <p:ph type="sldNum" sz="quarter" idx="12"/>
-          </p:nvPr>
-        </p:nvSpPr>
-        <p:spPr/>
-        <p:txBody>
-          <a:bodyPr/>
-          <a:lstStyle/>
-          <a:p>
-            <a:fld id="{B9F5FBF0-3463-467F-B8AE-ABE55FDBCDBF}" type="slidenum">
-              <a:rPr lang="ru-RU" smtClean="0"/>
-              <a:t>14</a:t>
-            </a:fld>
-            <a:endParaRPr lang="ru-RU"/>
-          </a:p>
-        </p:txBody>
-      </p:sp>
-    </p:spTree>
-    <p:extLst>
-      <p:ext uri="{BB962C8B-B14F-4D97-AF65-F5344CB8AC3E}">
-        <p14:creationId xmlns:p14="http://schemas.microsoft.com/office/powerpoint/2010/main" val="1167417173"/>
-      </p:ext>
-    </p:extLst>
-  </p:cSld>
-  <p:clrMapOvr>
-    <a:masterClrMapping/>
-  </p:clrMapOvr>
-</p:sld>
-</file>
-
-<file path=ppt/slides/slide15.xml><?xml version="1.0" encoding="utf-8"?>
-<p:sld xmlns:a="http://schemas.openxmlformats.org/drawingml/2006/main" xmlns:r="http://schemas.openxmlformats.org/officeDocument/2006/relationships" xmlns:p="http://schemas.openxmlformats.org/presentationml/2006/main">
-  <p:cSld>
-    <p:spTree>
-      <p:nvGrpSpPr>
-        <p:cNvPr id="1" name=""/>
-        <p:cNvGrpSpPr/>
-        <p:nvPr/>
-      </p:nvGrpSpPr>
-      <p:grpSpPr>
-        <a:xfrm>
-          <a:off x="0" y="0"/>
-          <a:ext cx="0" cy="0"/>
-          <a:chOff x="0" y="0"/>
-          <a:chExt cx="0" cy="0"/>
-        </a:xfrm>
-      </p:grpSpPr>
-      <p:sp>
-        <p:nvSpPr>
-          <p:cNvPr id="2" name="Заголовок 1">
-            <a:extLst>
-              <a:ext uri="{FF2B5EF4-FFF2-40B4-BE49-F238E27FC236}">
-                <a16:creationId xmlns:a16="http://schemas.microsoft.com/office/drawing/2014/main" id="{2AB6D3D8-743E-40B5-9E24-2D8A2E8933FC}"/>
-              </a:ext>
-            </a:extLst>
-          </p:cNvPr>
-          <p:cNvSpPr>
-            <a:spLocks noGrp="1"/>
-          </p:cNvSpPr>
-          <p:nvPr>
-            <p:ph type="title"/>
-          </p:nvPr>
-        </p:nvSpPr>
-        <p:spPr/>
-        <p:txBody>
-          <a:bodyPr/>
-          <a:lstStyle/>
-          <a:p>
-            <a:pPr algn="ctr"/>
-            <a:r>
-              <a:rPr lang="en-US" dirty="0" err="1">
-                <a:solidFill>
-                  <a:schemeClr val="bg1"/>
-                </a:solidFill>
-              </a:rPr>
-              <a:t>MessageQueue</a:t>
-            </a:r>
-            <a:endParaRPr lang="ru-RU" dirty="0">
-              <a:solidFill>
-                <a:schemeClr val="bg1"/>
-              </a:solidFill>
-            </a:endParaRPr>
-          </a:p>
-        </p:txBody>
-      </p:sp>
-      <p:sp>
-        <p:nvSpPr>
-          <p:cNvPr id="3" name="Объект 2">
-            <a:extLst>
-              <a:ext uri="{FF2B5EF4-FFF2-40B4-BE49-F238E27FC236}">
-                <a16:creationId xmlns:a16="http://schemas.microsoft.com/office/drawing/2014/main" id="{30148422-02C3-4C50-9BA8-EB2458288C7E}"/>
-              </a:ext>
-            </a:extLst>
-          </p:cNvPr>
-          <p:cNvSpPr>
-            <a:spLocks noGrp="1"/>
-          </p:cNvSpPr>
-          <p:nvPr>
-            <p:ph idx="1"/>
-          </p:nvPr>
-        </p:nvSpPr>
-        <p:spPr>
-          <a:xfrm>
-            <a:off x="1375794" y="1825625"/>
-            <a:ext cx="9978006" cy="4351338"/>
-          </a:xfrm>
-        </p:spPr>
-        <p:txBody>
-          <a:bodyPr/>
-          <a:lstStyle/>
-          <a:p>
-            <a:pPr marL="0" indent="0">
-              <a:buNone/>
-            </a:pPr>
-            <a:r>
-              <a:rPr lang="ru-RU" dirty="0">
-                <a:solidFill>
-                  <a:schemeClr val="bg1"/>
-                </a:solidFill>
-              </a:rPr>
-              <a:t>Реализация очереди для </a:t>
-            </a:r>
-            <a:r>
-              <a:rPr lang="en-US" dirty="0">
-                <a:solidFill>
-                  <a:schemeClr val="bg1"/>
-                </a:solidFill>
-              </a:rPr>
-              <a:t>Message </a:t>
-            </a:r>
-            <a:r>
-              <a:rPr lang="ru-RU" dirty="0">
-                <a:solidFill>
-                  <a:schemeClr val="bg1"/>
-                </a:solidFill>
-              </a:rPr>
-              <a:t>на основе связанного списка</a:t>
-            </a:r>
-          </a:p>
-        </p:txBody>
-      </p:sp>
-      <p:sp>
-        <p:nvSpPr>
-          <p:cNvPr id="5" name="Номер слайда 4">
-            <a:extLst>
-              <a:ext uri="{FF2B5EF4-FFF2-40B4-BE49-F238E27FC236}">
-                <a16:creationId xmlns:a16="http://schemas.microsoft.com/office/drawing/2014/main" id="{5AC468C9-693F-4DCF-9AD8-9D817F1AF3B4}"/>
-              </a:ext>
-            </a:extLst>
-          </p:cNvPr>
-          <p:cNvSpPr>
-            <a:spLocks noGrp="1"/>
-          </p:cNvSpPr>
-          <p:nvPr>
-            <p:ph type="sldNum" sz="quarter" idx="12"/>
-          </p:nvPr>
-        </p:nvSpPr>
-        <p:spPr/>
-        <p:txBody>
-          <a:bodyPr/>
-          <a:lstStyle/>
-          <a:p>
-            <a:fld id="{B9F5FBF0-3463-467F-B8AE-ABE55FDBCDBF}" type="slidenum">
-              <a:rPr lang="ru-RU" smtClean="0"/>
-              <a:t>15</a:t>
-            </a:fld>
-            <a:endParaRPr lang="ru-RU"/>
-          </a:p>
-        </p:txBody>
-      </p:sp>
-    </p:spTree>
-    <p:extLst>
-      <p:ext uri="{BB962C8B-B14F-4D97-AF65-F5344CB8AC3E}">
-        <p14:creationId xmlns:p14="http://schemas.microsoft.com/office/powerpoint/2010/main" val="2242772103"/>
-      </p:ext>
-    </p:extLst>
-  </p:cSld>
-  <p:clrMapOvr>
-    <a:masterClrMapping/>
-  </p:clrMapOvr>
-</p:sld>
-</file>
-
-<file path=ppt/slides/slide16.xml><?xml version="1.0" encoding="utf-8"?>
-<p:sld xmlns:a="http://schemas.openxmlformats.org/drawingml/2006/main" xmlns:r="http://schemas.openxmlformats.org/officeDocument/2006/relationships" xmlns:p="http://schemas.openxmlformats.org/presentationml/2006/main">
-  <p:cSld>
-    <p:spTree>
-      <p:nvGrpSpPr>
-        <p:cNvPr id="1" name=""/>
-        <p:cNvGrpSpPr/>
-        <p:nvPr/>
-      </p:nvGrpSpPr>
-      <p:grpSpPr>
-        <a:xfrm>
-          <a:off x="0" y="0"/>
-          <a:ext cx="0" cy="0"/>
-          <a:chOff x="0" y="0"/>
-          <a:chExt cx="0" cy="0"/>
-        </a:xfrm>
-      </p:grpSpPr>
-      <p:sp>
-        <p:nvSpPr>
-          <p:cNvPr id="2" name="Заголовок 1">
-            <a:extLst>
-              <a:ext uri="{FF2B5EF4-FFF2-40B4-BE49-F238E27FC236}">
-                <a16:creationId xmlns:a16="http://schemas.microsoft.com/office/drawing/2014/main" id="{2AB6D3D8-743E-40B5-9E24-2D8A2E8933FC}"/>
-              </a:ext>
-            </a:extLst>
-          </p:cNvPr>
-          <p:cNvSpPr>
-            <a:spLocks noGrp="1"/>
-          </p:cNvSpPr>
-          <p:nvPr>
-            <p:ph type="title"/>
-          </p:nvPr>
-        </p:nvSpPr>
-        <p:spPr/>
-        <p:txBody>
-          <a:bodyPr/>
-          <a:lstStyle/>
-          <a:p>
-            <a:pPr algn="ctr"/>
-            <a:r>
-              <a:rPr lang="en-US" dirty="0">
-                <a:solidFill>
-                  <a:schemeClr val="bg1"/>
-                </a:solidFill>
-              </a:rPr>
-              <a:t>Looper</a:t>
-            </a:r>
-            <a:endParaRPr lang="ru-RU" dirty="0">
-              <a:solidFill>
-                <a:schemeClr val="bg1"/>
-              </a:solidFill>
-            </a:endParaRPr>
-          </a:p>
-        </p:txBody>
-      </p:sp>
-      <p:sp>
-        <p:nvSpPr>
-          <p:cNvPr id="3" name="Объект 2">
-            <a:extLst>
-              <a:ext uri="{FF2B5EF4-FFF2-40B4-BE49-F238E27FC236}">
-                <a16:creationId xmlns:a16="http://schemas.microsoft.com/office/drawing/2014/main" id="{30148422-02C3-4C50-9BA8-EB2458288C7E}"/>
-              </a:ext>
-            </a:extLst>
-          </p:cNvPr>
-          <p:cNvSpPr>
-            <a:spLocks noGrp="1"/>
-          </p:cNvSpPr>
-          <p:nvPr>
-            <p:ph idx="1"/>
-          </p:nvPr>
-        </p:nvSpPr>
-        <p:spPr>
-          <a:xfrm>
-            <a:off x="1375794" y="1557177"/>
-            <a:ext cx="9978006" cy="1773252"/>
-          </a:xfrm>
-        </p:spPr>
-        <p:txBody>
-          <a:bodyPr>
-            <a:normAutofit lnSpcReduction="10000"/>
-          </a:bodyPr>
-          <a:lstStyle/>
-          <a:p>
-            <a:pPr marL="0" indent="0">
-              <a:buNone/>
-            </a:pPr>
-            <a:r>
-              <a:rPr lang="ru-RU" dirty="0">
-                <a:solidFill>
-                  <a:schemeClr val="bg1"/>
-                </a:solidFill>
-              </a:rPr>
-              <a:t>Назначение:</a:t>
-            </a:r>
-          </a:p>
-          <a:p>
-            <a:r>
-              <a:rPr lang="ru-RU" dirty="0">
-                <a:solidFill>
-                  <a:schemeClr val="bg1"/>
-                </a:solidFill>
-              </a:rPr>
-              <a:t>Хранит в себе </a:t>
-            </a:r>
-            <a:r>
-              <a:rPr lang="en-US" dirty="0" err="1">
-                <a:solidFill>
-                  <a:schemeClr val="bg1"/>
-                </a:solidFill>
-              </a:rPr>
-              <a:t>MessageQueue</a:t>
-            </a:r>
-            <a:r>
-              <a:rPr lang="ru-RU" dirty="0">
-                <a:solidFill>
-                  <a:schemeClr val="bg1"/>
-                </a:solidFill>
-              </a:rPr>
-              <a:t>.</a:t>
-            </a:r>
-          </a:p>
-          <a:p>
-            <a:r>
-              <a:rPr lang="ru-RU" dirty="0">
-                <a:solidFill>
-                  <a:schemeClr val="bg1"/>
-                </a:solidFill>
-              </a:rPr>
-              <a:t>Крутит бесконечный цикл, в котором получает сообщения из очереди и передает их на обработку.</a:t>
-            </a:r>
-          </a:p>
-          <a:p>
-            <a:endParaRPr lang="ru-RU" dirty="0">
-              <a:solidFill>
-                <a:schemeClr val="bg1"/>
-              </a:solidFill>
-            </a:endParaRPr>
-          </a:p>
-        </p:txBody>
-      </p:sp>
-      <p:sp>
-        <p:nvSpPr>
-          <p:cNvPr id="5" name="Номер слайда 4">
-            <a:extLst>
-              <a:ext uri="{FF2B5EF4-FFF2-40B4-BE49-F238E27FC236}">
-                <a16:creationId xmlns:a16="http://schemas.microsoft.com/office/drawing/2014/main" id="{5AC468C9-693F-4DCF-9AD8-9D817F1AF3B4}"/>
-              </a:ext>
-            </a:extLst>
-          </p:cNvPr>
-          <p:cNvSpPr>
-            <a:spLocks noGrp="1"/>
-          </p:cNvSpPr>
-          <p:nvPr>
-            <p:ph type="sldNum" sz="quarter" idx="12"/>
-          </p:nvPr>
-        </p:nvSpPr>
-        <p:spPr/>
-        <p:txBody>
-          <a:bodyPr/>
-          <a:lstStyle/>
-          <a:p>
-            <a:fld id="{B9F5FBF0-3463-467F-B8AE-ABE55FDBCDBF}" type="slidenum">
-              <a:rPr lang="ru-RU" smtClean="0"/>
-              <a:t>16</a:t>
-            </a:fld>
-            <a:endParaRPr lang="ru-RU"/>
-          </a:p>
-        </p:txBody>
-      </p:sp>
-      <p:sp>
-        <p:nvSpPr>
-          <p:cNvPr id="6" name="Объект 2">
-            <a:extLst>
-              <a:ext uri="{FF2B5EF4-FFF2-40B4-BE49-F238E27FC236}">
-                <a16:creationId xmlns:a16="http://schemas.microsoft.com/office/drawing/2014/main" id="{DAFD4F17-AC27-4F05-9CCD-7B87E0F5EBFA}"/>
-              </a:ext>
-            </a:extLst>
-          </p:cNvPr>
-          <p:cNvSpPr txBox="1">
-            <a:spLocks/>
-          </p:cNvSpPr>
-          <p:nvPr/>
-        </p:nvSpPr>
-        <p:spPr>
-          <a:xfrm>
-            <a:off x="1308100" y="3838371"/>
-            <a:ext cx="9978006" cy="2822283"/>
-          </a:xfrm>
-          <a:prstGeom prst="rect">
-            <a:avLst/>
-          </a:prstGeom>
-        </p:spPr>
-        <p:txBody>
-          <a:bodyPr vert="horz" lIns="91440" tIns="45720" rIns="91440" bIns="45720" rtlCol="0">
-            <a:normAutofit/>
-          </a:bodyPr>
-          <a:lstStyle>
-            <a:lvl1pPr marL="228600" indent="-228600" algn="l" defTabSz="914400" rtl="0" eaLnBrk="1" latinLnBrk="0" hangingPunct="1">
-              <a:lnSpc>
-                <a:spcPct val="90000"/>
-              </a:lnSpc>
-              <a:spcBef>
-                <a:spcPts val="1000"/>
-              </a:spcBef>
-              <a:buFont typeface="Arial" panose="020B0604020202020204" pitchFamily="34" charset="0"/>
-              <a:buChar char="•"/>
-              <a:defRPr sz="2800" kern="1200">
-                <a:solidFill>
-                  <a:schemeClr val="tx1"/>
-                </a:solidFill>
-                <a:latin typeface="+mn-lt"/>
-                <a:ea typeface="+mn-ea"/>
-                <a:cs typeface="+mn-cs"/>
-              </a:defRPr>
-            </a:lvl1pPr>
-            <a:lvl2pPr marL="685800" indent="-228600" algn="l" defTabSz="914400" rtl="0" eaLnBrk="1" latinLnBrk="0" hangingPunct="1">
-              <a:lnSpc>
-                <a:spcPct val="90000"/>
-              </a:lnSpc>
-              <a:spcBef>
-                <a:spcPts val="500"/>
-              </a:spcBef>
-              <a:buFont typeface="Arial" panose="020B0604020202020204" pitchFamily="34" charset="0"/>
-              <a:buChar char="•"/>
-              <a:defRPr sz="2400" kern="1200">
-                <a:solidFill>
-                  <a:schemeClr val="tx1"/>
-                </a:solidFill>
-                <a:latin typeface="+mn-lt"/>
-                <a:ea typeface="+mn-ea"/>
-                <a:cs typeface="+mn-cs"/>
-              </a:defRPr>
-            </a:lvl2pPr>
-            <a:lvl3pPr marL="1143000" indent="-228600" algn="l" defTabSz="914400" rtl="0" eaLnBrk="1" latinLnBrk="0" hangingPunct="1">
-              <a:lnSpc>
-                <a:spcPct val="90000"/>
-              </a:lnSpc>
-              <a:spcBef>
-                <a:spcPts val="500"/>
-              </a:spcBef>
-              <a:buFont typeface="Arial" panose="020B0604020202020204" pitchFamily="34" charset="0"/>
-              <a:buChar char="•"/>
-              <a:defRPr sz="2000" kern="1200">
-                <a:solidFill>
-                  <a:schemeClr val="tx1"/>
-                </a:solidFill>
-                <a:latin typeface="+mn-lt"/>
-                <a:ea typeface="+mn-ea"/>
-                <a:cs typeface="+mn-cs"/>
-              </a:defRPr>
-            </a:lvl3pPr>
-            <a:lvl4pPr marL="1600200" indent="-228600" algn="l" defTabSz="914400" rtl="0" eaLnBrk="1" latinLnBrk="0" hangingPunct="1">
-              <a:lnSpc>
-                <a:spcPct val="90000"/>
-              </a:lnSpc>
-              <a:spcBef>
-                <a:spcPts val="500"/>
-              </a:spcBef>
-              <a:buFont typeface="Arial" panose="020B0604020202020204" pitchFamily="34" charset="0"/>
-              <a:buChar char="•"/>
-              <a:defRPr sz="1800" kern="1200">
-                <a:solidFill>
-                  <a:schemeClr val="tx1"/>
-                </a:solidFill>
-                <a:latin typeface="+mn-lt"/>
-                <a:ea typeface="+mn-ea"/>
-                <a:cs typeface="+mn-cs"/>
-              </a:defRPr>
-            </a:lvl4pPr>
-            <a:lvl5pPr marL="2057400" indent="-228600" algn="l" defTabSz="914400" rtl="0" eaLnBrk="1" latinLnBrk="0" hangingPunct="1">
-              <a:lnSpc>
-                <a:spcPct val="90000"/>
-              </a:lnSpc>
-              <a:spcBef>
-                <a:spcPts val="500"/>
-              </a:spcBef>
-              <a:buFont typeface="Arial" panose="020B0604020202020204" pitchFamily="34" charset="0"/>
-              <a:buChar char="•"/>
-              <a:defRPr sz="1800" kern="1200">
-                <a:solidFill>
-                  <a:schemeClr val="tx1"/>
-                </a:solidFill>
-                <a:latin typeface="+mn-lt"/>
-                <a:ea typeface="+mn-ea"/>
-                <a:cs typeface="+mn-cs"/>
-              </a:defRPr>
-            </a:lvl5pPr>
-            <a:lvl6pPr marL="2514600" indent="-228600" algn="l" defTabSz="914400" rtl="0" eaLnBrk="1" latinLnBrk="0" hangingPunct="1">
-              <a:lnSpc>
-                <a:spcPct val="90000"/>
-              </a:lnSpc>
-              <a:spcBef>
-                <a:spcPts val="500"/>
-              </a:spcBef>
-              <a:buFont typeface="Arial" panose="020B0604020202020204" pitchFamily="34" charset="0"/>
-              <a:buChar char="•"/>
-              <a:defRPr sz="1800" kern="1200">
-                <a:solidFill>
-                  <a:schemeClr val="tx1"/>
-                </a:solidFill>
-                <a:latin typeface="+mn-lt"/>
-                <a:ea typeface="+mn-ea"/>
-                <a:cs typeface="+mn-cs"/>
-              </a:defRPr>
-            </a:lvl6pPr>
-            <a:lvl7pPr marL="2971800" indent="-228600" algn="l" defTabSz="914400" rtl="0" eaLnBrk="1" latinLnBrk="0" hangingPunct="1">
-              <a:lnSpc>
-                <a:spcPct val="90000"/>
-              </a:lnSpc>
-              <a:spcBef>
-                <a:spcPts val="500"/>
-              </a:spcBef>
-              <a:buFont typeface="Arial" panose="020B0604020202020204" pitchFamily="34" charset="0"/>
-              <a:buChar char="•"/>
-              <a:defRPr sz="1800" kern="1200">
-                <a:solidFill>
-                  <a:schemeClr val="tx1"/>
-                </a:solidFill>
-                <a:latin typeface="+mn-lt"/>
-                <a:ea typeface="+mn-ea"/>
-                <a:cs typeface="+mn-cs"/>
-              </a:defRPr>
-            </a:lvl7pPr>
-            <a:lvl8pPr marL="3429000" indent="-228600" algn="l" defTabSz="914400" rtl="0" eaLnBrk="1" latinLnBrk="0" hangingPunct="1">
-              <a:lnSpc>
-                <a:spcPct val="90000"/>
-              </a:lnSpc>
-              <a:spcBef>
-                <a:spcPts val="500"/>
-              </a:spcBef>
-              <a:buFont typeface="Arial" panose="020B0604020202020204" pitchFamily="34" charset="0"/>
-              <a:buChar char="•"/>
-              <a:defRPr sz="1800" kern="1200">
-                <a:solidFill>
-                  <a:schemeClr val="tx1"/>
-                </a:solidFill>
-                <a:latin typeface="+mn-lt"/>
-                <a:ea typeface="+mn-ea"/>
-                <a:cs typeface="+mn-cs"/>
-              </a:defRPr>
-            </a:lvl8pPr>
-            <a:lvl9pPr marL="3886200" indent="-228600" algn="l" defTabSz="914400" rtl="0" eaLnBrk="1" latinLnBrk="0" hangingPunct="1">
-              <a:lnSpc>
-                <a:spcPct val="90000"/>
-              </a:lnSpc>
-              <a:spcBef>
-                <a:spcPts val="500"/>
-              </a:spcBef>
-              <a:buFont typeface="Arial" panose="020B0604020202020204" pitchFamily="34" charset="0"/>
-              <a:buChar char="•"/>
-              <a:defRPr sz="1800" kern="1200">
-                <a:solidFill>
-                  <a:schemeClr val="tx1"/>
-                </a:solidFill>
-                <a:latin typeface="+mn-lt"/>
-                <a:ea typeface="+mn-ea"/>
-                <a:cs typeface="+mn-cs"/>
-              </a:defRPr>
-            </a:lvl9pPr>
-          </a:lstStyle>
-          <a:p>
-            <a:pPr marL="0" indent="0">
-              <a:buFont typeface="Arial" panose="020B0604020202020204" pitchFamily="34" charset="0"/>
-              <a:buNone/>
-            </a:pPr>
-            <a:r>
-              <a:rPr lang="ru-RU" dirty="0">
-                <a:solidFill>
-                  <a:schemeClr val="bg1"/>
-                </a:solidFill>
-              </a:rPr>
-              <a:t>Примечания:</a:t>
-            </a:r>
-          </a:p>
-          <a:p>
-            <a:r>
-              <a:rPr lang="ru-RU" dirty="0">
-                <a:solidFill>
-                  <a:schemeClr val="bg1"/>
-                </a:solidFill>
-              </a:rPr>
-              <a:t>Может быть только один экземпляр </a:t>
-            </a:r>
-            <a:r>
-              <a:rPr lang="en-US" dirty="0">
-                <a:solidFill>
-                  <a:schemeClr val="bg1"/>
-                </a:solidFill>
-              </a:rPr>
-              <a:t>Looper </a:t>
-            </a:r>
-            <a:r>
-              <a:rPr lang="ru-RU" dirty="0">
-                <a:solidFill>
-                  <a:schemeClr val="bg1"/>
-                </a:solidFill>
-              </a:rPr>
-              <a:t>в конкретном </a:t>
-            </a:r>
-            <a:r>
-              <a:rPr lang="ru-RU" dirty="0" err="1">
-                <a:solidFill>
-                  <a:schemeClr val="bg1"/>
-                </a:solidFill>
-              </a:rPr>
-              <a:t>треде</a:t>
-            </a:r>
-            <a:endParaRPr lang="ru-RU" dirty="0">
-              <a:solidFill>
-                <a:schemeClr val="bg1"/>
-              </a:solidFill>
-            </a:endParaRPr>
-          </a:p>
-          <a:p>
-            <a:r>
-              <a:rPr lang="ru-RU" dirty="0">
-                <a:solidFill>
-                  <a:schemeClr val="bg1"/>
-                </a:solidFill>
-              </a:rPr>
-              <a:t>По умолчанию </a:t>
-            </a:r>
-            <a:r>
-              <a:rPr lang="en-US" dirty="0">
-                <a:solidFill>
-                  <a:schemeClr val="bg1"/>
-                </a:solidFill>
-              </a:rPr>
-              <a:t>Looper </a:t>
-            </a:r>
-            <a:r>
-              <a:rPr lang="ru-RU" dirty="0">
-                <a:solidFill>
-                  <a:schemeClr val="bg1"/>
-                </a:solidFill>
-              </a:rPr>
-              <a:t>создан только для </a:t>
-            </a:r>
-            <a:r>
-              <a:rPr lang="en-US" dirty="0">
-                <a:solidFill>
-                  <a:schemeClr val="bg1"/>
-                </a:solidFill>
-              </a:rPr>
-              <a:t>Main </a:t>
-            </a:r>
-            <a:r>
-              <a:rPr lang="ru-RU" dirty="0" err="1">
-                <a:solidFill>
-                  <a:schemeClr val="bg1"/>
-                </a:solidFill>
-              </a:rPr>
-              <a:t>треда</a:t>
-            </a:r>
-            <a:r>
-              <a:rPr lang="ru-RU" dirty="0">
-                <a:solidFill>
-                  <a:schemeClr val="bg1"/>
-                </a:solidFill>
-              </a:rPr>
-              <a:t>. Для остальных его нужно сначала запустить вручную.</a:t>
-            </a:r>
-          </a:p>
-          <a:p>
-            <a:endParaRPr lang="ru-RU" dirty="0">
-              <a:solidFill>
-                <a:schemeClr val="bg1"/>
-              </a:solidFill>
-            </a:endParaRPr>
-          </a:p>
-        </p:txBody>
-      </p:sp>
-    </p:spTree>
-    <p:extLst>
-      <p:ext uri="{BB962C8B-B14F-4D97-AF65-F5344CB8AC3E}">
-        <p14:creationId xmlns:p14="http://schemas.microsoft.com/office/powerpoint/2010/main" val="2286841343"/>
-      </p:ext>
-    </p:extLst>
-  </p:cSld>
-  <p:clrMapOvr>
-    <a:masterClrMapping/>
-  </p:clrMapOvr>
-  <p:timing>
-    <p:tnLst>
-      <p:par>
-        <p:cTn id="1" dur="indefinite" restart="never" nodeType="tmRoot">
-          <p:childTnLst>
-            <p:seq concurrent="1" nextAc="seek">
-              <p:cTn id="2" dur="indefinite" nodeType="mainSeq">
-                <p:childTnLst>
-                  <p:par>
-                    <p:cTn id="3" fill="hold">
-                      <p:stCondLst>
-                        <p:cond delay="indefinite"/>
-                      </p:stCondLst>
-                      <p:childTnLst>
-                        <p:par>
-                          <p:cTn id="4" fill="hold">
-                            <p:stCondLst>
-                              <p:cond delay="0"/>
-                            </p:stCondLst>
-                            <p:childTnLst>
-                              <p:par>
-                                <p:cTn id="5" presetID="1" presetClass="entr" presetSubtype="0" fill="hold" grpId="0" nodeType="clickEffect">
-                                  <p:stCondLst>
-                                    <p:cond delay="0"/>
-                                  </p:stCondLst>
-                                  <p:childTnLst>
-                                    <p:set>
-                                      <p:cBhvr>
-                                        <p:cTn id="6" dur="1" fill="hold">
-                                          <p:stCondLst>
-                                            <p:cond delay="0"/>
-                                          </p:stCondLst>
-                                        </p:cTn>
-                                        <p:tgtEl>
-                                          <p:spTgt spid="6"/>
-                                        </p:tgtEl>
-                                        <p:attrNameLst>
-                                          <p:attrName>style.visibility</p:attrName>
-                                        </p:attrNameLst>
-                                      </p:cBhvr>
-                                      <p:to>
-                                        <p:strVal val="visible"/>
-                                      </p:to>
-                                    </p:set>
-                                  </p:childTnLst>
-                                </p:cTn>
-                              </p:par>
-                            </p:childTnLst>
-                          </p:cTn>
-                        </p:par>
-                      </p:childTnLst>
-                    </p:cTn>
-                  </p:par>
-                </p:childTnLst>
-              </p:cTn>
-              <p:prevCondLst>
-                <p:cond evt="onPrev" delay="0">
-                  <p:tgtEl>
-                    <p:sldTgt/>
-                  </p:tgtEl>
-                </p:cond>
-              </p:prevCondLst>
-              <p:nextCondLst>
-                <p:cond evt="onNext" delay="0">
-                  <p:tgtEl>
-                    <p:sldTgt/>
-                  </p:tgtEl>
-                </p:cond>
-              </p:nextCondLst>
-            </p:seq>
-          </p:childTnLst>
-        </p:cTn>
-      </p:par>
-    </p:tnLst>
-    <p:bldLst>
-      <p:bldP spid="6" grpId="0"/>
-    </p:bldLst>
-  </p:timing>
-</p:sld>
-</file>
-
-<file path=ppt/slides/slide17.xml><?xml version="1.0" encoding="utf-8"?>
-<p:sld xmlns:a="http://schemas.openxmlformats.org/drawingml/2006/main" xmlns:r="http://schemas.openxmlformats.org/officeDocument/2006/relationships" xmlns:p="http://schemas.openxmlformats.org/presentationml/2006/main">
-  <p:cSld>
-    <p:spTree>
-      <p:nvGrpSpPr>
-        <p:cNvPr id="1" name=""/>
-        <p:cNvGrpSpPr/>
-        <p:nvPr/>
-      </p:nvGrpSpPr>
-      <p:grpSpPr>
-        <a:xfrm>
-          <a:off x="0" y="0"/>
-          <a:ext cx="0" cy="0"/>
-          <a:chOff x="0" y="0"/>
-          <a:chExt cx="0" cy="0"/>
-        </a:xfrm>
-      </p:grpSpPr>
-      <p:sp>
-        <p:nvSpPr>
-          <p:cNvPr id="2" name="Заголовок 1">
-            <a:extLst>
-              <a:ext uri="{FF2B5EF4-FFF2-40B4-BE49-F238E27FC236}">
-                <a16:creationId xmlns:a16="http://schemas.microsoft.com/office/drawing/2014/main" id="{2AB6D3D8-743E-40B5-9E24-2D8A2E8933FC}"/>
-              </a:ext>
-            </a:extLst>
-          </p:cNvPr>
-          <p:cNvSpPr>
-            <a:spLocks noGrp="1"/>
-          </p:cNvSpPr>
-          <p:nvPr>
-            <p:ph type="title"/>
-          </p:nvPr>
-        </p:nvSpPr>
-        <p:spPr/>
-        <p:txBody>
-          <a:bodyPr/>
-          <a:lstStyle/>
-          <a:p>
-            <a:pPr algn="ctr"/>
-            <a:r>
-              <a:rPr lang="en-US" dirty="0">
-                <a:solidFill>
-                  <a:schemeClr val="bg1"/>
-                </a:solidFill>
-              </a:rPr>
-              <a:t>Handler</a:t>
-            </a:r>
-            <a:endParaRPr lang="ru-RU" dirty="0">
-              <a:solidFill>
-                <a:schemeClr val="bg1"/>
-              </a:solidFill>
-            </a:endParaRPr>
-          </a:p>
-        </p:txBody>
-      </p:sp>
-      <p:sp>
-        <p:nvSpPr>
-          <p:cNvPr id="3" name="Объект 2">
-            <a:extLst>
-              <a:ext uri="{FF2B5EF4-FFF2-40B4-BE49-F238E27FC236}">
-                <a16:creationId xmlns:a16="http://schemas.microsoft.com/office/drawing/2014/main" id="{30148422-02C3-4C50-9BA8-EB2458288C7E}"/>
-              </a:ext>
-            </a:extLst>
-          </p:cNvPr>
-          <p:cNvSpPr>
-            <a:spLocks noGrp="1"/>
-          </p:cNvSpPr>
-          <p:nvPr>
-            <p:ph idx="1"/>
-          </p:nvPr>
-        </p:nvSpPr>
-        <p:spPr>
-          <a:xfrm>
-            <a:off x="1375794" y="1529912"/>
-            <a:ext cx="9978006" cy="2014843"/>
-          </a:xfrm>
-        </p:spPr>
-        <p:txBody>
-          <a:bodyPr>
-            <a:normAutofit/>
-          </a:bodyPr>
-          <a:lstStyle/>
-          <a:p>
-            <a:pPr marL="0" indent="0">
-              <a:buNone/>
-            </a:pPr>
-            <a:r>
-              <a:rPr lang="ru-RU" dirty="0">
-                <a:solidFill>
-                  <a:schemeClr val="bg1"/>
-                </a:solidFill>
-              </a:rPr>
-              <a:t>Назначение:</a:t>
-            </a:r>
-          </a:p>
-          <a:p>
-            <a:r>
-              <a:rPr lang="ru-RU" dirty="0">
-                <a:solidFill>
-                  <a:schemeClr val="bg1"/>
-                </a:solidFill>
-              </a:rPr>
-              <a:t>Хранит в себе ссылку на </a:t>
-            </a:r>
-            <a:r>
-              <a:rPr lang="en-US" dirty="0">
-                <a:solidFill>
-                  <a:schemeClr val="bg1"/>
-                </a:solidFill>
-              </a:rPr>
-              <a:t>Looper</a:t>
-            </a:r>
-            <a:r>
-              <a:rPr lang="ru-RU" dirty="0">
-                <a:solidFill>
-                  <a:schemeClr val="bg1"/>
-                </a:solidFill>
-              </a:rPr>
-              <a:t>.</a:t>
-            </a:r>
-          </a:p>
-          <a:p>
-            <a:r>
-              <a:rPr lang="ru-RU" dirty="0">
-                <a:solidFill>
-                  <a:schemeClr val="bg1"/>
-                </a:solidFill>
-              </a:rPr>
-              <a:t>Отправляет сообщения в </a:t>
-            </a:r>
-            <a:r>
-              <a:rPr lang="en-US" dirty="0">
-                <a:solidFill>
-                  <a:schemeClr val="bg1"/>
-                </a:solidFill>
-              </a:rPr>
-              <a:t>Looper.</a:t>
-            </a:r>
-          </a:p>
-          <a:p>
-            <a:r>
-              <a:rPr lang="ru-RU" dirty="0">
-                <a:solidFill>
-                  <a:schemeClr val="bg1"/>
-                </a:solidFill>
-              </a:rPr>
-              <a:t>Получает сообщения из </a:t>
-            </a:r>
-            <a:r>
-              <a:rPr lang="en-US" dirty="0">
-                <a:solidFill>
-                  <a:schemeClr val="bg1"/>
-                </a:solidFill>
-              </a:rPr>
-              <a:t>Looper</a:t>
-            </a:r>
-            <a:r>
-              <a:rPr lang="ru-RU" dirty="0">
-                <a:solidFill>
-                  <a:schemeClr val="bg1"/>
-                </a:solidFill>
-              </a:rPr>
-              <a:t> и выполняет их.</a:t>
-            </a:r>
-          </a:p>
-          <a:p>
-            <a:endParaRPr lang="ru-RU" dirty="0">
-              <a:solidFill>
-                <a:schemeClr val="bg1"/>
-              </a:solidFill>
-            </a:endParaRPr>
-          </a:p>
-        </p:txBody>
-      </p:sp>
-      <p:sp>
-        <p:nvSpPr>
-          <p:cNvPr id="5" name="Номер слайда 4">
-            <a:extLst>
-              <a:ext uri="{FF2B5EF4-FFF2-40B4-BE49-F238E27FC236}">
-                <a16:creationId xmlns:a16="http://schemas.microsoft.com/office/drawing/2014/main" id="{5AC468C9-693F-4DCF-9AD8-9D817F1AF3B4}"/>
-              </a:ext>
-            </a:extLst>
-          </p:cNvPr>
-          <p:cNvSpPr>
-            <a:spLocks noGrp="1"/>
-          </p:cNvSpPr>
-          <p:nvPr>
-            <p:ph type="sldNum" sz="quarter" idx="12"/>
-          </p:nvPr>
-        </p:nvSpPr>
-        <p:spPr/>
-        <p:txBody>
-          <a:bodyPr/>
-          <a:lstStyle/>
-          <a:p>
-            <a:fld id="{B9F5FBF0-3463-467F-B8AE-ABE55FDBCDBF}" type="slidenum">
-              <a:rPr lang="ru-RU" smtClean="0"/>
-              <a:t>17</a:t>
-            </a:fld>
-            <a:endParaRPr lang="ru-RU"/>
-          </a:p>
-        </p:txBody>
-      </p:sp>
-      <p:sp>
-        <p:nvSpPr>
-          <p:cNvPr id="6" name="Объект 2">
-            <a:extLst>
-              <a:ext uri="{FF2B5EF4-FFF2-40B4-BE49-F238E27FC236}">
-                <a16:creationId xmlns:a16="http://schemas.microsoft.com/office/drawing/2014/main" id="{DAFD4F17-AC27-4F05-9CCD-7B87E0F5EBFA}"/>
-              </a:ext>
-            </a:extLst>
-          </p:cNvPr>
-          <p:cNvSpPr txBox="1">
-            <a:spLocks/>
-          </p:cNvSpPr>
-          <p:nvPr/>
-        </p:nvSpPr>
-        <p:spPr>
-          <a:xfrm>
-            <a:off x="1308100" y="3899192"/>
-            <a:ext cx="9978006" cy="2822283"/>
-          </a:xfrm>
-          <a:prstGeom prst="rect">
-            <a:avLst/>
-          </a:prstGeom>
-        </p:spPr>
-        <p:txBody>
-          <a:bodyPr vert="horz" lIns="91440" tIns="45720" rIns="91440" bIns="45720" rtlCol="0">
-            <a:normAutofit/>
-          </a:bodyPr>
-          <a:lstStyle>
-            <a:lvl1pPr marL="228600" indent="-228600" algn="l" defTabSz="914400" rtl="0" eaLnBrk="1" latinLnBrk="0" hangingPunct="1">
-              <a:lnSpc>
-                <a:spcPct val="90000"/>
-              </a:lnSpc>
-              <a:spcBef>
-                <a:spcPts val="1000"/>
-              </a:spcBef>
-              <a:buFont typeface="Arial" panose="020B0604020202020204" pitchFamily="34" charset="0"/>
-              <a:buChar char="•"/>
-              <a:defRPr sz="2800" kern="1200">
-                <a:solidFill>
-                  <a:schemeClr val="tx1"/>
-                </a:solidFill>
-                <a:latin typeface="+mn-lt"/>
-                <a:ea typeface="+mn-ea"/>
-                <a:cs typeface="+mn-cs"/>
-              </a:defRPr>
-            </a:lvl1pPr>
-            <a:lvl2pPr marL="685800" indent="-228600" algn="l" defTabSz="914400" rtl="0" eaLnBrk="1" latinLnBrk="0" hangingPunct="1">
-              <a:lnSpc>
-                <a:spcPct val="90000"/>
-              </a:lnSpc>
-              <a:spcBef>
-                <a:spcPts val="500"/>
-              </a:spcBef>
-              <a:buFont typeface="Arial" panose="020B0604020202020204" pitchFamily="34" charset="0"/>
-              <a:buChar char="•"/>
-              <a:defRPr sz="2400" kern="1200">
-                <a:solidFill>
-                  <a:schemeClr val="tx1"/>
-                </a:solidFill>
-                <a:latin typeface="+mn-lt"/>
-                <a:ea typeface="+mn-ea"/>
-                <a:cs typeface="+mn-cs"/>
-              </a:defRPr>
-            </a:lvl2pPr>
-            <a:lvl3pPr marL="1143000" indent="-228600" algn="l" defTabSz="914400" rtl="0" eaLnBrk="1" latinLnBrk="0" hangingPunct="1">
-              <a:lnSpc>
-                <a:spcPct val="90000"/>
-              </a:lnSpc>
-              <a:spcBef>
-                <a:spcPts val="500"/>
-              </a:spcBef>
-              <a:buFont typeface="Arial" panose="020B0604020202020204" pitchFamily="34" charset="0"/>
-              <a:buChar char="•"/>
-              <a:defRPr sz="2000" kern="1200">
-                <a:solidFill>
-                  <a:schemeClr val="tx1"/>
-                </a:solidFill>
-                <a:latin typeface="+mn-lt"/>
-                <a:ea typeface="+mn-ea"/>
-                <a:cs typeface="+mn-cs"/>
-              </a:defRPr>
-            </a:lvl3pPr>
-            <a:lvl4pPr marL="1600200" indent="-228600" algn="l" defTabSz="914400" rtl="0" eaLnBrk="1" latinLnBrk="0" hangingPunct="1">
-              <a:lnSpc>
-                <a:spcPct val="90000"/>
-              </a:lnSpc>
-              <a:spcBef>
-                <a:spcPts val="500"/>
-              </a:spcBef>
-              <a:buFont typeface="Arial" panose="020B0604020202020204" pitchFamily="34" charset="0"/>
-              <a:buChar char="•"/>
-              <a:defRPr sz="1800" kern="1200">
-                <a:solidFill>
-                  <a:schemeClr val="tx1"/>
-                </a:solidFill>
-                <a:latin typeface="+mn-lt"/>
-                <a:ea typeface="+mn-ea"/>
-                <a:cs typeface="+mn-cs"/>
-              </a:defRPr>
-            </a:lvl4pPr>
-            <a:lvl5pPr marL="2057400" indent="-228600" algn="l" defTabSz="914400" rtl="0" eaLnBrk="1" latinLnBrk="0" hangingPunct="1">
-              <a:lnSpc>
-                <a:spcPct val="90000"/>
-              </a:lnSpc>
-              <a:spcBef>
-                <a:spcPts val="500"/>
-              </a:spcBef>
-              <a:buFont typeface="Arial" panose="020B0604020202020204" pitchFamily="34" charset="0"/>
-              <a:buChar char="•"/>
-              <a:defRPr sz="1800" kern="1200">
-                <a:solidFill>
-                  <a:schemeClr val="tx1"/>
-                </a:solidFill>
-                <a:latin typeface="+mn-lt"/>
-                <a:ea typeface="+mn-ea"/>
-                <a:cs typeface="+mn-cs"/>
-              </a:defRPr>
-            </a:lvl5pPr>
-            <a:lvl6pPr marL="2514600" indent="-228600" algn="l" defTabSz="914400" rtl="0" eaLnBrk="1" latinLnBrk="0" hangingPunct="1">
-              <a:lnSpc>
-                <a:spcPct val="90000"/>
-              </a:lnSpc>
-              <a:spcBef>
-                <a:spcPts val="500"/>
-              </a:spcBef>
-              <a:buFont typeface="Arial" panose="020B0604020202020204" pitchFamily="34" charset="0"/>
-              <a:buChar char="•"/>
-              <a:defRPr sz="1800" kern="1200">
-                <a:solidFill>
-                  <a:schemeClr val="tx1"/>
-                </a:solidFill>
-                <a:latin typeface="+mn-lt"/>
-                <a:ea typeface="+mn-ea"/>
-                <a:cs typeface="+mn-cs"/>
-              </a:defRPr>
-            </a:lvl6pPr>
-            <a:lvl7pPr marL="2971800" indent="-228600" algn="l" defTabSz="914400" rtl="0" eaLnBrk="1" latinLnBrk="0" hangingPunct="1">
-              <a:lnSpc>
-                <a:spcPct val="90000"/>
-              </a:lnSpc>
-              <a:spcBef>
-                <a:spcPts val="500"/>
-              </a:spcBef>
-              <a:buFont typeface="Arial" panose="020B0604020202020204" pitchFamily="34" charset="0"/>
-              <a:buChar char="•"/>
-              <a:defRPr sz="1800" kern="1200">
-                <a:solidFill>
-                  <a:schemeClr val="tx1"/>
-                </a:solidFill>
-                <a:latin typeface="+mn-lt"/>
-                <a:ea typeface="+mn-ea"/>
-                <a:cs typeface="+mn-cs"/>
-              </a:defRPr>
-            </a:lvl7pPr>
-            <a:lvl8pPr marL="3429000" indent="-228600" algn="l" defTabSz="914400" rtl="0" eaLnBrk="1" latinLnBrk="0" hangingPunct="1">
-              <a:lnSpc>
-                <a:spcPct val="90000"/>
-              </a:lnSpc>
-              <a:spcBef>
-                <a:spcPts val="500"/>
-              </a:spcBef>
-              <a:buFont typeface="Arial" panose="020B0604020202020204" pitchFamily="34" charset="0"/>
-              <a:buChar char="•"/>
-              <a:defRPr sz="1800" kern="1200">
-                <a:solidFill>
-                  <a:schemeClr val="tx1"/>
-                </a:solidFill>
-                <a:latin typeface="+mn-lt"/>
-                <a:ea typeface="+mn-ea"/>
-                <a:cs typeface="+mn-cs"/>
-              </a:defRPr>
-            </a:lvl8pPr>
-            <a:lvl9pPr marL="3886200" indent="-228600" algn="l" defTabSz="914400" rtl="0" eaLnBrk="1" latinLnBrk="0" hangingPunct="1">
-              <a:lnSpc>
-                <a:spcPct val="90000"/>
-              </a:lnSpc>
-              <a:spcBef>
-                <a:spcPts val="500"/>
-              </a:spcBef>
-              <a:buFont typeface="Arial" panose="020B0604020202020204" pitchFamily="34" charset="0"/>
-              <a:buChar char="•"/>
-              <a:defRPr sz="1800" kern="1200">
-                <a:solidFill>
-                  <a:schemeClr val="tx1"/>
-                </a:solidFill>
-                <a:latin typeface="+mn-lt"/>
-                <a:ea typeface="+mn-ea"/>
-                <a:cs typeface="+mn-cs"/>
-              </a:defRPr>
-            </a:lvl9pPr>
-          </a:lstStyle>
-          <a:p>
-            <a:pPr marL="0" indent="0">
-              <a:buFont typeface="Arial" panose="020B0604020202020204" pitchFamily="34" charset="0"/>
-              <a:buNone/>
-            </a:pPr>
-            <a:r>
-              <a:rPr lang="ru-RU" dirty="0">
-                <a:solidFill>
-                  <a:schemeClr val="bg1"/>
-                </a:solidFill>
-              </a:rPr>
-              <a:t>Примечания:</a:t>
-            </a:r>
-          </a:p>
-          <a:p>
-            <a:r>
-              <a:rPr lang="ru-RU" dirty="0">
-                <a:solidFill>
-                  <a:schemeClr val="bg1"/>
-                </a:solidFill>
-              </a:rPr>
-              <a:t>Может быть несколько </a:t>
-            </a:r>
-            <a:r>
-              <a:rPr lang="en-US" dirty="0">
-                <a:solidFill>
-                  <a:schemeClr val="bg1"/>
-                </a:solidFill>
-              </a:rPr>
-              <a:t>Handler</a:t>
-            </a:r>
-            <a:r>
-              <a:rPr lang="ru-RU" dirty="0">
-                <a:solidFill>
-                  <a:schemeClr val="bg1"/>
-                </a:solidFill>
-              </a:rPr>
-              <a:t> на один </a:t>
-            </a:r>
-            <a:r>
-              <a:rPr lang="en-US" dirty="0">
-                <a:solidFill>
-                  <a:schemeClr val="bg1"/>
-                </a:solidFill>
-              </a:rPr>
-              <a:t>Looper.</a:t>
-            </a:r>
-            <a:endParaRPr lang="ru-RU" dirty="0">
-              <a:solidFill>
-                <a:schemeClr val="bg1"/>
-              </a:solidFill>
-            </a:endParaRPr>
-          </a:p>
-          <a:p>
-            <a:r>
-              <a:rPr lang="ru-RU" dirty="0">
-                <a:solidFill>
-                  <a:schemeClr val="bg1"/>
-                </a:solidFill>
-              </a:rPr>
-              <a:t>Могут отсылать </a:t>
-            </a:r>
-            <a:r>
-              <a:rPr lang="en-US" dirty="0">
-                <a:solidFill>
-                  <a:schemeClr val="bg1"/>
-                </a:solidFill>
-              </a:rPr>
-              <a:t>Message </a:t>
-            </a:r>
-            <a:r>
-              <a:rPr lang="ru-RU" dirty="0">
-                <a:solidFill>
-                  <a:schemeClr val="bg1"/>
-                </a:solidFill>
-              </a:rPr>
-              <a:t>из </a:t>
-            </a:r>
-            <a:r>
-              <a:rPr lang="en-US" dirty="0">
-                <a:solidFill>
-                  <a:schemeClr val="bg1"/>
-                </a:solidFill>
-              </a:rPr>
-              <a:t>Background </a:t>
-            </a:r>
-            <a:r>
-              <a:rPr lang="ru-RU" dirty="0" err="1">
-                <a:solidFill>
-                  <a:schemeClr val="bg1"/>
-                </a:solidFill>
-              </a:rPr>
-              <a:t>треда</a:t>
-            </a:r>
-            <a:endParaRPr lang="ru-RU" dirty="0">
-              <a:solidFill>
-                <a:schemeClr val="bg1"/>
-              </a:solidFill>
-            </a:endParaRPr>
-          </a:p>
-          <a:p>
-            <a:r>
-              <a:rPr lang="ru-RU" dirty="0">
-                <a:solidFill>
-                  <a:schemeClr val="bg1"/>
-                </a:solidFill>
-              </a:rPr>
-              <a:t>Получают </a:t>
-            </a:r>
-            <a:r>
-              <a:rPr lang="en-US" dirty="0">
-                <a:solidFill>
-                  <a:schemeClr val="bg1"/>
-                </a:solidFill>
-              </a:rPr>
-              <a:t>Message</a:t>
-            </a:r>
-            <a:r>
-              <a:rPr lang="ru-RU" dirty="0">
-                <a:solidFill>
-                  <a:schemeClr val="bg1"/>
-                </a:solidFill>
-              </a:rPr>
-              <a:t> в </a:t>
-            </a:r>
-            <a:r>
-              <a:rPr lang="en-US" dirty="0">
-                <a:solidFill>
-                  <a:schemeClr val="bg1"/>
-                </a:solidFill>
-              </a:rPr>
-              <a:t>Main </a:t>
-            </a:r>
-            <a:r>
-              <a:rPr lang="ru-RU" dirty="0" err="1">
-                <a:solidFill>
-                  <a:schemeClr val="bg1"/>
-                </a:solidFill>
-              </a:rPr>
-              <a:t>треде</a:t>
-            </a:r>
-            <a:r>
-              <a:rPr lang="ru-RU" dirty="0">
-                <a:solidFill>
-                  <a:schemeClr val="bg1"/>
-                </a:solidFill>
-              </a:rPr>
-              <a:t>.</a:t>
-            </a:r>
-          </a:p>
-          <a:p>
-            <a:endParaRPr lang="ru-RU" dirty="0">
-              <a:solidFill>
-                <a:schemeClr val="bg1"/>
-              </a:solidFill>
-            </a:endParaRPr>
-          </a:p>
-        </p:txBody>
-      </p:sp>
-    </p:spTree>
-    <p:extLst>
-      <p:ext uri="{BB962C8B-B14F-4D97-AF65-F5344CB8AC3E}">
-        <p14:creationId xmlns:p14="http://schemas.microsoft.com/office/powerpoint/2010/main" val="3935323484"/>
-      </p:ext>
-    </p:extLst>
-  </p:cSld>
-  <p:clrMapOvr>
-    <a:masterClrMapping/>
-  </p:clrMapOvr>
-  <p:timing>
-    <p:tnLst>
-      <p:par>
-        <p:cTn id="1" dur="indefinite" restart="never" nodeType="tmRoot">
-          <p:childTnLst>
-            <p:seq concurrent="1" nextAc="seek">
-              <p:cTn id="2" dur="indefinite" nodeType="mainSeq">
-                <p:childTnLst>
-                  <p:par>
-                    <p:cTn id="3" fill="hold">
-                      <p:stCondLst>
-                        <p:cond delay="indefinite"/>
-                      </p:stCondLst>
-                      <p:childTnLst>
-                        <p:par>
-                          <p:cTn id="4" fill="hold">
-                            <p:stCondLst>
-                              <p:cond delay="0"/>
-                            </p:stCondLst>
-                            <p:childTnLst>
-                              <p:par>
-                                <p:cTn id="5" presetID="1" presetClass="entr" presetSubtype="0" fill="hold" grpId="0" nodeType="clickEffect">
-                                  <p:stCondLst>
-                                    <p:cond delay="0"/>
-                                  </p:stCondLst>
-                                  <p:childTnLst>
-                                    <p:set>
-                                      <p:cBhvr>
-                                        <p:cTn id="6" dur="1" fill="hold">
-                                          <p:stCondLst>
-                                            <p:cond delay="0"/>
-                                          </p:stCondLst>
-                                        </p:cTn>
-                                        <p:tgtEl>
-                                          <p:spTgt spid="6"/>
-                                        </p:tgtEl>
-                                        <p:attrNameLst>
-                                          <p:attrName>style.visibility</p:attrName>
-                                        </p:attrNameLst>
-                                      </p:cBhvr>
-                                      <p:to>
-                                        <p:strVal val="visible"/>
-                                      </p:to>
-                                    </p:set>
-                                  </p:childTnLst>
-                                </p:cTn>
-                              </p:par>
-                            </p:childTnLst>
-                          </p:cTn>
-                        </p:par>
-                      </p:childTnLst>
-                    </p:cTn>
-                  </p:par>
-                </p:childTnLst>
-              </p:cTn>
-              <p:prevCondLst>
-                <p:cond evt="onPrev" delay="0">
-                  <p:tgtEl>
-                    <p:sldTgt/>
-                  </p:tgtEl>
-                </p:cond>
-              </p:prevCondLst>
-              <p:nextCondLst>
-                <p:cond evt="onNext" delay="0">
-                  <p:tgtEl>
-                    <p:sldTgt/>
-                  </p:tgtEl>
-                </p:cond>
-              </p:nextCondLst>
-            </p:seq>
-          </p:childTnLst>
-        </p:cTn>
-      </p:par>
-    </p:tnLst>
-    <p:bldLst>
-      <p:bldP spid="6" grpId="0"/>
-    </p:bldLst>
-  </p:timing>
-</p:sld>
-</file>
-
-<file path=ppt/slides/slide18.xml><?xml version="1.0" encoding="utf-8"?>
-<p:sld xmlns:a="http://schemas.openxmlformats.org/drawingml/2006/main" xmlns:r="http://schemas.openxmlformats.org/officeDocument/2006/relationships" xmlns:p="http://schemas.openxmlformats.org/presentationml/2006/main">
-  <p:cSld>
-    <p:spTree>
-      <p:nvGrpSpPr>
-        <p:cNvPr id="1" name=""/>
-        <p:cNvGrpSpPr/>
-        <p:nvPr/>
-      </p:nvGrpSpPr>
-      <p:grpSpPr>
-        <a:xfrm>
-          <a:off x="0" y="0"/>
-          <a:ext cx="0" cy="0"/>
-          <a:chOff x="0" y="0"/>
-          <a:chExt cx="0" cy="0"/>
-        </a:xfrm>
-      </p:grpSpPr>
-      <p:sp>
-        <p:nvSpPr>
-          <p:cNvPr id="2" name="Заголовок 1">
-            <a:extLst>
-              <a:ext uri="{FF2B5EF4-FFF2-40B4-BE49-F238E27FC236}">
-                <a16:creationId xmlns:a16="http://schemas.microsoft.com/office/drawing/2014/main" id="{A61C90DC-9054-4E61-9E8E-6E82F65B9741}"/>
-              </a:ext>
-            </a:extLst>
-          </p:cNvPr>
-          <p:cNvSpPr>
-            <a:spLocks noGrp="1"/>
-          </p:cNvSpPr>
-          <p:nvPr>
-            <p:ph type="title"/>
-          </p:nvPr>
-        </p:nvSpPr>
-        <p:spPr/>
-        <p:txBody>
-          <a:bodyPr/>
-          <a:lstStyle/>
-          <a:p>
-            <a:pPr algn="ctr"/>
-            <a:r>
-              <a:rPr lang="ru-RU" dirty="0">
-                <a:solidFill>
-                  <a:schemeClr val="bg1"/>
-                </a:solidFill>
-              </a:rPr>
-              <a:t>Использование</a:t>
-            </a:r>
-            <a:r>
-              <a:rPr lang="en-US" dirty="0">
-                <a:solidFill>
-                  <a:schemeClr val="bg1"/>
-                </a:solidFill>
-              </a:rPr>
-              <a:t> Handler</a:t>
-            </a:r>
-            <a:endParaRPr lang="ru-RU" dirty="0">
-              <a:solidFill>
-                <a:schemeClr val="bg1"/>
-              </a:solidFill>
-            </a:endParaRPr>
-          </a:p>
-        </p:txBody>
-      </p:sp>
-      <p:sp>
-        <p:nvSpPr>
-          <p:cNvPr id="4" name="Номер слайда 3">
-            <a:extLst>
-              <a:ext uri="{FF2B5EF4-FFF2-40B4-BE49-F238E27FC236}">
-                <a16:creationId xmlns:a16="http://schemas.microsoft.com/office/drawing/2014/main" id="{E5E37BC2-28A7-4787-BD81-961B7A3E0047}"/>
-              </a:ext>
-            </a:extLst>
-          </p:cNvPr>
-          <p:cNvSpPr>
-            <a:spLocks noGrp="1"/>
-          </p:cNvSpPr>
-          <p:nvPr>
-            <p:ph type="sldNum" sz="quarter" idx="12"/>
-          </p:nvPr>
-        </p:nvSpPr>
-        <p:spPr/>
-        <p:txBody>
-          <a:bodyPr/>
-          <a:lstStyle/>
-          <a:p>
-            <a:fld id="{B9F5FBF0-3463-467F-B8AE-ABE55FDBCDBF}" type="slidenum">
-              <a:rPr lang="ru-RU" smtClean="0"/>
-              <a:t>18</a:t>
-            </a:fld>
-            <a:endParaRPr lang="ru-RU"/>
-          </a:p>
-        </p:txBody>
-      </p:sp>
-      <p:sp>
-        <p:nvSpPr>
-          <p:cNvPr id="8" name="Rectangle 2">
-            <a:extLst>
-              <a:ext uri="{FF2B5EF4-FFF2-40B4-BE49-F238E27FC236}">
-                <a16:creationId xmlns:a16="http://schemas.microsoft.com/office/drawing/2014/main" id="{E707C804-5A20-47F6-873A-AA7113127256}"/>
-              </a:ext>
-            </a:extLst>
-          </p:cNvPr>
-          <p:cNvSpPr>
-            <a:spLocks noChangeArrowheads="1"/>
-          </p:cNvSpPr>
-          <p:nvPr/>
-        </p:nvSpPr>
-        <p:spPr bwMode="auto">
-          <a:xfrm>
-            <a:off x="1308100" y="1946988"/>
-            <a:ext cx="10045700" cy="2246769"/>
-          </a:xfrm>
-          <a:prstGeom prst="rect">
-            <a:avLst/>
-          </a:prstGeom>
-          <a:solidFill>
-            <a:srgbClr val="2B2B2B"/>
-          </a:solidFill>
-          <a:ln>
-            <a:noFill/>
-          </a:ln>
-          <a:effectLst/>
-          <a:extLst>
-            <a:ext uri="{91240B29-F687-4F45-9708-019B960494DF}">
-              <a14:hiddenLine xmlns:a14="http://schemas.microsoft.com/office/drawing/2010/main" w="9525">
-                <a:solidFill>
-                  <a:schemeClr val="tx1"/>
-                </a:solidFill>
-                <a:miter lim="800000"/>
-                <a:headEnd/>
-                <a:tailEnd/>
-              </a14:hiddenLine>
-            </a:ext>
-            <a:ext uri="{AF507438-7753-43E0-B8FC-AC1667EBCBE1}">
-              <a14:hiddenEffects xmlns:a14="http://schemas.microsoft.com/office/drawing/2010/main">
-                <a:effectLst>
-                  <a:outerShdw dist="35921" dir="2700000" algn="ctr" rotWithShape="0">
-                    <a:schemeClr val="bg2"/>
-                  </a:outerShdw>
-                </a:effectLst>
-              </a14:hiddenEffects>
-            </a:ext>
-          </a:extLst>
-        </p:spPr>
-        <p:txBody>
-          <a:bodyPr vert="horz" wrap="square" lIns="91440" tIns="45720" rIns="91440" bIns="45720" numCol="1" anchor="ctr" anchorCtr="0" compatLnSpc="1">
-            <a:prstTxWarp prst="textNoShape">
-              <a:avLst/>
-            </a:prstTxWarp>
-            <a:spAutoFit/>
-          </a:bodyPr>
-          <a:lstStyle/>
-          <a:p>
-            <a:pPr marL="0" marR="0" lvl="0" indent="0" algn="l" defTabSz="914400" rtl="0" eaLnBrk="0" fontAlgn="base" latinLnBrk="0" hangingPunct="0">
-              <a:lnSpc>
-                <a:spcPct val="100000"/>
-              </a:lnSpc>
-              <a:spcBef>
-                <a:spcPct val="0"/>
-              </a:spcBef>
-              <a:spcAft>
-                <a:spcPct val="0"/>
-              </a:spcAft>
-              <a:buClrTx/>
-              <a:buSzTx/>
-              <a:buFontTx/>
-              <a:buNone/>
-              <a:tabLst/>
-            </a:pPr>
-            <a:r>
-              <a:rPr kumimoji="0" lang="en-US" altLang="ru-RU" sz="2800" b="0" i="0" u="none" strike="noStrike" cap="none" normalizeH="0" baseline="0" dirty="0">
-                <a:ln>
-                  <a:noFill/>
-                </a:ln>
-                <a:solidFill>
-                  <a:srgbClr val="A9B7C6"/>
-                </a:solidFill>
-                <a:effectLst/>
-                <a:latin typeface="Consolas" panose="020B0609020204030204" pitchFamily="49" charset="0"/>
-              </a:rPr>
-              <a:t>Handler(</a:t>
-            </a:r>
-            <a:r>
-              <a:rPr kumimoji="0" lang="en-US" altLang="ru-RU" sz="2800" b="0" i="0" u="none" strike="noStrike" cap="none" normalizeH="0" baseline="0" dirty="0" err="1">
-                <a:ln>
-                  <a:noFill/>
-                </a:ln>
-                <a:solidFill>
-                  <a:srgbClr val="A9B7C6"/>
-                </a:solidFill>
-                <a:effectLst/>
-                <a:latin typeface="Consolas" panose="020B0609020204030204" pitchFamily="49" charset="0"/>
-              </a:rPr>
-              <a:t>Looper.getMainLooper</a:t>
-            </a:r>
-            <a:r>
-              <a:rPr kumimoji="0" lang="en-US" altLang="ru-RU" sz="2800" b="0" i="0" u="none" strike="noStrike" cap="none" normalizeH="0" baseline="0" dirty="0">
-                <a:ln>
-                  <a:noFill/>
-                </a:ln>
-                <a:solidFill>
-                  <a:srgbClr val="A9B7C6"/>
-                </a:solidFill>
-                <a:effectLst/>
-                <a:latin typeface="Consolas" panose="020B0609020204030204" pitchFamily="49" charset="0"/>
-              </a:rPr>
-              <a:t>())</a:t>
-            </a:r>
-            <a:r>
-              <a:rPr kumimoji="0" lang="ru-RU" altLang="ru-RU" sz="2800" b="0" i="0" u="none" strike="noStrike" cap="none" normalizeH="0" baseline="0" dirty="0">
-                <a:ln>
-                  <a:noFill/>
-                </a:ln>
-                <a:solidFill>
-                  <a:srgbClr val="A9B7C6"/>
-                </a:solidFill>
-                <a:effectLst/>
-                <a:latin typeface="Consolas" panose="020B0609020204030204" pitchFamily="49" charset="0"/>
-              </a:rPr>
-              <a:t>.</a:t>
-            </a:r>
-            <a:r>
-              <a:rPr kumimoji="0" lang="ru-RU" altLang="ru-RU" sz="2800" b="0" i="0" u="none" strike="noStrike" cap="none" normalizeH="0" baseline="0" dirty="0" err="1">
-                <a:ln>
-                  <a:noFill/>
-                </a:ln>
-                <a:solidFill>
-                  <a:srgbClr val="A9B7C6"/>
-                </a:solidFill>
-                <a:effectLst/>
-                <a:latin typeface="Consolas" panose="020B0609020204030204" pitchFamily="49" charset="0"/>
-              </a:rPr>
-              <a:t>post</a:t>
-            </a:r>
-            <a:r>
-              <a:rPr kumimoji="0" lang="ru-RU" altLang="ru-RU" sz="2800" b="0" i="0" u="none" strike="noStrike" cap="none" normalizeH="0" baseline="0" dirty="0">
-                <a:ln>
-                  <a:noFill/>
-                </a:ln>
-                <a:solidFill>
-                  <a:srgbClr val="A9B7C6"/>
-                </a:solidFill>
-                <a:effectLst/>
-                <a:latin typeface="Consolas" panose="020B0609020204030204" pitchFamily="49" charset="0"/>
-              </a:rPr>
-              <a:t> </a:t>
-            </a:r>
-            <a:r>
-              <a:rPr kumimoji="0" lang="ru-RU" altLang="ru-RU" sz="2800" b="1" i="0" u="none" strike="noStrike" cap="none" normalizeH="0" baseline="0" dirty="0">
-                <a:ln>
-                  <a:noFill/>
-                </a:ln>
-                <a:solidFill>
-                  <a:srgbClr val="A9B7C6"/>
-                </a:solidFill>
-                <a:effectLst/>
-                <a:latin typeface="Consolas" panose="020B0609020204030204" pitchFamily="49" charset="0"/>
-              </a:rPr>
-              <a:t>{</a:t>
-            </a:r>
-            <a:r>
-              <a:rPr kumimoji="0" lang="en-US" altLang="ru-RU" sz="2800" b="1" i="0" u="none" strike="noStrike" cap="none" normalizeH="0" baseline="0" dirty="0">
-                <a:ln>
-                  <a:noFill/>
-                </a:ln>
-                <a:solidFill>
-                  <a:srgbClr val="A9B7C6"/>
-                </a:solidFill>
-                <a:effectLst/>
-                <a:latin typeface="Consolas" panose="020B0609020204030204" pitchFamily="49" charset="0"/>
-              </a:rPr>
-              <a:t> … </a:t>
-            </a:r>
-            <a:r>
-              <a:rPr kumimoji="0" lang="ru-RU" altLang="ru-RU" sz="2800" b="1" i="0" u="none" strike="noStrike" cap="none" normalizeH="0" baseline="0" dirty="0">
-                <a:ln>
-                  <a:noFill/>
-                </a:ln>
-                <a:solidFill>
-                  <a:srgbClr val="A9B7C6"/>
-                </a:solidFill>
-                <a:effectLst/>
-                <a:latin typeface="Consolas" panose="020B0609020204030204" pitchFamily="49" charset="0"/>
-              </a:rPr>
-              <a:t>}</a:t>
-            </a:r>
-            <a:endParaRPr kumimoji="0" lang="en-US" altLang="ru-RU" sz="2800" b="1" i="0" u="none" strike="noStrike" cap="none" normalizeH="0" baseline="0" dirty="0">
-              <a:ln>
-                <a:noFill/>
-              </a:ln>
-              <a:solidFill>
-                <a:srgbClr val="A9B7C6"/>
-              </a:solidFill>
-              <a:effectLst/>
-              <a:latin typeface="Consolas" panose="020B0609020204030204" pitchFamily="49" charset="0"/>
-            </a:endParaRPr>
-          </a:p>
-          <a:p>
-            <a:pPr marL="0" marR="0" lvl="0" indent="0" algn="l" defTabSz="914400" rtl="0" eaLnBrk="0" fontAlgn="base" latinLnBrk="0" hangingPunct="0">
-              <a:lnSpc>
-                <a:spcPct val="100000"/>
-              </a:lnSpc>
-              <a:spcBef>
-                <a:spcPct val="0"/>
-              </a:spcBef>
-              <a:spcAft>
-                <a:spcPct val="0"/>
-              </a:spcAft>
-              <a:buClrTx/>
-              <a:buSzTx/>
-              <a:buFontTx/>
-              <a:buNone/>
-              <a:tabLst/>
-            </a:pPr>
-            <a:br>
-              <a:rPr kumimoji="0" lang="ru-RU" altLang="ru-RU" sz="2800" b="1" i="0" u="none" strike="noStrike" cap="none" normalizeH="0" baseline="0" dirty="0">
-                <a:ln>
-                  <a:noFill/>
-                </a:ln>
-                <a:solidFill>
-                  <a:srgbClr val="A9B7C6"/>
-                </a:solidFill>
-                <a:effectLst/>
-                <a:latin typeface="Consolas" panose="020B0609020204030204" pitchFamily="49" charset="0"/>
-              </a:rPr>
-            </a:br>
-            <a:r>
-              <a:rPr kumimoji="0" lang="ru-RU" altLang="ru-RU" sz="2800" b="0" i="1" u="none" strike="noStrike" cap="none" normalizeH="0" baseline="0" dirty="0" err="1">
-                <a:ln>
-                  <a:noFill/>
-                </a:ln>
-                <a:solidFill>
-                  <a:srgbClr val="9876AA"/>
-                </a:solidFill>
-                <a:effectLst/>
-                <a:latin typeface="Consolas" panose="020B0609020204030204" pitchFamily="49" charset="0"/>
-              </a:rPr>
-              <a:t>activity</a:t>
-            </a:r>
-            <a:r>
-              <a:rPr kumimoji="0" lang="ru-RU" altLang="ru-RU" sz="2800" b="0" i="0" u="none" strike="noStrike" cap="none" normalizeH="0" baseline="0" dirty="0">
-                <a:ln>
-                  <a:noFill/>
-                </a:ln>
-                <a:solidFill>
-                  <a:srgbClr val="A9B7C6"/>
-                </a:solidFill>
-                <a:effectLst/>
-                <a:latin typeface="Consolas" panose="020B0609020204030204" pitchFamily="49" charset="0"/>
-              </a:rPr>
-              <a:t>?.</a:t>
-            </a:r>
-            <a:r>
-              <a:rPr kumimoji="0" lang="ru-RU" altLang="ru-RU" sz="2800" b="0" i="0" u="none" strike="noStrike" cap="none" normalizeH="0" baseline="0" dirty="0" err="1">
-                <a:ln>
-                  <a:noFill/>
-                </a:ln>
-                <a:solidFill>
-                  <a:srgbClr val="A9B7C6"/>
-                </a:solidFill>
-                <a:effectLst/>
-                <a:latin typeface="Consolas" panose="020B0609020204030204" pitchFamily="49" charset="0"/>
-              </a:rPr>
-              <a:t>runOnUiThread</a:t>
-            </a:r>
-            <a:r>
-              <a:rPr kumimoji="0" lang="ru-RU" altLang="ru-RU" sz="2800" b="0" i="0" u="none" strike="noStrike" cap="none" normalizeH="0" baseline="0" dirty="0">
-                <a:ln>
-                  <a:noFill/>
-                </a:ln>
-                <a:solidFill>
-                  <a:srgbClr val="A9B7C6"/>
-                </a:solidFill>
-                <a:effectLst/>
-                <a:latin typeface="Consolas" panose="020B0609020204030204" pitchFamily="49" charset="0"/>
-              </a:rPr>
-              <a:t> </a:t>
-            </a:r>
-            <a:r>
-              <a:rPr kumimoji="0" lang="ru-RU" altLang="ru-RU" sz="2800" b="1" i="0" u="none" strike="noStrike" cap="none" normalizeH="0" baseline="0" dirty="0">
-                <a:ln>
-                  <a:noFill/>
-                </a:ln>
-                <a:solidFill>
-                  <a:srgbClr val="A9B7C6"/>
-                </a:solidFill>
-                <a:effectLst/>
-                <a:latin typeface="Consolas" panose="020B0609020204030204" pitchFamily="49" charset="0"/>
-              </a:rPr>
-              <a:t>{ </a:t>
-            </a:r>
-            <a:r>
-              <a:rPr kumimoji="0" lang="en-US" altLang="ru-RU" sz="2800" b="1" i="0" u="none" strike="noStrike" cap="none" normalizeH="0" baseline="0" dirty="0">
-                <a:ln>
-                  <a:noFill/>
-                </a:ln>
-                <a:solidFill>
-                  <a:srgbClr val="A9B7C6"/>
-                </a:solidFill>
-                <a:effectLst/>
-                <a:latin typeface="Consolas" panose="020B0609020204030204" pitchFamily="49" charset="0"/>
-              </a:rPr>
-              <a:t>…</a:t>
-            </a:r>
-            <a:r>
-              <a:rPr kumimoji="0" lang="ru-RU" altLang="ru-RU" sz="2800" b="1" i="0" u="none" strike="noStrike" cap="none" normalizeH="0" baseline="0" dirty="0">
-                <a:ln>
-                  <a:noFill/>
-                </a:ln>
-                <a:solidFill>
-                  <a:srgbClr val="A9B7C6"/>
-                </a:solidFill>
-                <a:effectLst/>
-                <a:latin typeface="Consolas" panose="020B0609020204030204" pitchFamily="49" charset="0"/>
-              </a:rPr>
-              <a:t> }</a:t>
-            </a:r>
-            <a:endParaRPr kumimoji="0" lang="en-US" altLang="ru-RU" sz="2800" b="1" i="0" u="none" strike="noStrike" cap="none" normalizeH="0" baseline="0" dirty="0">
-              <a:ln>
-                <a:noFill/>
-              </a:ln>
-              <a:solidFill>
-                <a:srgbClr val="A9B7C6"/>
-              </a:solidFill>
-              <a:effectLst/>
-              <a:latin typeface="Consolas" panose="020B0609020204030204" pitchFamily="49" charset="0"/>
-            </a:endParaRPr>
-          </a:p>
-          <a:p>
-            <a:pPr marL="0" marR="0" lvl="0" indent="0" algn="l" defTabSz="914400" rtl="0" eaLnBrk="0" fontAlgn="base" latinLnBrk="0" hangingPunct="0">
-              <a:lnSpc>
-                <a:spcPct val="100000"/>
-              </a:lnSpc>
-              <a:spcBef>
-                <a:spcPct val="0"/>
-              </a:spcBef>
-              <a:spcAft>
-                <a:spcPct val="0"/>
-              </a:spcAft>
-              <a:buClrTx/>
-              <a:buSzTx/>
-              <a:buFontTx/>
-              <a:buNone/>
-              <a:tabLst/>
-            </a:pPr>
-            <a:br>
-              <a:rPr kumimoji="0" lang="ru-RU" altLang="ru-RU" sz="2800" b="1" i="0" u="none" strike="noStrike" cap="none" normalizeH="0" baseline="0" dirty="0">
-                <a:ln>
-                  <a:noFill/>
-                </a:ln>
-                <a:solidFill>
-                  <a:srgbClr val="A9B7C6"/>
-                </a:solidFill>
-                <a:effectLst/>
-                <a:latin typeface="Consolas" panose="020B0609020204030204" pitchFamily="49" charset="0"/>
-              </a:rPr>
-            </a:br>
-            <a:r>
-              <a:rPr kumimoji="0" lang="ru-RU" altLang="ru-RU" sz="2800" b="0" i="0" u="none" strike="noStrike" cap="none" normalizeH="0" baseline="0" dirty="0" err="1">
-                <a:ln>
-                  <a:noFill/>
-                </a:ln>
-                <a:solidFill>
-                  <a:srgbClr val="A9B7C6"/>
-                </a:solidFill>
-                <a:effectLst/>
-                <a:latin typeface="Consolas" panose="020B0609020204030204" pitchFamily="49" charset="0"/>
-              </a:rPr>
-              <a:t>view.post</a:t>
-            </a:r>
-            <a:r>
-              <a:rPr kumimoji="0" lang="ru-RU" altLang="ru-RU" sz="2800" b="0" i="0" u="none" strike="noStrike" cap="none" normalizeH="0" baseline="0" dirty="0">
-                <a:ln>
-                  <a:noFill/>
-                </a:ln>
-                <a:solidFill>
-                  <a:srgbClr val="A9B7C6"/>
-                </a:solidFill>
-                <a:effectLst/>
-                <a:latin typeface="Consolas" panose="020B0609020204030204" pitchFamily="49" charset="0"/>
-              </a:rPr>
-              <a:t> </a:t>
-            </a:r>
-            <a:r>
-              <a:rPr kumimoji="0" lang="ru-RU" altLang="ru-RU" sz="2800" b="1" i="0" u="none" strike="noStrike" cap="none" normalizeH="0" baseline="0" dirty="0">
-                <a:ln>
-                  <a:noFill/>
-                </a:ln>
-                <a:solidFill>
-                  <a:srgbClr val="A9B7C6"/>
-                </a:solidFill>
-                <a:effectLst/>
-                <a:latin typeface="Consolas" panose="020B0609020204030204" pitchFamily="49" charset="0"/>
-              </a:rPr>
-              <a:t>{ </a:t>
-            </a:r>
-            <a:r>
-              <a:rPr kumimoji="0" lang="en-US" altLang="ru-RU" sz="2800" b="1" i="0" u="none" strike="noStrike" cap="none" normalizeH="0" baseline="0" dirty="0">
-                <a:ln>
-                  <a:noFill/>
-                </a:ln>
-                <a:solidFill>
-                  <a:srgbClr val="A9B7C6"/>
-                </a:solidFill>
-                <a:effectLst/>
-                <a:latin typeface="Consolas" panose="020B0609020204030204" pitchFamily="49" charset="0"/>
-              </a:rPr>
-              <a:t>…</a:t>
-            </a:r>
-            <a:r>
-              <a:rPr kumimoji="0" lang="ru-RU" altLang="ru-RU" sz="2800" b="1" i="0" u="none" strike="noStrike" cap="none" normalizeH="0" baseline="0" dirty="0">
-                <a:ln>
-                  <a:noFill/>
-                </a:ln>
-                <a:solidFill>
-                  <a:srgbClr val="A9B7C6"/>
-                </a:solidFill>
-                <a:effectLst/>
-                <a:latin typeface="Consolas" panose="020B0609020204030204" pitchFamily="49" charset="0"/>
-              </a:rPr>
-              <a:t> }</a:t>
-            </a:r>
-            <a:endParaRPr kumimoji="0" lang="ru-RU" altLang="ru-RU" sz="2800" b="0" i="0" u="none" strike="noStrike" cap="none" normalizeH="0" baseline="0" dirty="0">
-              <a:ln>
-                <a:noFill/>
-              </a:ln>
-              <a:solidFill>
-                <a:schemeClr val="tx1"/>
-              </a:solidFill>
-              <a:effectLst/>
-              <a:latin typeface="Arial" panose="020B0604020202020204" pitchFamily="34" charset="0"/>
-            </a:endParaRPr>
-          </a:p>
-        </p:txBody>
-      </p:sp>
-    </p:spTree>
-    <p:extLst>
-      <p:ext uri="{BB962C8B-B14F-4D97-AF65-F5344CB8AC3E}">
-        <p14:creationId xmlns:p14="http://schemas.microsoft.com/office/powerpoint/2010/main" val="910722573"/>
-      </p:ext>
-    </p:extLst>
-  </p:cSld>
-  <p:clrMapOvr>
-    <a:masterClrMapping/>
-  </p:clrMapOvr>
-</p:sld>
-</file>
-
-<file path=ppt/slides/slide19.xml><?xml version="1.0" encoding="utf-8"?>
-<p:sld xmlns:a="http://schemas.openxmlformats.org/drawingml/2006/main" xmlns:r="http://schemas.openxmlformats.org/officeDocument/2006/relationships" xmlns:p="http://schemas.openxmlformats.org/presentationml/2006/main">
-  <p:cSld>
-    <p:spTree>
-      <p:nvGrpSpPr>
-        <p:cNvPr id="1" name=""/>
-        <p:cNvGrpSpPr/>
-        <p:nvPr/>
-      </p:nvGrpSpPr>
-      <p:grpSpPr>
-        <a:xfrm>
-          <a:off x="0" y="0"/>
-          <a:ext cx="0" cy="0"/>
-          <a:chOff x="0" y="0"/>
-          <a:chExt cx="0" cy="0"/>
-        </a:xfrm>
-      </p:grpSpPr>
-      <p:sp>
-        <p:nvSpPr>
-          <p:cNvPr id="2" name="Заголовок 1">
-            <a:extLst>
-              <a:ext uri="{FF2B5EF4-FFF2-40B4-BE49-F238E27FC236}">
-                <a16:creationId xmlns:a16="http://schemas.microsoft.com/office/drawing/2014/main" id="{360EC9FE-A2FE-498D-ABDA-A1103B217430}"/>
-              </a:ext>
-            </a:extLst>
-          </p:cNvPr>
-          <p:cNvSpPr>
-            <a:spLocks noGrp="1"/>
-          </p:cNvSpPr>
-          <p:nvPr>
-            <p:ph type="title"/>
-          </p:nvPr>
-        </p:nvSpPr>
-        <p:spPr/>
-        <p:txBody>
-          <a:bodyPr/>
-          <a:lstStyle/>
-          <a:p>
-            <a:pPr algn="ctr"/>
-            <a:r>
-              <a:rPr lang="ru-RU" dirty="0">
-                <a:solidFill>
-                  <a:schemeClr val="bg1"/>
-                </a:solidFill>
-              </a:rPr>
-              <a:t>Повторение</a:t>
-            </a:r>
-          </a:p>
-        </p:txBody>
-      </p:sp>
-      <p:pic>
-        <p:nvPicPr>
-          <p:cNvPr id="5" name="Рисунок 4">
-            <a:extLst>
-              <a:ext uri="{FF2B5EF4-FFF2-40B4-BE49-F238E27FC236}">
-                <a16:creationId xmlns:a16="http://schemas.microsoft.com/office/drawing/2014/main" id="{DE31F1A5-D18F-48B4-BB0A-5BE84A5E4A80}"/>
-              </a:ext>
-            </a:extLst>
-          </p:cNvPr>
-          <p:cNvPicPr>
-            <a:picLocks noChangeAspect="1"/>
-          </p:cNvPicPr>
-          <p:nvPr/>
-        </p:nvPicPr>
-        <p:blipFill>
-          <a:blip r:embed="rId2">
-            <a:extLst>
-              <a:ext uri="{28A0092B-C50C-407E-A947-70E740481C1C}">
-                <a14:useLocalDpi xmlns:a14="http://schemas.microsoft.com/office/drawing/2010/main" val="0"/>
-              </a:ext>
-            </a:extLst>
-          </a:blip>
-          <a:stretch>
-            <a:fillRect/>
-          </a:stretch>
-        </p:blipFill>
-        <p:spPr>
-          <a:xfrm>
-            <a:off x="2937545" y="1580911"/>
-            <a:ext cx="6316910" cy="4713007"/>
-          </a:xfrm>
-          <a:prstGeom prst="rect">
-            <a:avLst/>
-          </a:prstGeom>
-        </p:spPr>
-      </p:pic>
-      <p:sp>
-        <p:nvSpPr>
-          <p:cNvPr id="7" name="Номер слайда 6">
-            <a:extLst>
-              <a:ext uri="{FF2B5EF4-FFF2-40B4-BE49-F238E27FC236}">
-                <a16:creationId xmlns:a16="http://schemas.microsoft.com/office/drawing/2014/main" id="{C61DB33A-0F81-4B91-BB59-34B3ED2F45B8}"/>
-              </a:ext>
-            </a:extLst>
-          </p:cNvPr>
-          <p:cNvSpPr>
-            <a:spLocks noGrp="1"/>
-          </p:cNvSpPr>
-          <p:nvPr>
-            <p:ph type="sldNum" sz="quarter" idx="12"/>
-          </p:nvPr>
-        </p:nvSpPr>
-        <p:spPr/>
-        <p:txBody>
-          <a:bodyPr/>
-          <a:lstStyle/>
-          <a:p>
-            <a:fld id="{B9F5FBF0-3463-467F-B8AE-ABE55FDBCDBF}" type="slidenum">
-              <a:rPr lang="ru-RU" smtClean="0"/>
-              <a:t>19</a:t>
-            </a:fld>
-            <a:endParaRPr lang="ru-RU"/>
-          </a:p>
-        </p:txBody>
-      </p:sp>
-    </p:spTree>
-    <p:extLst>
-      <p:ext uri="{BB962C8B-B14F-4D97-AF65-F5344CB8AC3E}">
-        <p14:creationId xmlns:p14="http://schemas.microsoft.com/office/powerpoint/2010/main" val="2210630187"/>
-      </p:ext>
-    </p:extLst>
-  </p:cSld>
-  <p:clrMapOvr>
-    <a:masterClrMapping/>
-  </p:clrMapOvr>
-</p:sld>
-</file>
-
-<file path=ppt/slides/slide2.xml><?xml version="1.0" encoding="utf-8"?>
-<p:sld xmlns:a="http://schemas.openxmlformats.org/drawingml/2006/main" xmlns:r="http://schemas.openxmlformats.org/officeDocument/2006/relationships" xmlns:p="http://schemas.openxmlformats.org/presentationml/2006/main">
-  <p:cSld>
-    <p:spTree>
-      <p:nvGrpSpPr>
-        <p:cNvPr id="1" name=""/>
-        <p:cNvGrpSpPr/>
-        <p:nvPr/>
-      </p:nvGrpSpPr>
-      <p:grpSpPr>
-        <a:xfrm>
-          <a:off x="0" y="0"/>
-          <a:ext cx="0" cy="0"/>
-          <a:chOff x="0" y="0"/>
-          <a:chExt cx="0" cy="0"/>
-        </a:xfrm>
-      </p:grpSpPr>
-      <p:sp>
-        <p:nvSpPr>
-          <p:cNvPr id="137" name="CustomShape 1"/>
-          <p:cNvSpPr/>
-          <p:nvPr/>
-        </p:nvSpPr>
-        <p:spPr>
-          <a:xfrm>
-            <a:off x="1912080" y="542520"/>
-            <a:ext cx="8228880" cy="576360"/>
-          </a:xfrm>
-          <a:prstGeom prst="rect">
-            <a:avLst/>
-          </a:prstGeom>
-          <a:noFill/>
-          <a:ln>
-            <a:noFill/>
-          </a:ln>
-        </p:spPr>
-        <p:style>
-          <a:lnRef idx="0">
-            <a:scrgbClr r="0" g="0" b="0"/>
-          </a:lnRef>
-          <a:fillRef idx="0">
-            <a:scrgbClr r="0" g="0" b="0"/>
-          </a:fillRef>
-          <a:effectRef idx="0">
-            <a:scrgbClr r="0" g="0" b="0"/>
-          </a:effectRef>
-          <a:fontRef idx="minor"/>
-        </p:style>
-        <p:txBody>
-          <a:bodyPr lIns="90000" tIns="91440" rIns="90000" bIns="91440" anchor="b"/>
-          <a:lstStyle/>
-          <a:p>
-            <a:pPr algn="ctr">
-              <a:lnSpc>
-                <a:spcPct val="100000"/>
-              </a:lnSpc>
-            </a:pPr>
-            <a:r>
-              <a:rPr lang="ru-RU" sz="3000" b="1" dirty="0" err="1">
-                <a:solidFill>
-                  <a:schemeClr val="bg1"/>
-                </a:solidFill>
-                <a:latin typeface="Arial"/>
-                <a:ea typeface="Arial"/>
-              </a:rPr>
-              <a:t>Thread</a:t>
-            </a:r>
-            <a:endParaRPr dirty="0">
-              <a:solidFill>
-                <a:schemeClr val="bg1"/>
-              </a:solidFill>
-            </a:endParaRPr>
-          </a:p>
-        </p:txBody>
-      </p:sp>
-      <p:sp>
-        <p:nvSpPr>
-          <p:cNvPr id="141" name="CustomShape 5"/>
-          <p:cNvSpPr/>
-          <p:nvPr/>
-        </p:nvSpPr>
-        <p:spPr>
-          <a:xfrm>
-            <a:off x="1290637" y="3534392"/>
-            <a:ext cx="4980600" cy="580320"/>
-          </a:xfrm>
-          <a:prstGeom prst="rect">
-            <a:avLst/>
-          </a:prstGeom>
-          <a:noFill/>
-          <a:ln>
-            <a:noFill/>
-          </a:ln>
-        </p:spPr>
-        <p:style>
-          <a:lnRef idx="0">
-            <a:scrgbClr r="0" g="0" b="0"/>
-          </a:lnRef>
-          <a:fillRef idx="0">
-            <a:scrgbClr r="0" g="0" b="0"/>
-          </a:fillRef>
-          <a:effectRef idx="0">
-            <a:scrgbClr r="0" g="0" b="0"/>
-          </a:effectRef>
-          <a:fontRef idx="minor"/>
-        </p:style>
-        <p:txBody>
-          <a:bodyPr lIns="90000" tIns="91440" rIns="90000" bIns="91440"/>
-          <a:lstStyle/>
-          <a:p>
-            <a:pPr>
-              <a:lnSpc>
-                <a:spcPct val="100000"/>
-              </a:lnSpc>
-            </a:pPr>
-            <a:r>
-              <a:rPr lang="ru-RU" sz="2400" dirty="0">
-                <a:solidFill>
-                  <a:schemeClr val="bg1"/>
-                </a:solidFill>
-                <a:latin typeface="Arial"/>
-                <a:ea typeface="Arial"/>
-              </a:rPr>
-              <a:t>Запуск потока:</a:t>
-            </a:r>
-            <a:endParaRPr dirty="0">
-              <a:solidFill>
-                <a:schemeClr val="bg1"/>
-              </a:solidFill>
-            </a:endParaRPr>
-          </a:p>
-        </p:txBody>
-      </p:sp>
-      <p:sp>
-        <p:nvSpPr>
-          <p:cNvPr id="4" name="Rectangle 3">
-            <a:extLst>
-              <a:ext uri="{FF2B5EF4-FFF2-40B4-BE49-F238E27FC236}">
-                <a16:creationId xmlns:a16="http://schemas.microsoft.com/office/drawing/2014/main" id="{F5D2F720-1BC3-4BC2-8CE2-F4D04B2776B1}"/>
-              </a:ext>
-            </a:extLst>
-          </p:cNvPr>
-          <p:cNvSpPr>
-            <a:spLocks noChangeArrowheads="1"/>
-          </p:cNvSpPr>
-          <p:nvPr/>
-        </p:nvSpPr>
-        <p:spPr bwMode="auto">
-          <a:xfrm>
-            <a:off x="1308100" y="4114712"/>
-            <a:ext cx="6515100" cy="400110"/>
-          </a:xfrm>
-          <a:prstGeom prst="rect">
-            <a:avLst/>
-          </a:prstGeom>
-          <a:solidFill>
-            <a:srgbClr val="2B2B2B"/>
-          </a:solidFill>
-          <a:ln>
-            <a:noFill/>
-          </a:ln>
-          <a:effectLst/>
-          <a:extLst>
-            <a:ext uri="{91240B29-F687-4F45-9708-019B960494DF}">
-              <a14:hiddenLine xmlns:a14="http://schemas.microsoft.com/office/drawing/2010/main" w="9525">
-                <a:solidFill>
-                  <a:schemeClr val="tx1"/>
-                </a:solidFill>
-                <a:miter lim="800000"/>
-                <a:headEnd/>
-                <a:tailEnd/>
-              </a14:hiddenLine>
-            </a:ext>
-            <a:ext uri="{AF507438-7753-43E0-B8FC-AC1667EBCBE1}">
-              <a14:hiddenEffects xmlns:a14="http://schemas.microsoft.com/office/drawing/2010/main">
-                <a:effectLst>
-                  <a:outerShdw dist="35921" dir="2700000" algn="ctr" rotWithShape="0">
-                    <a:schemeClr val="bg2"/>
-                  </a:outerShdw>
-                </a:effectLst>
-              </a14:hiddenEffects>
-            </a:ext>
-          </a:extLst>
-        </p:spPr>
-        <p:txBody>
-          <a:bodyPr vert="horz" wrap="square" lIns="91440" tIns="45720" rIns="91440" bIns="45720" numCol="1" anchor="ctr" anchorCtr="0" compatLnSpc="1">
-            <a:prstTxWarp prst="textNoShape">
-              <a:avLst/>
-            </a:prstTxWarp>
-            <a:spAutoFit/>
-          </a:bodyPr>
-          <a:lstStyle/>
-          <a:p>
-            <a:pPr marL="0" marR="0" lvl="0" indent="0" algn="l" defTabSz="914400" rtl="0" eaLnBrk="0" fontAlgn="base" latinLnBrk="0" hangingPunct="0">
-              <a:lnSpc>
-                <a:spcPct val="100000"/>
-              </a:lnSpc>
-              <a:spcBef>
-                <a:spcPct val="0"/>
-              </a:spcBef>
-              <a:spcAft>
-                <a:spcPct val="0"/>
-              </a:spcAft>
-              <a:buClrTx/>
-              <a:buSzTx/>
-              <a:buFontTx/>
-              <a:buNone/>
-              <a:tabLst/>
-            </a:pPr>
-            <a:r>
-              <a:rPr kumimoji="0" lang="ru-RU" altLang="ru-RU" sz="2000" b="0" i="0" u="none" strike="noStrike" cap="none" normalizeH="0" baseline="0" dirty="0" err="1">
-                <a:ln>
-                  <a:noFill/>
-                </a:ln>
-                <a:solidFill>
-                  <a:srgbClr val="9876AA"/>
-                </a:solidFill>
-                <a:effectLst/>
-                <a:latin typeface="Consolas" panose="020B0609020204030204" pitchFamily="49" charset="0"/>
-              </a:rPr>
-              <a:t>thread</a:t>
-            </a:r>
-            <a:r>
-              <a:rPr kumimoji="0" lang="ru-RU" altLang="ru-RU" sz="2000" b="0" i="0" u="none" strike="noStrike" cap="none" normalizeH="0" baseline="0" dirty="0" err="1">
-                <a:ln>
-                  <a:noFill/>
-                </a:ln>
-                <a:solidFill>
-                  <a:srgbClr val="A9B7C6"/>
-                </a:solidFill>
-                <a:effectLst/>
-                <a:latin typeface="Consolas" panose="020B0609020204030204" pitchFamily="49" charset="0"/>
-              </a:rPr>
-              <a:t>.start</a:t>
-            </a:r>
-            <a:r>
-              <a:rPr kumimoji="0" lang="ru-RU" altLang="ru-RU" sz="2000" b="0" i="0" u="none" strike="noStrike" cap="none" normalizeH="0" baseline="0" dirty="0">
-                <a:ln>
-                  <a:noFill/>
-                </a:ln>
-                <a:solidFill>
-                  <a:srgbClr val="A9B7C6"/>
-                </a:solidFill>
-                <a:effectLst/>
-                <a:latin typeface="Consolas" panose="020B0609020204030204" pitchFamily="49" charset="0"/>
-              </a:rPr>
-              <a:t>()</a:t>
-            </a:r>
-            <a:endParaRPr kumimoji="0" lang="ru-RU" altLang="ru-RU" sz="2000" b="0" i="0" u="none" strike="noStrike" cap="none" normalizeH="0" baseline="0" dirty="0">
-              <a:ln>
-                <a:noFill/>
-              </a:ln>
-              <a:solidFill>
-                <a:schemeClr val="tx1"/>
-              </a:solidFill>
-              <a:effectLst/>
-              <a:latin typeface="Arial" panose="020B0604020202020204" pitchFamily="34" charset="0"/>
-            </a:endParaRPr>
-          </a:p>
-        </p:txBody>
-      </p:sp>
-      <p:sp>
-        <p:nvSpPr>
-          <p:cNvPr id="5" name="Rectangle 4">
-            <a:extLst>
-              <a:ext uri="{FF2B5EF4-FFF2-40B4-BE49-F238E27FC236}">
-                <a16:creationId xmlns:a16="http://schemas.microsoft.com/office/drawing/2014/main" id="{7602D6F7-2D0F-45A5-A768-D67B59A4FD6D}"/>
-              </a:ext>
-            </a:extLst>
-          </p:cNvPr>
-          <p:cNvSpPr>
-            <a:spLocks noChangeArrowheads="1"/>
-          </p:cNvSpPr>
-          <p:nvPr/>
-        </p:nvSpPr>
-        <p:spPr bwMode="auto">
-          <a:xfrm>
-            <a:off x="1290637" y="1983225"/>
-            <a:ext cx="5121915" cy="1015663"/>
-          </a:xfrm>
-          <a:prstGeom prst="rect">
-            <a:avLst/>
-          </a:prstGeom>
-          <a:solidFill>
-            <a:srgbClr val="2B2B2B"/>
-          </a:solidFill>
-          <a:ln>
-            <a:noFill/>
-          </a:ln>
-          <a:effectLst/>
-          <a:extLst>
-            <a:ext uri="{91240B29-F687-4F45-9708-019B960494DF}">
-              <a14:hiddenLine xmlns:a14="http://schemas.microsoft.com/office/drawing/2010/main" w="9525">
-                <a:solidFill>
-                  <a:schemeClr val="tx1"/>
-                </a:solidFill>
-                <a:miter lim="800000"/>
-                <a:headEnd/>
-                <a:tailEnd/>
-              </a14:hiddenLine>
-            </a:ext>
-            <a:ext uri="{AF507438-7753-43E0-B8FC-AC1667EBCBE1}">
-              <a14:hiddenEffects xmlns:a14="http://schemas.microsoft.com/office/drawing/2010/main">
-                <a:effectLst>
-                  <a:outerShdw dist="35921" dir="2700000" algn="ctr" rotWithShape="0">
-                    <a:schemeClr val="bg2"/>
-                  </a:outerShdw>
-                </a:effectLst>
-              </a14:hiddenEffects>
-            </a:ext>
-          </a:extLst>
-        </p:spPr>
-        <p:txBody>
-          <a:bodyPr vert="horz" wrap="none" lIns="91440" tIns="45720" rIns="91440" bIns="45720" numCol="1" anchor="ctr" anchorCtr="0" compatLnSpc="1">
-            <a:prstTxWarp prst="textNoShape">
-              <a:avLst/>
-            </a:prstTxWarp>
-            <a:spAutoFit/>
-          </a:bodyPr>
-          <a:lstStyle/>
-          <a:p>
-            <a:pPr marL="0" marR="0" lvl="0" indent="0" algn="l" defTabSz="914400" rtl="0" eaLnBrk="0" fontAlgn="base" latinLnBrk="0" hangingPunct="0">
-              <a:lnSpc>
-                <a:spcPct val="100000"/>
-              </a:lnSpc>
-              <a:spcBef>
-                <a:spcPct val="0"/>
-              </a:spcBef>
-              <a:spcAft>
-                <a:spcPct val="0"/>
-              </a:spcAft>
-              <a:buClrTx/>
-              <a:buSzTx/>
-              <a:buFontTx/>
-              <a:buNone/>
-              <a:tabLst/>
-            </a:pPr>
-            <a:r>
-              <a:rPr kumimoji="0" lang="ru-RU" altLang="ru-RU" sz="2000" b="0" i="0" u="none" strike="noStrike" cap="none" normalizeH="0" baseline="0" dirty="0" err="1">
-                <a:ln>
-                  <a:noFill/>
-                </a:ln>
-                <a:solidFill>
-                  <a:srgbClr val="CC7832"/>
-                </a:solidFill>
-                <a:effectLst/>
-                <a:latin typeface="Consolas" panose="020B0609020204030204" pitchFamily="49" charset="0"/>
-              </a:rPr>
-              <a:t>val</a:t>
-            </a:r>
-            <a:r>
-              <a:rPr kumimoji="0" lang="ru-RU" altLang="ru-RU" sz="2000" b="0" i="0" u="none" strike="noStrike" cap="none" normalizeH="0" baseline="0" dirty="0">
-                <a:ln>
-                  <a:noFill/>
-                </a:ln>
-                <a:solidFill>
-                  <a:srgbClr val="CC7832"/>
-                </a:solidFill>
-                <a:effectLst/>
-                <a:latin typeface="Consolas" panose="020B0609020204030204" pitchFamily="49" charset="0"/>
-              </a:rPr>
-              <a:t> </a:t>
-            </a:r>
-            <a:r>
-              <a:rPr kumimoji="0" lang="ru-RU" altLang="ru-RU" sz="2000" b="0" i="0" u="none" strike="noStrike" cap="none" normalizeH="0" baseline="0" dirty="0" err="1">
-                <a:ln>
-                  <a:noFill/>
-                </a:ln>
-                <a:solidFill>
-                  <a:srgbClr val="9876AA"/>
-                </a:solidFill>
-                <a:effectLst/>
-                <a:latin typeface="Consolas" panose="020B0609020204030204" pitchFamily="49" charset="0"/>
-              </a:rPr>
-              <a:t>thread</a:t>
-            </a:r>
-            <a:r>
-              <a:rPr kumimoji="0" lang="ru-RU" altLang="ru-RU" sz="2000" b="0" i="0" u="none" strike="noStrike" cap="none" normalizeH="0" baseline="0" dirty="0">
-                <a:ln>
-                  <a:noFill/>
-                </a:ln>
-                <a:solidFill>
-                  <a:srgbClr val="9876AA"/>
-                </a:solidFill>
-                <a:effectLst/>
-                <a:latin typeface="Consolas" panose="020B0609020204030204" pitchFamily="49" charset="0"/>
-              </a:rPr>
-              <a:t> </a:t>
-            </a:r>
-            <a:r>
-              <a:rPr kumimoji="0" lang="ru-RU" altLang="ru-RU" sz="2000" b="0" i="0" u="none" strike="noStrike" cap="none" normalizeH="0" baseline="0" dirty="0">
-                <a:ln>
-                  <a:noFill/>
-                </a:ln>
-                <a:solidFill>
-                  <a:srgbClr val="A9B7C6"/>
-                </a:solidFill>
-                <a:effectLst/>
-                <a:latin typeface="Consolas" panose="020B0609020204030204" pitchFamily="49" charset="0"/>
-              </a:rPr>
-              <a:t>= </a:t>
-            </a:r>
-            <a:r>
-              <a:rPr kumimoji="0" lang="ru-RU" altLang="ru-RU" sz="2000" b="0" i="0" u="none" strike="noStrike" cap="none" normalizeH="0" baseline="0" dirty="0" err="1">
-                <a:ln>
-                  <a:noFill/>
-                </a:ln>
-                <a:solidFill>
-                  <a:srgbClr val="A9B7C6"/>
-                </a:solidFill>
-                <a:effectLst/>
-                <a:latin typeface="Consolas" panose="020B0609020204030204" pitchFamily="49" charset="0"/>
-              </a:rPr>
-              <a:t>Thread</a:t>
-            </a:r>
-            <a:r>
-              <a:rPr kumimoji="0" lang="ru-RU" altLang="ru-RU" sz="2000" b="0" i="0" u="none" strike="noStrike" cap="none" normalizeH="0" baseline="0" dirty="0">
-                <a:ln>
-                  <a:noFill/>
-                </a:ln>
-                <a:solidFill>
-                  <a:srgbClr val="A9B7C6"/>
-                </a:solidFill>
-                <a:effectLst/>
-                <a:latin typeface="Consolas" panose="020B0609020204030204" pitchFamily="49" charset="0"/>
-              </a:rPr>
-              <a:t> </a:t>
-            </a:r>
-            <a:r>
-              <a:rPr kumimoji="0" lang="ru-RU" altLang="ru-RU" sz="2000" b="1" i="0" u="none" strike="noStrike" cap="none" normalizeH="0" baseline="0" dirty="0">
-                <a:ln>
-                  <a:noFill/>
-                </a:ln>
-                <a:solidFill>
-                  <a:srgbClr val="A9B7C6"/>
-                </a:solidFill>
-                <a:effectLst/>
-                <a:latin typeface="Consolas" panose="020B0609020204030204" pitchFamily="49" charset="0"/>
-              </a:rPr>
-              <a:t>{</a:t>
-            </a:r>
-            <a:br>
-              <a:rPr kumimoji="0" lang="ru-RU" altLang="ru-RU" sz="2000" b="1" i="0" u="none" strike="noStrike" cap="none" normalizeH="0" baseline="0" dirty="0">
-                <a:ln>
-                  <a:noFill/>
-                </a:ln>
-                <a:solidFill>
-                  <a:srgbClr val="A9B7C6"/>
-                </a:solidFill>
-                <a:effectLst/>
-                <a:latin typeface="Consolas" panose="020B0609020204030204" pitchFamily="49" charset="0"/>
-              </a:rPr>
-            </a:br>
-            <a:r>
-              <a:rPr kumimoji="0" lang="ru-RU" altLang="ru-RU" sz="2000" b="1" i="0" u="none" strike="noStrike" cap="none" normalizeH="0" baseline="0" dirty="0">
-                <a:ln>
-                  <a:noFill/>
-                </a:ln>
-                <a:solidFill>
-                  <a:srgbClr val="A9B7C6"/>
-                </a:solidFill>
-                <a:effectLst/>
-                <a:latin typeface="Consolas" panose="020B0609020204030204" pitchFamily="49" charset="0"/>
-              </a:rPr>
-              <a:t>    </a:t>
-            </a:r>
-            <a:r>
-              <a:rPr kumimoji="0" lang="ru-RU" altLang="ru-RU" sz="2000" b="0" i="1" u="none" strike="noStrike" cap="none" normalizeH="0" baseline="0" dirty="0" err="1">
-                <a:ln>
-                  <a:noFill/>
-                </a:ln>
-                <a:solidFill>
-                  <a:srgbClr val="A9B7C6"/>
-                </a:solidFill>
-                <a:effectLst/>
-                <a:latin typeface="Consolas" panose="020B0609020204030204" pitchFamily="49" charset="0"/>
-              </a:rPr>
-              <a:t>println</a:t>
-            </a:r>
-            <a:r>
-              <a:rPr kumimoji="0" lang="ru-RU" altLang="ru-RU" sz="2000" b="0" i="0" u="none" strike="noStrike" cap="none" normalizeH="0" baseline="0" dirty="0">
-                <a:ln>
-                  <a:noFill/>
-                </a:ln>
-                <a:solidFill>
-                  <a:srgbClr val="A9B7C6"/>
-                </a:solidFill>
-                <a:effectLst/>
-                <a:latin typeface="Consolas" panose="020B0609020204030204" pitchFamily="49" charset="0"/>
-              </a:rPr>
-              <a:t>(</a:t>
-            </a:r>
-            <a:r>
-              <a:rPr kumimoji="0" lang="ru-RU" altLang="ru-RU" sz="2000" b="0" i="0" u="none" strike="noStrike" cap="none" normalizeH="0" baseline="0" dirty="0">
-                <a:ln>
-                  <a:noFill/>
-                </a:ln>
-                <a:solidFill>
-                  <a:srgbClr val="6A8759"/>
-                </a:solidFill>
-                <a:effectLst/>
-                <a:latin typeface="Consolas" panose="020B0609020204030204" pitchFamily="49" charset="0"/>
-              </a:rPr>
-              <a:t>"</a:t>
-            </a:r>
-            <a:r>
-              <a:rPr kumimoji="0" lang="ru-RU" altLang="ru-RU" sz="2000" b="0" i="0" u="none" strike="noStrike" cap="none" normalizeH="0" baseline="0" dirty="0" err="1">
-                <a:ln>
-                  <a:noFill/>
-                </a:ln>
-                <a:solidFill>
-                  <a:srgbClr val="6A8759"/>
-                </a:solidFill>
-                <a:effectLst/>
-                <a:latin typeface="Consolas" panose="020B0609020204030204" pitchFamily="49" charset="0"/>
-              </a:rPr>
-              <a:t>Some</a:t>
-            </a:r>
-            <a:r>
-              <a:rPr kumimoji="0" lang="ru-RU" altLang="ru-RU" sz="2000" b="0" i="0" u="none" strike="noStrike" cap="none" normalizeH="0" baseline="0" dirty="0">
-                <a:ln>
-                  <a:noFill/>
-                </a:ln>
-                <a:solidFill>
-                  <a:srgbClr val="6A8759"/>
-                </a:solidFill>
-                <a:effectLst/>
-                <a:latin typeface="Consolas" panose="020B0609020204030204" pitchFamily="49" charset="0"/>
-              </a:rPr>
-              <a:t> </a:t>
-            </a:r>
-            <a:r>
-              <a:rPr kumimoji="0" lang="ru-RU" altLang="ru-RU" sz="2000" b="0" i="0" u="none" strike="noStrike" cap="none" normalizeH="0" baseline="0" dirty="0" err="1">
-                <a:ln>
-                  <a:noFill/>
-                </a:ln>
-                <a:solidFill>
-                  <a:srgbClr val="6A8759"/>
-                </a:solidFill>
-                <a:effectLst/>
-                <a:latin typeface="Consolas" panose="020B0609020204030204" pitchFamily="49" charset="0"/>
-              </a:rPr>
-              <a:t>background</a:t>
-            </a:r>
-            <a:r>
-              <a:rPr kumimoji="0" lang="ru-RU" altLang="ru-RU" sz="2000" b="0" i="0" u="none" strike="noStrike" cap="none" normalizeH="0" baseline="0" dirty="0">
-                <a:ln>
-                  <a:noFill/>
-                </a:ln>
-                <a:solidFill>
-                  <a:srgbClr val="6A8759"/>
-                </a:solidFill>
-                <a:effectLst/>
-                <a:latin typeface="Consolas" panose="020B0609020204030204" pitchFamily="49" charset="0"/>
-              </a:rPr>
-              <a:t> </a:t>
-            </a:r>
-            <a:r>
-              <a:rPr kumimoji="0" lang="ru-RU" altLang="ru-RU" sz="2000" b="0" i="0" u="none" strike="noStrike" cap="none" normalizeH="0" baseline="0" dirty="0" err="1">
-                <a:ln>
-                  <a:noFill/>
-                </a:ln>
-                <a:solidFill>
-                  <a:srgbClr val="6A8759"/>
-                </a:solidFill>
-                <a:effectLst/>
-                <a:latin typeface="Consolas" panose="020B0609020204030204" pitchFamily="49" charset="0"/>
-              </a:rPr>
-              <a:t>work</a:t>
-            </a:r>
-            <a:r>
-              <a:rPr kumimoji="0" lang="ru-RU" altLang="ru-RU" sz="2000" b="0" i="0" u="none" strike="noStrike" cap="none" normalizeH="0" baseline="0" dirty="0">
-                <a:ln>
-                  <a:noFill/>
-                </a:ln>
-                <a:solidFill>
-                  <a:srgbClr val="6A8759"/>
-                </a:solidFill>
-                <a:effectLst/>
-                <a:latin typeface="Consolas" panose="020B0609020204030204" pitchFamily="49" charset="0"/>
-              </a:rPr>
-              <a:t>"</a:t>
-            </a:r>
-            <a:r>
-              <a:rPr kumimoji="0" lang="ru-RU" altLang="ru-RU" sz="2000" b="0" i="0" u="none" strike="noStrike" cap="none" normalizeH="0" baseline="0" dirty="0">
-                <a:ln>
-                  <a:noFill/>
-                </a:ln>
-                <a:solidFill>
-                  <a:srgbClr val="A9B7C6"/>
-                </a:solidFill>
-                <a:effectLst/>
-                <a:latin typeface="Consolas" panose="020B0609020204030204" pitchFamily="49" charset="0"/>
-              </a:rPr>
-              <a:t>)</a:t>
-            </a:r>
-            <a:br>
-              <a:rPr kumimoji="0" lang="ru-RU" altLang="ru-RU" sz="2000" b="0" i="0" u="none" strike="noStrike" cap="none" normalizeH="0" baseline="0" dirty="0">
-                <a:ln>
-                  <a:noFill/>
-                </a:ln>
-                <a:solidFill>
-                  <a:srgbClr val="A9B7C6"/>
-                </a:solidFill>
-                <a:effectLst/>
-                <a:latin typeface="Consolas" panose="020B0609020204030204" pitchFamily="49" charset="0"/>
-              </a:rPr>
-            </a:br>
-            <a:r>
-              <a:rPr kumimoji="0" lang="ru-RU" altLang="ru-RU" sz="2000" b="0" i="0" u="none" strike="noStrike" cap="none" normalizeH="0" baseline="0" dirty="0">
-                <a:ln>
-                  <a:noFill/>
-                </a:ln>
-                <a:solidFill>
-                  <a:srgbClr val="A9B7C6"/>
-                </a:solidFill>
-                <a:effectLst/>
-                <a:latin typeface="Consolas" panose="020B0609020204030204" pitchFamily="49" charset="0"/>
-              </a:rPr>
-              <a:t>}</a:t>
-            </a:r>
-            <a:endParaRPr kumimoji="0" lang="ru-RU" altLang="ru-RU" sz="2000" b="0" i="0" u="none" strike="noStrike" cap="none" normalizeH="0" baseline="0" dirty="0">
-              <a:ln>
-                <a:noFill/>
-              </a:ln>
-              <a:solidFill>
-                <a:schemeClr val="tx1"/>
-              </a:solidFill>
-              <a:effectLst/>
-              <a:latin typeface="Arial" panose="020B0604020202020204" pitchFamily="34" charset="0"/>
-            </a:endParaRPr>
-          </a:p>
-        </p:txBody>
-      </p:sp>
-      <p:sp>
-        <p:nvSpPr>
-          <p:cNvPr id="7" name="CustomShape 5">
-            <a:extLst>
-              <a:ext uri="{FF2B5EF4-FFF2-40B4-BE49-F238E27FC236}">
-                <a16:creationId xmlns:a16="http://schemas.microsoft.com/office/drawing/2014/main" id="{3C199B36-405B-4974-A86E-251ADDB3C9B1}"/>
-              </a:ext>
-            </a:extLst>
-          </p:cNvPr>
-          <p:cNvSpPr/>
-          <p:nvPr/>
-        </p:nvSpPr>
-        <p:spPr>
-          <a:xfrm>
-            <a:off x="1308100" y="1547177"/>
-            <a:ext cx="4980600" cy="580320"/>
-          </a:xfrm>
-          <a:prstGeom prst="rect">
-            <a:avLst/>
-          </a:prstGeom>
-          <a:noFill/>
-          <a:ln>
-            <a:noFill/>
-          </a:ln>
-        </p:spPr>
-        <p:style>
-          <a:lnRef idx="0">
-            <a:scrgbClr r="0" g="0" b="0"/>
-          </a:lnRef>
-          <a:fillRef idx="0">
-            <a:scrgbClr r="0" g="0" b="0"/>
-          </a:fillRef>
-          <a:effectRef idx="0">
-            <a:scrgbClr r="0" g="0" b="0"/>
-          </a:effectRef>
-          <a:fontRef idx="minor"/>
-        </p:style>
-        <p:txBody>
-          <a:bodyPr lIns="90000" tIns="91440" rIns="90000" bIns="91440"/>
-          <a:lstStyle/>
-          <a:p>
-            <a:pPr>
-              <a:lnSpc>
-                <a:spcPct val="100000"/>
-              </a:lnSpc>
-            </a:pPr>
-            <a:r>
-              <a:rPr lang="ru-RU" sz="2400" dirty="0">
-                <a:solidFill>
-                  <a:schemeClr val="bg1"/>
-                </a:solidFill>
-                <a:latin typeface="Arial"/>
-                <a:ea typeface="Arial"/>
-              </a:rPr>
-              <a:t>Создание потока:</a:t>
-            </a:r>
-            <a:endParaRPr dirty="0">
-              <a:solidFill>
-                <a:schemeClr val="bg1"/>
-              </a:solidFill>
-            </a:endParaRPr>
-          </a:p>
-        </p:txBody>
-      </p:sp>
-      <p:sp>
-        <p:nvSpPr>
-          <p:cNvPr id="3" name="Номер слайда 2">
-            <a:extLst>
-              <a:ext uri="{FF2B5EF4-FFF2-40B4-BE49-F238E27FC236}">
-                <a16:creationId xmlns:a16="http://schemas.microsoft.com/office/drawing/2014/main" id="{E3B878F8-3DA6-4E26-B347-CB144A6BF65A}"/>
-              </a:ext>
-            </a:extLst>
-          </p:cNvPr>
-          <p:cNvSpPr>
-            <a:spLocks noGrp="1"/>
-          </p:cNvSpPr>
-          <p:nvPr>
-            <p:ph type="sldNum" sz="quarter" idx="12"/>
-          </p:nvPr>
-        </p:nvSpPr>
-        <p:spPr/>
-        <p:txBody>
-          <a:bodyPr/>
-          <a:lstStyle/>
-          <a:p>
-            <a:fld id="{B9F5FBF0-3463-467F-B8AE-ABE55FDBCDBF}" type="slidenum">
-              <a:rPr lang="ru-RU" smtClean="0"/>
-              <a:t>2</a:t>
-            </a:fld>
-            <a:endParaRPr lang="ru-RU"/>
-          </a:p>
-        </p:txBody>
-      </p:sp>
-    </p:spTree>
-  </p:cSld>
-  <p:clrMapOvr>
-    <a:masterClrMapping/>
-  </p:clrMapOvr>
-  <p:timing>
-    <p:tnLst>
-      <p:par>
-        <p:cTn id="1" dur="indefinite" restart="never" nodeType="tmRoot">
-          <p:childTnLst>
-            <p:seq>
-              <p:cTn id="2" nodeType="mainSeq"/>
-              <p:prevCondLst>
-                <p:cond evt="onPrev" delay="0">
-                  <p:tgtEl>
-                    <p:sldTgt/>
-                  </p:tgtEl>
-                </p:cond>
-              </p:prevCondLst>
-              <p:nextCondLst>
-                <p:cond evt="onNext" delay="0">
-                  <p:tgtEl>
-                    <p:sldTgt/>
-                  </p:tgtEl>
-                </p:cond>
-              </p:nextCondLst>
-            </p:seq>
-          </p:childTnLst>
-        </p:cTn>
-      </p:par>
-    </p:tnLst>
-  </p:timing>
-</p:sld>
-</file>
-
-<file path=ppt/slides/slide20.xml><?xml version="1.0" encoding="utf-8"?>
-<p:sld xmlns:a="http://schemas.openxmlformats.org/drawingml/2006/main" xmlns:r="http://schemas.openxmlformats.org/officeDocument/2006/relationships" xmlns:p="http://schemas.openxmlformats.org/presentationml/2006/main">
-  <p:cSld>
-    <p:spTree>
-      <p:nvGrpSpPr>
-        <p:cNvPr id="1" name=""/>
-        <p:cNvGrpSpPr/>
-        <p:nvPr/>
-      </p:nvGrpSpPr>
-      <p:grpSpPr>
-        <a:xfrm>
-          <a:off x="0" y="0"/>
-          <a:ext cx="0" cy="0"/>
-          <a:chOff x="0" y="0"/>
-          <a:chExt cx="0" cy="0"/>
-        </a:xfrm>
-      </p:grpSpPr>
-      <p:sp>
-        <p:nvSpPr>
-          <p:cNvPr id="2" name="Заголовок 1">
-            <a:extLst>
-              <a:ext uri="{FF2B5EF4-FFF2-40B4-BE49-F238E27FC236}">
                 <a16:creationId xmlns:a16="http://schemas.microsoft.com/office/drawing/2014/main" id="{25A98F41-2DFD-4999-A6B2-1D8D19AC4B95}"/>
               </a:ext>
             </a:extLst>
@@ -9293,7 +6206,7 @@
           <a:p>
             <a:fld id="{B9F5FBF0-3463-467F-B8AE-ABE55FDBCDBF}" type="slidenum">
               <a:rPr lang="ru-RU" smtClean="0"/>
-              <a:t>20</a:t>
+              <a:t>14</a:t>
             </a:fld>
             <a:endParaRPr lang="ru-RU"/>
           </a:p>
@@ -9312,7 +6225,7 @@
 </p:sld>
 </file>
 
-<file path=ppt/slides/slide21.xml><?xml version="1.0" encoding="utf-8"?>
+<file path=ppt/slides/slide15.xml><?xml version="1.0" encoding="utf-8"?>
 <p:sld xmlns:a="http://schemas.openxmlformats.org/drawingml/2006/main" xmlns:r="http://schemas.openxmlformats.org/officeDocument/2006/relationships" xmlns:p="http://schemas.openxmlformats.org/presentationml/2006/main">
   <p:cSld>
     <p:spTree>
@@ -9458,7 +6371,7 @@
           <a:p>
             <a:fld id="{B9F5FBF0-3463-467F-B8AE-ABE55FDBCDBF}" type="slidenum">
               <a:rPr lang="ru-RU" smtClean="0"/>
-              <a:t>21</a:t>
+              <a:t>15</a:t>
             </a:fld>
             <a:endParaRPr lang="ru-RU"/>
           </a:p>
@@ -9474,6 +6387,934 @@
   <p:clrMapOvr>
     <a:masterClrMapping/>
   </p:clrMapOvr>
+</p:sld>
+</file>
+
+<file path=ppt/slides/slide16.xml><?xml version="1.0" encoding="utf-8"?>
+<p:sld xmlns:a="http://schemas.openxmlformats.org/drawingml/2006/main" xmlns:r="http://schemas.openxmlformats.org/officeDocument/2006/relationships" xmlns:p="http://schemas.openxmlformats.org/presentationml/2006/main">
+  <p:cSld>
+    <p:spTree>
+      <p:nvGrpSpPr>
+        <p:cNvPr id="1" name=""/>
+        <p:cNvGrpSpPr/>
+        <p:nvPr/>
+      </p:nvGrpSpPr>
+      <p:grpSpPr>
+        <a:xfrm>
+          <a:off x="0" y="0"/>
+          <a:ext cx="0" cy="0"/>
+          <a:chOff x="0" y="0"/>
+          <a:chExt cx="0" cy="0"/>
+        </a:xfrm>
+      </p:grpSpPr>
+      <p:sp>
+        <p:nvSpPr>
+          <p:cNvPr id="2" name="Заголовок 1">
+            <a:extLst>
+              <a:ext uri="{FF2B5EF4-FFF2-40B4-BE49-F238E27FC236}">
+                <a16:creationId xmlns:a16="http://schemas.microsoft.com/office/drawing/2014/main" id="{4869BAC2-E044-4687-A824-1A2203D55824}"/>
+              </a:ext>
+            </a:extLst>
+          </p:cNvPr>
+          <p:cNvSpPr>
+            <a:spLocks noGrp="1"/>
+          </p:cNvSpPr>
+          <p:nvPr>
+            <p:ph type="title"/>
+          </p:nvPr>
+        </p:nvSpPr>
+        <p:spPr/>
+        <p:txBody>
+          <a:bodyPr/>
+          <a:lstStyle/>
+          <a:p>
+            <a:pPr algn="ctr"/>
+            <a:r>
+              <a:rPr lang="ru-RU" dirty="0">
+                <a:solidFill>
+                  <a:schemeClr val="bg1"/>
+                </a:solidFill>
+              </a:rPr>
+              <a:t>Домашнее задание</a:t>
+            </a:r>
+          </a:p>
+        </p:txBody>
+      </p:sp>
+      <p:sp>
+        <p:nvSpPr>
+          <p:cNvPr id="3" name="Объект 2">
+            <a:extLst>
+              <a:ext uri="{FF2B5EF4-FFF2-40B4-BE49-F238E27FC236}">
+                <a16:creationId xmlns:a16="http://schemas.microsoft.com/office/drawing/2014/main" id="{1CB0B95C-575E-46EF-8C5E-CC8CE9480816}"/>
+              </a:ext>
+            </a:extLst>
+          </p:cNvPr>
+          <p:cNvSpPr>
+            <a:spLocks noGrp="1"/>
+          </p:cNvSpPr>
+          <p:nvPr>
+            <p:ph idx="1"/>
+          </p:nvPr>
+        </p:nvSpPr>
+        <p:spPr/>
+        <p:txBody>
+          <a:bodyPr/>
+          <a:lstStyle/>
+          <a:p>
+            <a:r>
+              <a:rPr lang="ru-RU" dirty="0">
+                <a:solidFill>
+                  <a:schemeClr val="bg1"/>
+                </a:solidFill>
+              </a:rPr>
+              <a:t>Создать таймер, который работает на </a:t>
+            </a:r>
+            <a:r>
+              <a:rPr lang="ru-RU" dirty="0" err="1">
+                <a:solidFill>
+                  <a:schemeClr val="bg1"/>
+                </a:solidFill>
+              </a:rPr>
+              <a:t>бекграунде</a:t>
+            </a:r>
+            <a:r>
+              <a:rPr lang="ru-RU" dirty="0">
+                <a:solidFill>
+                  <a:schemeClr val="bg1"/>
+                </a:solidFill>
+              </a:rPr>
+              <a:t> и выводит результат на экран. Не использовать встроенные средства андроида для этого</a:t>
+            </a:r>
+          </a:p>
+          <a:p>
+            <a:r>
+              <a:rPr lang="ru-RU" dirty="0">
+                <a:solidFill>
+                  <a:schemeClr val="bg1"/>
+                </a:solidFill>
+              </a:rPr>
+              <a:t>При закрытии приложения создайте задачу,  которая через определенное время выведет </a:t>
+            </a:r>
+            <a:r>
+              <a:rPr lang="ru-RU" dirty="0" err="1">
+                <a:solidFill>
+                  <a:schemeClr val="bg1"/>
+                </a:solidFill>
+              </a:rPr>
+              <a:t>пуш</a:t>
+            </a:r>
+            <a:r>
+              <a:rPr lang="ru-RU" dirty="0">
+                <a:solidFill>
+                  <a:schemeClr val="bg1"/>
+                </a:solidFill>
+              </a:rPr>
+              <a:t> со значением таймера.</a:t>
+            </a:r>
+          </a:p>
+        </p:txBody>
+      </p:sp>
+      <p:sp>
+        <p:nvSpPr>
+          <p:cNvPr id="4" name="Номер слайда 3">
+            <a:extLst>
+              <a:ext uri="{FF2B5EF4-FFF2-40B4-BE49-F238E27FC236}">
+                <a16:creationId xmlns:a16="http://schemas.microsoft.com/office/drawing/2014/main" id="{B611D0E3-F204-48BD-AAA7-191D11882660}"/>
+              </a:ext>
+            </a:extLst>
+          </p:cNvPr>
+          <p:cNvSpPr>
+            <a:spLocks noGrp="1"/>
+          </p:cNvSpPr>
+          <p:nvPr>
+            <p:ph type="sldNum" sz="quarter" idx="12"/>
+          </p:nvPr>
+        </p:nvSpPr>
+        <p:spPr/>
+        <p:txBody>
+          <a:bodyPr/>
+          <a:lstStyle/>
+          <a:p>
+            <a:fld id="{B9F5FBF0-3463-467F-B8AE-ABE55FDBCDBF}" type="slidenum">
+              <a:rPr lang="ru-RU" smtClean="0"/>
+              <a:t>16</a:t>
+            </a:fld>
+            <a:endParaRPr lang="ru-RU"/>
+          </a:p>
+        </p:txBody>
+      </p:sp>
+    </p:spTree>
+    <p:extLst>
+      <p:ext uri="{BB962C8B-B14F-4D97-AF65-F5344CB8AC3E}">
+        <p14:creationId xmlns:p14="http://schemas.microsoft.com/office/powerpoint/2010/main" val="3267485482"/>
+      </p:ext>
+    </p:extLst>
+  </p:cSld>
+  <p:clrMapOvr>
+    <a:masterClrMapping/>
+  </p:clrMapOvr>
+</p:sld>
+</file>
+
+<file path=ppt/slides/slide2.xml><?xml version="1.0" encoding="utf-8"?>
+<p:sld xmlns:a="http://schemas.openxmlformats.org/drawingml/2006/main" xmlns:r="http://schemas.openxmlformats.org/officeDocument/2006/relationships" xmlns:p="http://schemas.openxmlformats.org/presentationml/2006/main">
+  <p:cSld>
+    <p:spTree>
+      <p:nvGrpSpPr>
+        <p:cNvPr id="1" name=""/>
+        <p:cNvGrpSpPr/>
+        <p:nvPr/>
+      </p:nvGrpSpPr>
+      <p:grpSpPr>
+        <a:xfrm>
+          <a:off x="0" y="0"/>
+          <a:ext cx="0" cy="0"/>
+          <a:chOff x="0" y="0"/>
+          <a:chExt cx="0" cy="0"/>
+        </a:xfrm>
+      </p:grpSpPr>
+      <p:sp>
+        <p:nvSpPr>
+          <p:cNvPr id="137" name="CustomShape 1"/>
+          <p:cNvSpPr/>
+          <p:nvPr/>
+        </p:nvSpPr>
+        <p:spPr>
+          <a:xfrm>
+            <a:off x="1912080" y="542520"/>
+            <a:ext cx="8228880" cy="576360"/>
+          </a:xfrm>
+          <a:prstGeom prst="rect">
+            <a:avLst/>
+          </a:prstGeom>
+          <a:noFill/>
+          <a:ln>
+            <a:noFill/>
+          </a:ln>
+        </p:spPr>
+        <p:style>
+          <a:lnRef idx="0">
+            <a:scrgbClr r="0" g="0" b="0"/>
+          </a:lnRef>
+          <a:fillRef idx="0">
+            <a:scrgbClr r="0" g="0" b="0"/>
+          </a:fillRef>
+          <a:effectRef idx="0">
+            <a:scrgbClr r="0" g="0" b="0"/>
+          </a:effectRef>
+          <a:fontRef idx="minor"/>
+        </p:style>
+        <p:txBody>
+          <a:bodyPr lIns="90000" tIns="91440" rIns="90000" bIns="91440" anchor="b"/>
+          <a:lstStyle/>
+          <a:p>
+            <a:pPr algn="ctr">
+              <a:lnSpc>
+                <a:spcPct val="100000"/>
+              </a:lnSpc>
+            </a:pPr>
+            <a:r>
+              <a:rPr lang="ru-RU" sz="3000" b="1" dirty="0" err="1">
+                <a:solidFill>
+                  <a:schemeClr val="bg1"/>
+                </a:solidFill>
+                <a:latin typeface="Arial"/>
+                <a:ea typeface="Arial"/>
+              </a:rPr>
+              <a:t>Thread</a:t>
+            </a:r>
+            <a:endParaRPr dirty="0">
+              <a:solidFill>
+                <a:schemeClr val="bg1"/>
+              </a:solidFill>
+            </a:endParaRPr>
+          </a:p>
+        </p:txBody>
+      </p:sp>
+      <p:sp>
+        <p:nvSpPr>
+          <p:cNvPr id="141" name="CustomShape 5"/>
+          <p:cNvSpPr/>
+          <p:nvPr/>
+        </p:nvSpPr>
+        <p:spPr>
+          <a:xfrm>
+            <a:off x="1290637" y="3534392"/>
+            <a:ext cx="4980600" cy="580320"/>
+          </a:xfrm>
+          <a:prstGeom prst="rect">
+            <a:avLst/>
+          </a:prstGeom>
+          <a:noFill/>
+          <a:ln>
+            <a:noFill/>
+          </a:ln>
+        </p:spPr>
+        <p:style>
+          <a:lnRef idx="0">
+            <a:scrgbClr r="0" g="0" b="0"/>
+          </a:lnRef>
+          <a:fillRef idx="0">
+            <a:scrgbClr r="0" g="0" b="0"/>
+          </a:fillRef>
+          <a:effectRef idx="0">
+            <a:scrgbClr r="0" g="0" b="0"/>
+          </a:effectRef>
+          <a:fontRef idx="minor"/>
+        </p:style>
+        <p:txBody>
+          <a:bodyPr lIns="90000" tIns="91440" rIns="90000" bIns="91440"/>
+          <a:lstStyle/>
+          <a:p>
+            <a:pPr>
+              <a:lnSpc>
+                <a:spcPct val="100000"/>
+              </a:lnSpc>
+            </a:pPr>
+            <a:r>
+              <a:rPr lang="ru-RU" sz="2400" dirty="0">
+                <a:solidFill>
+                  <a:schemeClr val="bg1"/>
+                </a:solidFill>
+                <a:latin typeface="Arial"/>
+                <a:ea typeface="Arial"/>
+              </a:rPr>
+              <a:t>Запуск потока:</a:t>
+            </a:r>
+            <a:endParaRPr dirty="0">
+              <a:solidFill>
+                <a:schemeClr val="bg1"/>
+              </a:solidFill>
+            </a:endParaRPr>
+          </a:p>
+        </p:txBody>
+      </p:sp>
+      <p:sp>
+        <p:nvSpPr>
+          <p:cNvPr id="4" name="Rectangle 3">
+            <a:extLst>
+              <a:ext uri="{FF2B5EF4-FFF2-40B4-BE49-F238E27FC236}">
+                <a16:creationId xmlns:a16="http://schemas.microsoft.com/office/drawing/2014/main" id="{F5D2F720-1BC3-4BC2-8CE2-F4D04B2776B1}"/>
+              </a:ext>
+            </a:extLst>
+          </p:cNvPr>
+          <p:cNvSpPr>
+            <a:spLocks noChangeArrowheads="1"/>
+          </p:cNvSpPr>
+          <p:nvPr/>
+        </p:nvSpPr>
+        <p:spPr bwMode="auto">
+          <a:xfrm>
+            <a:off x="1308100" y="4114712"/>
+            <a:ext cx="6515100" cy="400110"/>
+          </a:xfrm>
+          <a:prstGeom prst="rect">
+            <a:avLst/>
+          </a:prstGeom>
+          <a:solidFill>
+            <a:srgbClr val="2B2B2B"/>
+          </a:solidFill>
+          <a:ln>
+            <a:noFill/>
+          </a:ln>
+          <a:effectLst/>
+          <a:extLst>
+            <a:ext uri="{91240B29-F687-4F45-9708-019B960494DF}">
+              <a14:hiddenLine xmlns:a14="http://schemas.microsoft.com/office/drawing/2010/main" w="9525">
+                <a:solidFill>
+                  <a:schemeClr val="tx1"/>
+                </a:solidFill>
+                <a:miter lim="800000"/>
+                <a:headEnd/>
+                <a:tailEnd/>
+              </a14:hiddenLine>
+            </a:ext>
+            <a:ext uri="{AF507438-7753-43E0-B8FC-AC1667EBCBE1}">
+              <a14:hiddenEffects xmlns:a14="http://schemas.microsoft.com/office/drawing/2010/main">
+                <a:effectLst>
+                  <a:outerShdw dist="35921" dir="2700000" algn="ctr" rotWithShape="0">
+                    <a:schemeClr val="bg2"/>
+                  </a:outerShdw>
+                </a:effectLst>
+              </a14:hiddenEffects>
+            </a:ext>
+          </a:extLst>
+        </p:spPr>
+        <p:txBody>
+          <a:bodyPr vert="horz" wrap="square" lIns="91440" tIns="45720" rIns="91440" bIns="45720" numCol="1" anchor="ctr" anchorCtr="0" compatLnSpc="1">
+            <a:prstTxWarp prst="textNoShape">
+              <a:avLst/>
+            </a:prstTxWarp>
+            <a:spAutoFit/>
+          </a:bodyPr>
+          <a:lstStyle/>
+          <a:p>
+            <a:pPr marL="0" marR="0" lvl="0" indent="0" algn="l" defTabSz="914400" rtl="0" eaLnBrk="0" fontAlgn="base" latinLnBrk="0" hangingPunct="0">
+              <a:lnSpc>
+                <a:spcPct val="100000"/>
+              </a:lnSpc>
+              <a:spcBef>
+                <a:spcPct val="0"/>
+              </a:spcBef>
+              <a:spcAft>
+                <a:spcPct val="0"/>
+              </a:spcAft>
+              <a:buClrTx/>
+              <a:buSzTx/>
+              <a:buFontTx/>
+              <a:buNone/>
+              <a:tabLst/>
+            </a:pPr>
+            <a:r>
+              <a:rPr kumimoji="0" lang="ru-RU" altLang="ru-RU" sz="2000" b="0" i="0" u="none" strike="noStrike" cap="none" normalizeH="0" baseline="0" dirty="0" err="1">
+                <a:ln>
+                  <a:noFill/>
+                </a:ln>
+                <a:solidFill>
+                  <a:srgbClr val="9876AA"/>
+                </a:solidFill>
+                <a:effectLst/>
+                <a:latin typeface="Consolas" panose="020B0609020204030204" pitchFamily="49" charset="0"/>
+              </a:rPr>
+              <a:t>thread</a:t>
+            </a:r>
+            <a:r>
+              <a:rPr kumimoji="0" lang="ru-RU" altLang="ru-RU" sz="2000" b="0" i="0" u="none" strike="noStrike" cap="none" normalizeH="0" baseline="0" dirty="0" err="1">
+                <a:ln>
+                  <a:noFill/>
+                </a:ln>
+                <a:solidFill>
+                  <a:srgbClr val="A9B7C6"/>
+                </a:solidFill>
+                <a:effectLst/>
+                <a:latin typeface="Consolas" panose="020B0609020204030204" pitchFamily="49" charset="0"/>
+              </a:rPr>
+              <a:t>.start</a:t>
+            </a:r>
+            <a:r>
+              <a:rPr kumimoji="0" lang="ru-RU" altLang="ru-RU" sz="2000" b="0" i="0" u="none" strike="noStrike" cap="none" normalizeH="0" baseline="0" dirty="0">
+                <a:ln>
+                  <a:noFill/>
+                </a:ln>
+                <a:solidFill>
+                  <a:srgbClr val="A9B7C6"/>
+                </a:solidFill>
+                <a:effectLst/>
+                <a:latin typeface="Consolas" panose="020B0609020204030204" pitchFamily="49" charset="0"/>
+              </a:rPr>
+              <a:t>()</a:t>
+            </a:r>
+            <a:endParaRPr kumimoji="0" lang="ru-RU" altLang="ru-RU" sz="2000" b="0" i="0" u="none" strike="noStrike" cap="none" normalizeH="0" baseline="0" dirty="0">
+              <a:ln>
+                <a:noFill/>
+              </a:ln>
+              <a:solidFill>
+                <a:schemeClr val="tx1"/>
+              </a:solidFill>
+              <a:effectLst/>
+              <a:latin typeface="Arial" panose="020B0604020202020204" pitchFamily="34" charset="0"/>
+            </a:endParaRPr>
+          </a:p>
+        </p:txBody>
+      </p:sp>
+      <p:sp>
+        <p:nvSpPr>
+          <p:cNvPr id="5" name="Rectangle 4">
+            <a:extLst>
+              <a:ext uri="{FF2B5EF4-FFF2-40B4-BE49-F238E27FC236}">
+                <a16:creationId xmlns:a16="http://schemas.microsoft.com/office/drawing/2014/main" id="{7602D6F7-2D0F-45A5-A768-D67B59A4FD6D}"/>
+              </a:ext>
+            </a:extLst>
+          </p:cNvPr>
+          <p:cNvSpPr>
+            <a:spLocks noChangeArrowheads="1"/>
+          </p:cNvSpPr>
+          <p:nvPr/>
+        </p:nvSpPr>
+        <p:spPr bwMode="auto">
+          <a:xfrm>
+            <a:off x="1290637" y="1983225"/>
+            <a:ext cx="5121915" cy="1015663"/>
+          </a:xfrm>
+          <a:prstGeom prst="rect">
+            <a:avLst/>
+          </a:prstGeom>
+          <a:solidFill>
+            <a:srgbClr val="2B2B2B"/>
+          </a:solidFill>
+          <a:ln>
+            <a:noFill/>
+          </a:ln>
+          <a:effectLst/>
+          <a:extLst>
+            <a:ext uri="{91240B29-F687-4F45-9708-019B960494DF}">
+              <a14:hiddenLine xmlns:a14="http://schemas.microsoft.com/office/drawing/2010/main" w="9525">
+                <a:solidFill>
+                  <a:schemeClr val="tx1"/>
+                </a:solidFill>
+                <a:miter lim="800000"/>
+                <a:headEnd/>
+                <a:tailEnd/>
+              </a14:hiddenLine>
+            </a:ext>
+            <a:ext uri="{AF507438-7753-43E0-B8FC-AC1667EBCBE1}">
+              <a14:hiddenEffects xmlns:a14="http://schemas.microsoft.com/office/drawing/2010/main">
+                <a:effectLst>
+                  <a:outerShdw dist="35921" dir="2700000" algn="ctr" rotWithShape="0">
+                    <a:schemeClr val="bg2"/>
+                  </a:outerShdw>
+                </a:effectLst>
+              </a14:hiddenEffects>
+            </a:ext>
+          </a:extLst>
+        </p:spPr>
+        <p:txBody>
+          <a:bodyPr vert="horz" wrap="none" lIns="91440" tIns="45720" rIns="91440" bIns="45720" numCol="1" anchor="ctr" anchorCtr="0" compatLnSpc="1">
+            <a:prstTxWarp prst="textNoShape">
+              <a:avLst/>
+            </a:prstTxWarp>
+            <a:spAutoFit/>
+          </a:bodyPr>
+          <a:lstStyle/>
+          <a:p>
+            <a:pPr marL="0" marR="0" lvl="0" indent="0" algn="l" defTabSz="914400" rtl="0" eaLnBrk="0" fontAlgn="base" latinLnBrk="0" hangingPunct="0">
+              <a:lnSpc>
+                <a:spcPct val="100000"/>
+              </a:lnSpc>
+              <a:spcBef>
+                <a:spcPct val="0"/>
+              </a:spcBef>
+              <a:spcAft>
+                <a:spcPct val="0"/>
+              </a:spcAft>
+              <a:buClrTx/>
+              <a:buSzTx/>
+              <a:buFontTx/>
+              <a:buNone/>
+              <a:tabLst/>
+            </a:pPr>
+            <a:r>
+              <a:rPr kumimoji="0" lang="ru-RU" altLang="ru-RU" sz="2000" b="0" i="0" u="none" strike="noStrike" cap="none" normalizeH="0" baseline="0" dirty="0" err="1">
+                <a:ln>
+                  <a:noFill/>
+                </a:ln>
+                <a:solidFill>
+                  <a:srgbClr val="CC7832"/>
+                </a:solidFill>
+                <a:effectLst/>
+                <a:latin typeface="Consolas" panose="020B0609020204030204" pitchFamily="49" charset="0"/>
+              </a:rPr>
+              <a:t>val</a:t>
+            </a:r>
+            <a:r>
+              <a:rPr kumimoji="0" lang="ru-RU" altLang="ru-RU" sz="2000" b="0" i="0" u="none" strike="noStrike" cap="none" normalizeH="0" baseline="0" dirty="0">
+                <a:ln>
+                  <a:noFill/>
+                </a:ln>
+                <a:solidFill>
+                  <a:srgbClr val="CC7832"/>
+                </a:solidFill>
+                <a:effectLst/>
+                <a:latin typeface="Consolas" panose="020B0609020204030204" pitchFamily="49" charset="0"/>
+              </a:rPr>
+              <a:t> </a:t>
+            </a:r>
+            <a:r>
+              <a:rPr kumimoji="0" lang="ru-RU" altLang="ru-RU" sz="2000" b="0" i="0" u="none" strike="noStrike" cap="none" normalizeH="0" baseline="0" dirty="0" err="1">
+                <a:ln>
+                  <a:noFill/>
+                </a:ln>
+                <a:solidFill>
+                  <a:srgbClr val="9876AA"/>
+                </a:solidFill>
+                <a:effectLst/>
+                <a:latin typeface="Consolas" panose="020B0609020204030204" pitchFamily="49" charset="0"/>
+              </a:rPr>
+              <a:t>thread</a:t>
+            </a:r>
+            <a:r>
+              <a:rPr kumimoji="0" lang="ru-RU" altLang="ru-RU" sz="2000" b="0" i="0" u="none" strike="noStrike" cap="none" normalizeH="0" baseline="0" dirty="0">
+                <a:ln>
+                  <a:noFill/>
+                </a:ln>
+                <a:solidFill>
+                  <a:srgbClr val="9876AA"/>
+                </a:solidFill>
+                <a:effectLst/>
+                <a:latin typeface="Consolas" panose="020B0609020204030204" pitchFamily="49" charset="0"/>
+              </a:rPr>
+              <a:t> </a:t>
+            </a:r>
+            <a:r>
+              <a:rPr kumimoji="0" lang="ru-RU" altLang="ru-RU" sz="2000" b="0" i="0" u="none" strike="noStrike" cap="none" normalizeH="0" baseline="0" dirty="0">
+                <a:ln>
+                  <a:noFill/>
+                </a:ln>
+                <a:solidFill>
+                  <a:srgbClr val="A9B7C6"/>
+                </a:solidFill>
+                <a:effectLst/>
+                <a:latin typeface="Consolas" panose="020B0609020204030204" pitchFamily="49" charset="0"/>
+              </a:rPr>
+              <a:t>= </a:t>
+            </a:r>
+            <a:r>
+              <a:rPr kumimoji="0" lang="ru-RU" altLang="ru-RU" sz="2000" b="0" i="0" u="none" strike="noStrike" cap="none" normalizeH="0" baseline="0" dirty="0" err="1">
+                <a:ln>
+                  <a:noFill/>
+                </a:ln>
+                <a:solidFill>
+                  <a:srgbClr val="A9B7C6"/>
+                </a:solidFill>
+                <a:effectLst/>
+                <a:latin typeface="Consolas" panose="020B0609020204030204" pitchFamily="49" charset="0"/>
+              </a:rPr>
+              <a:t>Thread</a:t>
+            </a:r>
+            <a:r>
+              <a:rPr kumimoji="0" lang="ru-RU" altLang="ru-RU" sz="2000" b="0" i="0" u="none" strike="noStrike" cap="none" normalizeH="0" baseline="0" dirty="0">
+                <a:ln>
+                  <a:noFill/>
+                </a:ln>
+                <a:solidFill>
+                  <a:srgbClr val="A9B7C6"/>
+                </a:solidFill>
+                <a:effectLst/>
+                <a:latin typeface="Consolas" panose="020B0609020204030204" pitchFamily="49" charset="0"/>
+              </a:rPr>
+              <a:t> </a:t>
+            </a:r>
+            <a:r>
+              <a:rPr kumimoji="0" lang="ru-RU" altLang="ru-RU" sz="2000" b="1" i="0" u="none" strike="noStrike" cap="none" normalizeH="0" baseline="0" dirty="0">
+                <a:ln>
+                  <a:noFill/>
+                </a:ln>
+                <a:solidFill>
+                  <a:srgbClr val="A9B7C6"/>
+                </a:solidFill>
+                <a:effectLst/>
+                <a:latin typeface="Consolas" panose="020B0609020204030204" pitchFamily="49" charset="0"/>
+              </a:rPr>
+              <a:t>{</a:t>
+            </a:r>
+            <a:br>
+              <a:rPr kumimoji="0" lang="ru-RU" altLang="ru-RU" sz="2000" b="1" i="0" u="none" strike="noStrike" cap="none" normalizeH="0" baseline="0" dirty="0">
+                <a:ln>
+                  <a:noFill/>
+                </a:ln>
+                <a:solidFill>
+                  <a:srgbClr val="A9B7C6"/>
+                </a:solidFill>
+                <a:effectLst/>
+                <a:latin typeface="Consolas" panose="020B0609020204030204" pitchFamily="49" charset="0"/>
+              </a:rPr>
+            </a:br>
+            <a:r>
+              <a:rPr kumimoji="0" lang="ru-RU" altLang="ru-RU" sz="2000" b="1" i="0" u="none" strike="noStrike" cap="none" normalizeH="0" baseline="0" dirty="0">
+                <a:ln>
+                  <a:noFill/>
+                </a:ln>
+                <a:solidFill>
+                  <a:srgbClr val="A9B7C6"/>
+                </a:solidFill>
+                <a:effectLst/>
+                <a:latin typeface="Consolas" panose="020B0609020204030204" pitchFamily="49" charset="0"/>
+              </a:rPr>
+              <a:t>    </a:t>
+            </a:r>
+            <a:r>
+              <a:rPr kumimoji="0" lang="ru-RU" altLang="ru-RU" sz="2000" b="0" i="1" u="none" strike="noStrike" cap="none" normalizeH="0" baseline="0" dirty="0" err="1">
+                <a:ln>
+                  <a:noFill/>
+                </a:ln>
+                <a:solidFill>
+                  <a:srgbClr val="A9B7C6"/>
+                </a:solidFill>
+                <a:effectLst/>
+                <a:latin typeface="Consolas" panose="020B0609020204030204" pitchFamily="49" charset="0"/>
+              </a:rPr>
+              <a:t>println</a:t>
+            </a:r>
+            <a:r>
+              <a:rPr kumimoji="0" lang="ru-RU" altLang="ru-RU" sz="2000" b="0" i="0" u="none" strike="noStrike" cap="none" normalizeH="0" baseline="0" dirty="0">
+                <a:ln>
+                  <a:noFill/>
+                </a:ln>
+                <a:solidFill>
+                  <a:srgbClr val="A9B7C6"/>
+                </a:solidFill>
+                <a:effectLst/>
+                <a:latin typeface="Consolas" panose="020B0609020204030204" pitchFamily="49" charset="0"/>
+              </a:rPr>
+              <a:t>(</a:t>
+            </a:r>
+            <a:r>
+              <a:rPr kumimoji="0" lang="ru-RU" altLang="ru-RU" sz="2000" b="0" i="0" u="none" strike="noStrike" cap="none" normalizeH="0" baseline="0" dirty="0">
+                <a:ln>
+                  <a:noFill/>
+                </a:ln>
+                <a:solidFill>
+                  <a:srgbClr val="6A8759"/>
+                </a:solidFill>
+                <a:effectLst/>
+                <a:latin typeface="Consolas" panose="020B0609020204030204" pitchFamily="49" charset="0"/>
+              </a:rPr>
+              <a:t>"</a:t>
+            </a:r>
+            <a:r>
+              <a:rPr kumimoji="0" lang="ru-RU" altLang="ru-RU" sz="2000" b="0" i="0" u="none" strike="noStrike" cap="none" normalizeH="0" baseline="0" dirty="0" err="1">
+                <a:ln>
+                  <a:noFill/>
+                </a:ln>
+                <a:solidFill>
+                  <a:srgbClr val="6A8759"/>
+                </a:solidFill>
+                <a:effectLst/>
+                <a:latin typeface="Consolas" panose="020B0609020204030204" pitchFamily="49" charset="0"/>
+              </a:rPr>
+              <a:t>Some</a:t>
+            </a:r>
+            <a:r>
+              <a:rPr kumimoji="0" lang="ru-RU" altLang="ru-RU" sz="2000" b="0" i="0" u="none" strike="noStrike" cap="none" normalizeH="0" baseline="0" dirty="0">
+                <a:ln>
+                  <a:noFill/>
+                </a:ln>
+                <a:solidFill>
+                  <a:srgbClr val="6A8759"/>
+                </a:solidFill>
+                <a:effectLst/>
+                <a:latin typeface="Consolas" panose="020B0609020204030204" pitchFamily="49" charset="0"/>
+              </a:rPr>
+              <a:t> </a:t>
+            </a:r>
+            <a:r>
+              <a:rPr kumimoji="0" lang="ru-RU" altLang="ru-RU" sz="2000" b="0" i="0" u="none" strike="noStrike" cap="none" normalizeH="0" baseline="0" dirty="0" err="1">
+                <a:ln>
+                  <a:noFill/>
+                </a:ln>
+                <a:solidFill>
+                  <a:srgbClr val="6A8759"/>
+                </a:solidFill>
+                <a:effectLst/>
+                <a:latin typeface="Consolas" panose="020B0609020204030204" pitchFamily="49" charset="0"/>
+              </a:rPr>
+              <a:t>background</a:t>
+            </a:r>
+            <a:r>
+              <a:rPr kumimoji="0" lang="ru-RU" altLang="ru-RU" sz="2000" b="0" i="0" u="none" strike="noStrike" cap="none" normalizeH="0" baseline="0" dirty="0">
+                <a:ln>
+                  <a:noFill/>
+                </a:ln>
+                <a:solidFill>
+                  <a:srgbClr val="6A8759"/>
+                </a:solidFill>
+                <a:effectLst/>
+                <a:latin typeface="Consolas" panose="020B0609020204030204" pitchFamily="49" charset="0"/>
+              </a:rPr>
+              <a:t> </a:t>
+            </a:r>
+            <a:r>
+              <a:rPr kumimoji="0" lang="ru-RU" altLang="ru-RU" sz="2000" b="0" i="0" u="none" strike="noStrike" cap="none" normalizeH="0" baseline="0" dirty="0" err="1">
+                <a:ln>
+                  <a:noFill/>
+                </a:ln>
+                <a:solidFill>
+                  <a:srgbClr val="6A8759"/>
+                </a:solidFill>
+                <a:effectLst/>
+                <a:latin typeface="Consolas" panose="020B0609020204030204" pitchFamily="49" charset="0"/>
+              </a:rPr>
+              <a:t>work</a:t>
+            </a:r>
+            <a:r>
+              <a:rPr kumimoji="0" lang="ru-RU" altLang="ru-RU" sz="2000" b="0" i="0" u="none" strike="noStrike" cap="none" normalizeH="0" baseline="0" dirty="0">
+                <a:ln>
+                  <a:noFill/>
+                </a:ln>
+                <a:solidFill>
+                  <a:srgbClr val="6A8759"/>
+                </a:solidFill>
+                <a:effectLst/>
+                <a:latin typeface="Consolas" panose="020B0609020204030204" pitchFamily="49" charset="0"/>
+              </a:rPr>
+              <a:t>"</a:t>
+            </a:r>
+            <a:r>
+              <a:rPr kumimoji="0" lang="ru-RU" altLang="ru-RU" sz="2000" b="0" i="0" u="none" strike="noStrike" cap="none" normalizeH="0" baseline="0" dirty="0">
+                <a:ln>
+                  <a:noFill/>
+                </a:ln>
+                <a:solidFill>
+                  <a:srgbClr val="A9B7C6"/>
+                </a:solidFill>
+                <a:effectLst/>
+                <a:latin typeface="Consolas" panose="020B0609020204030204" pitchFamily="49" charset="0"/>
+              </a:rPr>
+              <a:t>)</a:t>
+            </a:r>
+            <a:br>
+              <a:rPr kumimoji="0" lang="ru-RU" altLang="ru-RU" sz="2000" b="0" i="0" u="none" strike="noStrike" cap="none" normalizeH="0" baseline="0" dirty="0">
+                <a:ln>
+                  <a:noFill/>
+                </a:ln>
+                <a:solidFill>
+                  <a:srgbClr val="A9B7C6"/>
+                </a:solidFill>
+                <a:effectLst/>
+                <a:latin typeface="Consolas" panose="020B0609020204030204" pitchFamily="49" charset="0"/>
+              </a:rPr>
+            </a:br>
+            <a:r>
+              <a:rPr kumimoji="0" lang="ru-RU" altLang="ru-RU" sz="2000" b="0" i="0" u="none" strike="noStrike" cap="none" normalizeH="0" baseline="0" dirty="0">
+                <a:ln>
+                  <a:noFill/>
+                </a:ln>
+                <a:solidFill>
+                  <a:srgbClr val="A9B7C6"/>
+                </a:solidFill>
+                <a:effectLst/>
+                <a:latin typeface="Consolas" panose="020B0609020204030204" pitchFamily="49" charset="0"/>
+              </a:rPr>
+              <a:t>}</a:t>
+            </a:r>
+            <a:endParaRPr kumimoji="0" lang="ru-RU" altLang="ru-RU" sz="2000" b="0" i="0" u="none" strike="noStrike" cap="none" normalizeH="0" baseline="0" dirty="0">
+              <a:ln>
+                <a:noFill/>
+              </a:ln>
+              <a:solidFill>
+                <a:schemeClr val="tx1"/>
+              </a:solidFill>
+              <a:effectLst/>
+              <a:latin typeface="Arial" panose="020B0604020202020204" pitchFamily="34" charset="0"/>
+            </a:endParaRPr>
+          </a:p>
+        </p:txBody>
+      </p:sp>
+      <p:sp>
+        <p:nvSpPr>
+          <p:cNvPr id="7" name="CustomShape 5">
+            <a:extLst>
+              <a:ext uri="{FF2B5EF4-FFF2-40B4-BE49-F238E27FC236}">
+                <a16:creationId xmlns:a16="http://schemas.microsoft.com/office/drawing/2014/main" id="{3C199B36-405B-4974-A86E-251ADDB3C9B1}"/>
+              </a:ext>
+            </a:extLst>
+          </p:cNvPr>
+          <p:cNvSpPr/>
+          <p:nvPr/>
+        </p:nvSpPr>
+        <p:spPr>
+          <a:xfrm>
+            <a:off x="1308100" y="1547177"/>
+            <a:ext cx="4980600" cy="580320"/>
+          </a:xfrm>
+          <a:prstGeom prst="rect">
+            <a:avLst/>
+          </a:prstGeom>
+          <a:noFill/>
+          <a:ln>
+            <a:noFill/>
+          </a:ln>
+        </p:spPr>
+        <p:style>
+          <a:lnRef idx="0">
+            <a:scrgbClr r="0" g="0" b="0"/>
+          </a:lnRef>
+          <a:fillRef idx="0">
+            <a:scrgbClr r="0" g="0" b="0"/>
+          </a:fillRef>
+          <a:effectRef idx="0">
+            <a:scrgbClr r="0" g="0" b="0"/>
+          </a:effectRef>
+          <a:fontRef idx="minor"/>
+        </p:style>
+        <p:txBody>
+          <a:bodyPr lIns="90000" tIns="91440" rIns="90000" bIns="91440"/>
+          <a:lstStyle/>
+          <a:p>
+            <a:pPr>
+              <a:lnSpc>
+                <a:spcPct val="100000"/>
+              </a:lnSpc>
+            </a:pPr>
+            <a:r>
+              <a:rPr lang="ru-RU" sz="2400" dirty="0">
+                <a:solidFill>
+                  <a:schemeClr val="bg1"/>
+                </a:solidFill>
+                <a:latin typeface="Arial"/>
+                <a:ea typeface="Arial"/>
+              </a:rPr>
+              <a:t>Создание потока:</a:t>
+            </a:r>
+            <a:endParaRPr dirty="0">
+              <a:solidFill>
+                <a:schemeClr val="bg1"/>
+              </a:solidFill>
+            </a:endParaRPr>
+          </a:p>
+        </p:txBody>
+      </p:sp>
+      <p:sp>
+        <p:nvSpPr>
+          <p:cNvPr id="3" name="Номер слайда 2">
+            <a:extLst>
+              <a:ext uri="{FF2B5EF4-FFF2-40B4-BE49-F238E27FC236}">
+                <a16:creationId xmlns:a16="http://schemas.microsoft.com/office/drawing/2014/main" id="{E3B878F8-3DA6-4E26-B347-CB144A6BF65A}"/>
+              </a:ext>
+            </a:extLst>
+          </p:cNvPr>
+          <p:cNvSpPr>
+            <a:spLocks noGrp="1"/>
+          </p:cNvSpPr>
+          <p:nvPr>
+            <p:ph type="sldNum" sz="quarter" idx="12"/>
+          </p:nvPr>
+        </p:nvSpPr>
+        <p:spPr/>
+        <p:txBody>
+          <a:bodyPr/>
+          <a:lstStyle/>
+          <a:p>
+            <a:fld id="{B9F5FBF0-3463-467F-B8AE-ABE55FDBCDBF}" type="slidenum">
+              <a:rPr lang="ru-RU" smtClean="0"/>
+              <a:t>2</a:t>
+            </a:fld>
+            <a:endParaRPr lang="ru-RU"/>
+          </a:p>
+        </p:txBody>
+      </p:sp>
+    </p:spTree>
+  </p:cSld>
+  <p:clrMapOvr>
+    <a:masterClrMapping/>
+  </p:clrMapOvr>
+  <p:timing>
+    <p:tnLst>
+      <p:par>
+        <p:cTn id="1" dur="indefinite" restart="never" nodeType="tmRoot">
+          <p:childTnLst>
+            <p:seq>
+              <p:cTn id="2" nodeType="mainSeq"/>
+              <p:prevCondLst>
+                <p:cond evt="onPrev" delay="0">
+                  <p:tgtEl>
+                    <p:sldTgt/>
+                  </p:tgtEl>
+                </p:cond>
+              </p:prevCondLst>
+              <p:nextCondLst>
+                <p:cond evt="onNext" delay="0">
+                  <p:tgtEl>
+                    <p:sldTgt/>
+                  </p:tgtEl>
+                </p:cond>
+              </p:nextCondLst>
+            </p:seq>
+          </p:childTnLst>
+        </p:cTn>
+      </p:par>
+    </p:tnLst>
+  </p:timing>
 </p:sld>
 </file>
 
@@ -9948,7 +7789,7 @@
         <p:spPr bwMode="auto">
           <a:xfrm>
             <a:off x="1290637" y="3621978"/>
-            <a:ext cx="3570208" cy="400110"/>
+            <a:ext cx="3711272" cy="400110"/>
           </a:xfrm>
           <a:prstGeom prst="rect">
             <a:avLst/>
@@ -10008,19 +7849,71 @@
               <a:tabLst/>
             </a:pPr>
             <a:r>
-              <a:rPr kumimoji="0" lang="ru-RU" altLang="ru-RU" sz="2000" b="0" i="0" u="none" strike="noStrike" cap="none" normalizeH="0" baseline="0">
-                <a:ln>
-                  <a:noFill/>
-                </a:ln>
-                <a:solidFill>
-                  <a:srgbClr val="A9B7C6"/>
-                </a:solidFill>
-                <a:effectLst/>
-                <a:latin typeface="Consolas" panose="020B0609020204030204" pitchFamily="49" charset="0"/>
-              </a:rPr>
-              <a:t>Thread(runnable).start()</a:t>
-            </a:r>
-            <a:endParaRPr kumimoji="0" lang="ru-RU" altLang="ru-RU" sz="2000" b="0" i="0" u="none" strike="noStrike" cap="none" normalizeH="0" baseline="0">
+              <a:rPr kumimoji="0" lang="ru-RU" altLang="ru-RU" sz="2000" b="0" i="0" u="none" strike="noStrike" cap="none" normalizeH="0" baseline="0" dirty="0">
+                <a:ln>
+                  <a:noFill/>
+                </a:ln>
+                <a:solidFill>
+                  <a:srgbClr val="A9B7C6"/>
+                </a:solidFill>
+                <a:effectLst/>
+                <a:latin typeface="Consolas" panose="020B0609020204030204" pitchFamily="49" charset="0"/>
+              </a:rPr>
+              <a:t>Thread1(</a:t>
+            </a:r>
+            <a:r>
+              <a:rPr kumimoji="0" lang="ru-RU" altLang="ru-RU" sz="2000" b="0" i="0" u="none" strike="noStrike" cap="none" normalizeH="0" baseline="0" dirty="0" err="1">
+                <a:ln>
+                  <a:noFill/>
+                </a:ln>
+                <a:solidFill>
+                  <a:srgbClr val="A9B7C6"/>
+                </a:solidFill>
+                <a:effectLst/>
+                <a:latin typeface="Consolas" panose="020B0609020204030204" pitchFamily="49" charset="0"/>
+              </a:rPr>
+              <a:t>runnable</a:t>
+            </a:r>
+            <a:r>
+              <a:rPr kumimoji="0" lang="ru-RU" altLang="ru-RU" sz="2000" b="0" i="0" u="none" strike="noStrike" cap="none" normalizeH="0" baseline="0" dirty="0">
+                <a:ln>
+                  <a:noFill/>
+                </a:ln>
+                <a:solidFill>
+                  <a:srgbClr val="A9B7C6"/>
+                </a:solidFill>
+                <a:effectLst/>
+                <a:latin typeface="Consolas" panose="020B0609020204030204" pitchFamily="49" charset="0"/>
+              </a:rPr>
+              <a:t>).</a:t>
+            </a:r>
+            <a:r>
+              <a:rPr kumimoji="0" lang="ru-RU" altLang="ru-RU" sz="2000" b="0" i="0" u="none" strike="noStrike" cap="none" normalizeH="0" baseline="0" dirty="0" err="1">
+                <a:ln>
+                  <a:noFill/>
+                </a:ln>
+                <a:solidFill>
+                  <a:srgbClr val="A9B7C6"/>
+                </a:solidFill>
+                <a:effectLst/>
+                <a:latin typeface="Consolas" panose="020B0609020204030204" pitchFamily="49" charset="0"/>
+              </a:rPr>
+              <a:t>start</a:t>
+            </a:r>
+            <a:r>
+              <a:rPr kumimoji="0" lang="ru-RU" altLang="ru-RU" sz="2000" b="0" i="0" u="none" strike="noStrike" cap="none" normalizeH="0" baseline="0" dirty="0">
+                <a:ln>
+                  <a:noFill/>
+                </a:ln>
+                <a:solidFill>
+                  <a:srgbClr val="A9B7C6"/>
+                </a:solidFill>
+                <a:effectLst/>
+                <a:latin typeface="Consolas" panose="020B0609020204030204" pitchFamily="49" charset="0"/>
+              </a:rPr>
+              <a:t>()</a:t>
+            </a:r>
+            <a:endParaRPr kumimoji="0" lang="ru-RU" altLang="ru-RU" sz="2000" b="0" i="0" u="none" strike="noStrike" cap="none" normalizeH="0" baseline="0" dirty="0">
               <a:ln>
                 <a:noFill/>
               </a:ln>
@@ -10143,6 +8036,160 @@
               <a:t>3</a:t>
             </a:fld>
             <a:endParaRPr lang="ru-RU"/>
+          </a:p>
+        </p:txBody>
+      </p:sp>
+      <p:sp>
+        <p:nvSpPr>
+          <p:cNvPr id="9" name="Rectangle 2">
+            <a:extLst>
+              <a:ext uri="{FF2B5EF4-FFF2-40B4-BE49-F238E27FC236}">
+                <a16:creationId xmlns:a16="http://schemas.microsoft.com/office/drawing/2014/main" id="{3D7FCB94-E186-4A57-9944-2E45847A5C6B}"/>
+              </a:ext>
+            </a:extLst>
+          </p:cNvPr>
+          <p:cNvSpPr>
+            <a:spLocks noChangeArrowheads="1"/>
+          </p:cNvSpPr>
+          <p:nvPr/>
+        </p:nvSpPr>
+        <p:spPr bwMode="auto">
+          <a:xfrm>
+            <a:off x="1290637" y="4101923"/>
+            <a:ext cx="3711272" cy="400110"/>
+          </a:xfrm>
+          <a:prstGeom prst="rect">
+            <a:avLst/>
+          </a:prstGeom>
+          <a:solidFill>
+            <a:srgbClr val="2B2B2B"/>
+          </a:solidFill>
+          <a:ln>
+            <a:noFill/>
+          </a:ln>
+          <a:effectLst/>
+          <a:extLst>
+            <a:ext uri="{91240B29-F687-4F45-9708-019B960494DF}">
+              <a14:hiddenLine xmlns:a14="http://schemas.microsoft.com/office/drawing/2010/main" w="9525">
+                <a:solidFill>
+                  <a:schemeClr val="tx1"/>
+                </a:solidFill>
+                <a:miter lim="800000"/>
+                <a:headEnd/>
+                <a:tailEnd/>
+              </a14:hiddenLine>
+            </a:ext>
+            <a:ext uri="{AF507438-7753-43E0-B8FC-AC1667EBCBE1}">
+              <a14:hiddenEffects xmlns:a14="http://schemas.microsoft.com/office/drawing/2010/main">
+                <a:effectLst>
+                  <a:outerShdw dist="35921" dir="2700000" algn="ctr" rotWithShape="0">
+                    <a:schemeClr val="bg2"/>
+                  </a:outerShdw>
+                </a:effectLst>
+              </a14:hiddenEffects>
+            </a:ext>
+          </a:extLst>
+        </p:spPr>
+        <p:txBody>
+          <a:bodyPr vert="horz" wrap="none" lIns="91440" tIns="45720" rIns="91440" bIns="45720" numCol="1" anchor="ctr" anchorCtr="0" compatLnSpc="1">
+            <a:prstTxWarp prst="textNoShape">
+              <a:avLst/>
+            </a:prstTxWarp>
+            <a:spAutoFit/>
+          </a:bodyPr>
+          <a:lstStyle/>
+          <a:p>
+            <a:pPr marL="0" marR="0" lvl="0" indent="0" algn="l" defTabSz="914400" rtl="0" eaLnBrk="0" fontAlgn="base" latinLnBrk="0" hangingPunct="0">
+              <a:lnSpc>
+                <a:spcPct val="100000"/>
+              </a:lnSpc>
+              <a:spcBef>
+                <a:spcPct val="0"/>
+              </a:spcBef>
+              <a:spcAft>
+                <a:spcPct val="0"/>
+              </a:spcAft>
+              <a:buClrTx/>
+              <a:buSzTx/>
+              <a:buFontTx/>
+              <a:buNone/>
+              <a:tabLst/>
+            </a:pPr>
+            <a:r>
+              <a:rPr kumimoji="0" lang="ru-RU" altLang="ru-RU" sz="2000" b="0" i="0" u="none" strike="noStrike" cap="none" normalizeH="0" baseline="0" dirty="0">
+                <a:ln>
+                  <a:noFill/>
+                </a:ln>
+                <a:solidFill>
+                  <a:srgbClr val="A9B7C6"/>
+                </a:solidFill>
+                <a:effectLst/>
+                <a:latin typeface="Consolas" panose="020B0609020204030204" pitchFamily="49" charset="0"/>
+              </a:rPr>
+              <a:t>Thread2(</a:t>
+            </a:r>
+            <a:r>
+              <a:rPr kumimoji="0" lang="ru-RU" altLang="ru-RU" sz="2000" b="0" i="0" u="none" strike="noStrike" cap="none" normalizeH="0" baseline="0" dirty="0" err="1">
+                <a:ln>
+                  <a:noFill/>
+                </a:ln>
+                <a:solidFill>
+                  <a:srgbClr val="A9B7C6"/>
+                </a:solidFill>
+                <a:effectLst/>
+                <a:latin typeface="Consolas" panose="020B0609020204030204" pitchFamily="49" charset="0"/>
+              </a:rPr>
+              <a:t>runnable</a:t>
+            </a:r>
+            <a:r>
+              <a:rPr kumimoji="0" lang="ru-RU" altLang="ru-RU" sz="2000" b="0" i="0" u="none" strike="noStrike" cap="none" normalizeH="0" baseline="0" dirty="0">
+                <a:ln>
+                  <a:noFill/>
+                </a:ln>
+                <a:solidFill>
+                  <a:srgbClr val="A9B7C6"/>
+                </a:solidFill>
+                <a:effectLst/>
+                <a:latin typeface="Consolas" panose="020B0609020204030204" pitchFamily="49" charset="0"/>
+              </a:rPr>
+              <a:t>).</a:t>
+            </a:r>
+            <a:r>
+              <a:rPr kumimoji="0" lang="ru-RU" altLang="ru-RU" sz="2000" b="0" i="0" u="none" strike="noStrike" cap="none" normalizeH="0" baseline="0" dirty="0" err="1">
+                <a:ln>
+                  <a:noFill/>
+                </a:ln>
+                <a:solidFill>
+                  <a:srgbClr val="A9B7C6"/>
+                </a:solidFill>
+                <a:effectLst/>
+                <a:latin typeface="Consolas" panose="020B0609020204030204" pitchFamily="49" charset="0"/>
+              </a:rPr>
+              <a:t>start</a:t>
+            </a:r>
+            <a:r>
+              <a:rPr kumimoji="0" lang="ru-RU" altLang="ru-RU" sz="2000" b="0" i="0" u="none" strike="noStrike" cap="none" normalizeH="0" baseline="0" dirty="0">
+                <a:ln>
+                  <a:noFill/>
+                </a:ln>
+                <a:solidFill>
+                  <a:srgbClr val="A9B7C6"/>
+                </a:solidFill>
+                <a:effectLst/>
+                <a:latin typeface="Consolas" panose="020B0609020204030204" pitchFamily="49" charset="0"/>
+              </a:rPr>
+              <a:t>()</a:t>
+            </a:r>
+            <a:endParaRPr kumimoji="0" lang="ru-RU" altLang="ru-RU" sz="2000" b="0" i="0" u="none" strike="noStrike" cap="none" normalizeH="0" baseline="0" dirty="0">
+              <a:ln>
+                <a:noFill/>
+              </a:ln>
+              <a:solidFill>
+                <a:schemeClr val="tx1"/>
+              </a:solidFill>
+              <a:effectLst/>
+              <a:latin typeface="Arial" panose="020B0604020202020204" pitchFamily="34" charset="0"/>
+            </a:endParaRPr>
           </a:p>
         </p:txBody>
       </p:sp>
@@ -16245,7 +14292,7 @@
                   <a:schemeClr val="bg1"/>
                 </a:solidFill>
               </a:rPr>
-              <a:t>Как выполнять длительные задач в </a:t>
+              <a:t>Почему нужно выполнять длительные задачи в </a:t>
             </a:r>
             <a:r>
               <a:rPr lang="en-US" dirty="0">
@@ -16261,7 +14308,7 @@
                   <a:schemeClr val="bg1"/>
                 </a:solidFill>
               </a:rPr>
-              <a:t>тредах</a:t>
+              <a:t>треде</a:t>
             </a:r>
             <a:r>
               <a:rPr lang="ru-RU" dirty="0">
